--- a/docs/FlowChartForSVGF.pptx
+++ b/docs/FlowChartForSVGF.pptx
@@ -6,9 +6,12 @@
   </p:sldMasterIdLst>
   <p:sldIdLst>
     <p:sldId id="256" r:id="rId2"/>
-    <p:sldId id="257" r:id="rId3"/>
-    <p:sldId id="258" r:id="rId4"/>
-    <p:sldId id="259" r:id="rId5"/>
+    <p:sldId id="263" r:id="rId3"/>
+    <p:sldId id="257" r:id="rId4"/>
+    <p:sldId id="258" r:id="rId5"/>
+    <p:sldId id="259" r:id="rId6"/>
+    <p:sldId id="260" r:id="rId7"/>
+    <p:sldId id="261" r:id="rId8"/>
   </p:sldIdLst>
   <p:sldSz cx="9144000" cy="6858000" type="screen4x3"/>
   <p:notesSz cx="6858000" cy="9144000"/>
@@ -291,7 +294,7 @@
           <a:p>
             <a:fld id="{99D62BBE-D38D-46BF-BA88-6A1B14F6F1E9}" type="datetimeFigureOut">
               <a:rPr kumimoji="1" lang="ja-JP" altLang="en-US" smtClean="0"/>
-              <a:t>2017/8/9</a:t>
+              <a:t>2017/8/10</a:t>
             </a:fld>
             <a:endParaRPr kumimoji="1" lang="ja-JP" altLang="en-US"/>
           </a:p>
@@ -493,7 +496,7 @@
           <a:p>
             <a:fld id="{99D62BBE-D38D-46BF-BA88-6A1B14F6F1E9}" type="datetimeFigureOut">
               <a:rPr kumimoji="1" lang="ja-JP" altLang="en-US" smtClean="0"/>
-              <a:t>2017/8/9</a:t>
+              <a:t>2017/8/10</a:t>
             </a:fld>
             <a:endParaRPr kumimoji="1" lang="ja-JP" altLang="en-US"/>
           </a:p>
@@ -705,7 +708,7 @@
           <a:p>
             <a:fld id="{99D62BBE-D38D-46BF-BA88-6A1B14F6F1E9}" type="datetimeFigureOut">
               <a:rPr kumimoji="1" lang="ja-JP" altLang="en-US" smtClean="0"/>
-              <a:t>2017/8/9</a:t>
+              <a:t>2017/8/10</a:t>
             </a:fld>
             <a:endParaRPr kumimoji="1" lang="ja-JP" altLang="en-US"/>
           </a:p>
@@ -907,7 +910,7 @@
           <a:p>
             <a:fld id="{99D62BBE-D38D-46BF-BA88-6A1B14F6F1E9}" type="datetimeFigureOut">
               <a:rPr kumimoji="1" lang="ja-JP" altLang="en-US" smtClean="0"/>
-              <a:t>2017/8/9</a:t>
+              <a:t>2017/8/10</a:t>
             </a:fld>
             <a:endParaRPr kumimoji="1" lang="ja-JP" altLang="en-US"/>
           </a:p>
@@ -1153,7 +1156,7 @@
           <a:p>
             <a:fld id="{99D62BBE-D38D-46BF-BA88-6A1B14F6F1E9}" type="datetimeFigureOut">
               <a:rPr kumimoji="1" lang="ja-JP" altLang="en-US" smtClean="0"/>
-              <a:t>2017/8/9</a:t>
+              <a:t>2017/8/10</a:t>
             </a:fld>
             <a:endParaRPr kumimoji="1" lang="ja-JP" altLang="en-US"/>
           </a:p>
@@ -1505,7 +1508,7 @@
           <a:p>
             <a:fld id="{99D62BBE-D38D-46BF-BA88-6A1B14F6F1E9}" type="datetimeFigureOut">
               <a:rPr kumimoji="1" lang="ja-JP" altLang="en-US" smtClean="0"/>
-              <a:t>2017/8/9</a:t>
+              <a:t>2017/8/10</a:t>
             </a:fld>
             <a:endParaRPr kumimoji="1" lang="ja-JP" altLang="en-US"/>
           </a:p>
@@ -1991,7 +1994,7 @@
           <a:p>
             <a:fld id="{99D62BBE-D38D-46BF-BA88-6A1B14F6F1E9}" type="datetimeFigureOut">
               <a:rPr kumimoji="1" lang="ja-JP" altLang="en-US" smtClean="0"/>
-              <a:t>2017/8/9</a:t>
+              <a:t>2017/8/10</a:t>
             </a:fld>
             <a:endParaRPr kumimoji="1" lang="ja-JP" altLang="en-US"/>
           </a:p>
@@ -2109,7 +2112,7 @@
           <a:p>
             <a:fld id="{99D62BBE-D38D-46BF-BA88-6A1B14F6F1E9}" type="datetimeFigureOut">
               <a:rPr kumimoji="1" lang="ja-JP" altLang="en-US" smtClean="0"/>
-              <a:t>2017/8/9</a:t>
+              <a:t>2017/8/10</a:t>
             </a:fld>
             <a:endParaRPr kumimoji="1" lang="ja-JP" altLang="en-US"/>
           </a:p>
@@ -2204,7 +2207,7 @@
           <a:p>
             <a:fld id="{99D62BBE-D38D-46BF-BA88-6A1B14F6F1E9}" type="datetimeFigureOut">
               <a:rPr kumimoji="1" lang="ja-JP" altLang="en-US" smtClean="0"/>
-              <a:t>2017/8/9</a:t>
+              <a:t>2017/8/10</a:t>
             </a:fld>
             <a:endParaRPr kumimoji="1" lang="ja-JP" altLang="en-US"/>
           </a:p>
@@ -2513,7 +2516,7 @@
           <a:p>
             <a:fld id="{99D62BBE-D38D-46BF-BA88-6A1B14F6F1E9}" type="datetimeFigureOut">
               <a:rPr kumimoji="1" lang="ja-JP" altLang="en-US" smtClean="0"/>
-              <a:t>2017/8/9</a:t>
+              <a:t>2017/8/10</a:t>
             </a:fld>
             <a:endParaRPr kumimoji="1" lang="ja-JP" altLang="en-US"/>
           </a:p>
@@ -2766,7 +2769,7 @@
           <a:p>
             <a:fld id="{99D62BBE-D38D-46BF-BA88-6A1B14F6F1E9}" type="datetimeFigureOut">
               <a:rPr kumimoji="1" lang="ja-JP" altLang="en-US" smtClean="0"/>
-              <a:t>2017/8/9</a:t>
+              <a:t>2017/8/10</a:t>
             </a:fld>
             <a:endParaRPr kumimoji="1" lang="ja-JP" altLang="en-US"/>
           </a:p>
@@ -3011,7 +3014,7 @@
           <a:p>
             <a:fld id="{99D62BBE-D38D-46BF-BA88-6A1B14F6F1E9}" type="datetimeFigureOut">
               <a:rPr kumimoji="1" lang="ja-JP" altLang="en-US" smtClean="0"/>
-              <a:t>2017/8/9</a:t>
+              <a:t>2017/8/10</a:t>
             </a:fld>
             <a:endParaRPr kumimoji="1" lang="ja-JP" altLang="en-US"/>
           </a:p>
@@ -3865,7 +3868,7 @@
         </p:nvSpPr>
         <p:spPr>
           <a:xfrm>
-            <a:off x="2552052" y="4907549"/>
+            <a:off x="4397798" y="1757947"/>
             <a:ext cx="1512168" cy="504056"/>
           </a:xfrm>
           <a:prstGeom prst="rect">
@@ -3908,42 +3911,6 @@
           </a:p>
         </p:txBody>
       </p:sp>
-      <p:cxnSp>
-        <p:nvCxnSpPr>
-          <p:cNvPr id="34" name="直線矢印コネクタ 33"/>
-          <p:cNvCxnSpPr>
-            <a:stCxn id="29" idx="2"/>
-            <a:endCxn id="32" idx="0"/>
-          </p:cNvCxnSpPr>
-          <p:nvPr/>
-        </p:nvCxnSpPr>
-        <p:spPr>
-          <a:xfrm flipH="1">
-            <a:off x="3308136" y="4581128"/>
-            <a:ext cx="3724" cy="326421"/>
-          </a:xfrm>
-          <a:prstGeom prst="straightConnector1">
-            <a:avLst/>
-          </a:prstGeom>
-          <a:ln>
-            <a:tailEnd type="arrow"/>
-          </a:ln>
-        </p:spPr>
-        <p:style>
-          <a:lnRef idx="1">
-            <a:schemeClr val="accent1"/>
-          </a:lnRef>
-          <a:fillRef idx="0">
-            <a:schemeClr val="accent1"/>
-          </a:fillRef>
-          <a:effectRef idx="0">
-            <a:schemeClr val="accent1"/>
-          </a:effectRef>
-          <a:fontRef idx="minor">
-            <a:schemeClr val="tx1"/>
-          </a:fontRef>
-        </p:style>
-      </p:cxnSp>
       <p:sp>
         <p:nvSpPr>
           <p:cNvPr id="35" name="テキスト ボックス 34"/>
@@ -4146,42 +4113,6 @@
           </a:fontRef>
         </p:style>
       </p:cxnSp>
-      <p:cxnSp>
-        <p:nvCxnSpPr>
-          <p:cNvPr id="49" name="カギ線コネクタ 48"/>
-          <p:cNvCxnSpPr>
-            <a:stCxn id="32" idx="2"/>
-            <a:endCxn id="38" idx="0"/>
-          </p:cNvCxnSpPr>
-          <p:nvPr/>
-        </p:nvCxnSpPr>
-        <p:spPr>
-          <a:xfrm rot="5400000">
-            <a:off x="1961041" y="4746200"/>
-            <a:ext cx="681691" cy="2012500"/>
-          </a:xfrm>
-          <a:prstGeom prst="bentConnector3">
-            <a:avLst/>
-          </a:prstGeom>
-          <a:ln>
-            <a:tailEnd type="arrow"/>
-          </a:ln>
-        </p:spPr>
-        <p:style>
-          <a:lnRef idx="1">
-            <a:schemeClr val="accent1"/>
-          </a:lnRef>
-          <a:fillRef idx="0">
-            <a:schemeClr val="accent1"/>
-          </a:fillRef>
-          <a:effectRef idx="0">
-            <a:schemeClr val="accent1"/>
-          </a:effectRef>
-          <a:fontRef idx="minor">
-            <a:schemeClr val="tx1"/>
-          </a:fontRef>
-        </p:style>
-      </p:cxnSp>
       <p:sp>
         <p:nvSpPr>
           <p:cNvPr id="55" name="フローチャート : 定義済み処理 54"/>
@@ -4417,15 +4348,131 @@
         <p:nvCxnSpPr>
           <p:cNvPr id="65" name="カギ線コネクタ 64"/>
           <p:cNvCxnSpPr>
-            <a:stCxn id="60" idx="2"/>
+            <a:stCxn id="32" idx="2"/>
             <a:endCxn id="15" idx="3"/>
           </p:cNvCxnSpPr>
           <p:nvPr/>
         </p:nvCxnSpPr>
         <p:spPr>
           <a:xfrm rot="5400000">
-            <a:off x="2046420" y="1511219"/>
-            <a:ext cx="487686" cy="1989254"/>
+            <a:off x="2980916" y="576723"/>
+            <a:ext cx="487686" cy="3858246"/>
+          </a:xfrm>
+          <a:prstGeom prst="bentConnector3">
+            <a:avLst/>
+          </a:prstGeom>
+          <a:ln>
+            <a:tailEnd type="arrow"/>
+          </a:ln>
+        </p:spPr>
+        <p:style>
+          <a:lnRef idx="1">
+            <a:schemeClr val="accent1"/>
+          </a:lnRef>
+          <a:fillRef idx="0">
+            <a:schemeClr val="accent1"/>
+          </a:fillRef>
+          <a:effectRef idx="0">
+            <a:schemeClr val="accent1"/>
+          </a:effectRef>
+          <a:fontRef idx="minor">
+            <a:schemeClr val="tx1"/>
+          </a:fontRef>
+        </p:style>
+      </p:cxnSp>
+      <p:sp>
+        <p:nvSpPr>
+          <p:cNvPr id="39" name="正方形/長方形 38"/>
+          <p:cNvSpPr/>
+          <p:nvPr/>
+        </p:nvSpPr>
+        <p:spPr>
+          <a:xfrm>
+            <a:off x="5909966" y="4926361"/>
+            <a:ext cx="2478458" cy="1094927"/>
+          </a:xfrm>
+          <a:prstGeom prst="rect">
+            <a:avLst/>
+          </a:prstGeom>
+        </p:spPr>
+        <p:style>
+          <a:lnRef idx="2">
+            <a:schemeClr val="accent2">
+              <a:shade val="50000"/>
+            </a:schemeClr>
+          </a:lnRef>
+          <a:fillRef idx="1">
+            <a:schemeClr val="accent2"/>
+          </a:fillRef>
+          <a:effectRef idx="0">
+            <a:schemeClr val="accent2"/>
+          </a:effectRef>
+          <a:fontRef idx="minor">
+            <a:schemeClr val="lt1"/>
+          </a:fontRef>
+        </p:style>
+        <p:txBody>
+          <a:bodyPr rtlCol="0" anchor="ctr"/>
+          <a:lstStyle/>
+          <a:p>
+            <a:pPr algn="ctr"/>
+            <a:r>
+              <a:rPr kumimoji="1" lang="ja-JP" altLang="en-US" dirty="0" smtClean="0"/>
+              <a:t>案１</a:t>
+            </a:r>
+            <a:endParaRPr kumimoji="1" lang="ja-JP" altLang="en-US" dirty="0"/>
+          </a:p>
+        </p:txBody>
+      </p:sp>
+      <p:cxnSp>
+        <p:nvCxnSpPr>
+          <p:cNvPr id="13" name="直線矢印コネクタ 12"/>
+          <p:cNvCxnSpPr>
+            <a:stCxn id="60" idx="3"/>
+            <a:endCxn id="32" idx="1"/>
+          </p:cNvCxnSpPr>
+          <p:nvPr/>
+        </p:nvCxnSpPr>
+        <p:spPr>
+          <a:xfrm>
+            <a:off x="4040974" y="2009975"/>
+            <a:ext cx="356824" cy="0"/>
+          </a:xfrm>
+          <a:prstGeom prst="straightConnector1">
+            <a:avLst/>
+          </a:prstGeom>
+          <a:ln>
+            <a:tailEnd type="arrow"/>
+          </a:ln>
+        </p:spPr>
+        <p:style>
+          <a:lnRef idx="1">
+            <a:schemeClr val="accent1"/>
+          </a:lnRef>
+          <a:fillRef idx="0">
+            <a:schemeClr val="accent1"/>
+          </a:fillRef>
+          <a:effectRef idx="0">
+            <a:schemeClr val="accent1"/>
+          </a:effectRef>
+          <a:fontRef idx="minor">
+            <a:schemeClr val="tx1"/>
+          </a:fontRef>
+        </p:style>
+      </p:cxnSp>
+      <p:cxnSp>
+        <p:nvCxnSpPr>
+          <p:cNvPr id="18" name="カギ線コネクタ 17"/>
+          <p:cNvCxnSpPr>
+            <a:stCxn id="29" idx="2"/>
+            <a:endCxn id="17" idx="1"/>
+          </p:cNvCxnSpPr>
+          <p:nvPr/>
+        </p:nvCxnSpPr>
+        <p:spPr>
+          <a:xfrm rot="5400000">
+            <a:off x="2140538" y="3736226"/>
+            <a:ext cx="326421" cy="2016224"/>
           </a:xfrm>
           <a:prstGeom prst="bentConnector3">
             <a:avLst/>
@@ -4481,13 +4528,13 @@
       </p:grpSpPr>
       <p:sp>
         <p:nvSpPr>
-          <p:cNvPr id="25" name="フローチャート : 端子 24"/>
+          <p:cNvPr id="6" name="フローチャート : 端子 5"/>
           <p:cNvSpPr/>
           <p:nvPr/>
         </p:nvSpPr>
         <p:spPr>
           <a:xfrm>
-            <a:off x="789464" y="188640"/>
+            <a:off x="755576" y="188640"/>
             <a:ext cx="1080120" cy="288032"/>
           </a:xfrm>
           <a:prstGeom prst="flowChartTerminator">
@@ -4521,16 +4568,16 @@
       </p:sp>
       <p:sp>
         <p:nvSpPr>
-          <p:cNvPr id="26" name="片側の 2 つの角を切り取った四角形 25"/>
+          <p:cNvPr id="7" name="フローチャート : 判断 6"/>
           <p:cNvSpPr/>
           <p:nvPr/>
         </p:nvSpPr>
         <p:spPr>
           <a:xfrm>
-            <a:off x="555438" y="2276872"/>
-            <a:ext cx="1548172" cy="324036"/>
-          </a:xfrm>
-          <a:prstGeom prst="snip2SameRect">
+            <a:off x="575556" y="1361903"/>
+            <a:ext cx="1440160" cy="648072"/>
+          </a:xfrm>
+          <a:prstGeom prst="flowChartDecision">
             <a:avLst/>
           </a:prstGeom>
         </p:spPr>
@@ -4551,28 +4598,36 @@
           </a:fontRef>
         </p:style>
         <p:txBody>
-          <a:bodyPr rtlCol="0" anchor="ctr"/>
-          <a:lstStyle/>
-          <a:p>
-            <a:pPr algn="ctr"/>
-            <a:r>
-              <a:rPr kumimoji="1" lang="en-US" altLang="ja-JP" dirty="0" smtClean="0"/>
-              <a:t>N bounces</a:t>
-            </a:r>
-            <a:endParaRPr kumimoji="1" lang="ja-JP" altLang="en-US" dirty="0"/>
-          </a:p>
-        </p:txBody>
-      </p:sp>
-      <p:sp>
-        <p:nvSpPr>
-          <p:cNvPr id="34" name="正方形/長方形 33"/>
+          <a:bodyPr wrap="none" rtlCol="0" anchor="ctr"/>
+          <a:lstStyle/>
+          <a:p>
+            <a:pPr algn="ctr"/>
+            <a:r>
+              <a:rPr lang="en-US" altLang="ja-JP" sz="1100" dirty="0"/>
+              <a:t>4</a:t>
+            </a:r>
+            <a:r>
+              <a:rPr kumimoji="1" lang="ja-JP" altLang="en-US" sz="1100" dirty="0" smtClean="0"/>
+              <a:t>フレーム以下</a:t>
+            </a:r>
+            <a:r>
+              <a:rPr lang="ja-JP" altLang="en-US" sz="1100" dirty="0" smtClean="0"/>
+              <a:t>？</a:t>
+            </a:r>
+            <a:endParaRPr kumimoji="1" lang="en-US" altLang="ja-JP" sz="1100" dirty="0" smtClean="0"/>
+          </a:p>
+        </p:txBody>
+      </p:sp>
+      <p:sp>
+        <p:nvSpPr>
+          <p:cNvPr id="10" name="正方形/長方形 9"/>
           <p:cNvSpPr/>
           <p:nvPr/>
         </p:nvSpPr>
         <p:spPr>
           <a:xfrm>
-            <a:off x="573440" y="766465"/>
-            <a:ext cx="1512168" cy="504056"/>
+            <a:off x="692370" y="3892287"/>
+            <a:ext cx="1188132" cy="396044"/>
           </a:xfrm>
           <a:prstGeom prst="rect">
             <a:avLst/>
@@ -4601,31 +4656,19 @@
             <a:pPr algn="ctr"/>
             <a:r>
               <a:rPr kumimoji="1" lang="en-US" altLang="ja-JP" sz="1200" dirty="0" smtClean="0"/>
-              <a:t>AOV</a:t>
-            </a:r>
-            <a:r>
-              <a:rPr kumimoji="1" lang="ja-JP" altLang="en-US" sz="1200" dirty="0" smtClean="0"/>
-              <a:t>出力先</a:t>
+              <a:t>A-</a:t>
+            </a:r>
+            <a:r>
+              <a:rPr kumimoji="1" lang="en-US" altLang="ja-JP" sz="1200" dirty="0" err="1" smtClean="0"/>
+              <a:t>Torous</a:t>
             </a:r>
             <a:endParaRPr kumimoji="1" lang="en-US" altLang="ja-JP" sz="1200" dirty="0" smtClean="0"/>
           </a:p>
           <a:p>
             <a:pPr algn="ctr"/>
             <a:r>
-              <a:rPr lang="ja-JP" altLang="en-US" sz="1200" dirty="0" smtClean="0"/>
-              <a:t>切り替え（</a:t>
-            </a:r>
-            <a:r>
-              <a:rPr lang="en-US" altLang="ja-JP" sz="1200" dirty="0" err="1" smtClean="0"/>
-              <a:t>Prev</a:t>
-            </a:r>
-            <a:r>
-              <a:rPr lang="en-US" altLang="ja-JP" sz="1200" dirty="0" smtClean="0"/>
-              <a:t>/Cur</a:t>
-            </a:r>
-            <a:r>
-              <a:rPr lang="ja-JP" altLang="en-US" sz="1200" dirty="0" smtClean="0"/>
-              <a:t>）</a:t>
+              <a:rPr lang="ja-JP" altLang="en-US" sz="1200" dirty="0"/>
+              <a:t>フィルタ</a:t>
             </a:r>
             <a:endParaRPr kumimoji="1" lang="ja-JP" altLang="en-US" sz="1200" dirty="0"/>
           </a:p>
@@ -4633,16 +4676,16 @@
       </p:sp>
       <p:sp>
         <p:nvSpPr>
-          <p:cNvPr id="50" name="正方形/長方形 49"/>
+          <p:cNvPr id="15" name="片側の 2 つの角を切り取った四角形 14"/>
           <p:cNvSpPr/>
           <p:nvPr/>
         </p:nvSpPr>
         <p:spPr>
           <a:xfrm>
-            <a:off x="573440" y="1628800"/>
-            <a:ext cx="1512168" cy="324000"/>
-          </a:xfrm>
-          <a:prstGeom prst="rect">
+            <a:off x="512350" y="3284984"/>
+            <a:ext cx="1548172" cy="324036"/>
+          </a:xfrm>
+          <a:prstGeom prst="snip2SameRect">
             <a:avLst/>
           </a:prstGeom>
         </p:spPr>
@@ -4668,8 +4711,8 @@
           <a:p>
             <a:pPr algn="ctr"/>
             <a:r>
-              <a:rPr kumimoji="1" lang="en-US" altLang="ja-JP" dirty="0" err="1" smtClean="0"/>
-              <a:t>GenPath</a:t>
+              <a:rPr kumimoji="1" lang="en-US" altLang="ja-JP" dirty="0" smtClean="0"/>
+              <a:t>5 iterations</a:t>
             </a:r>
             <a:endParaRPr kumimoji="1" lang="ja-JP" altLang="en-US" dirty="0"/>
           </a:p>
@@ -4677,16 +4720,16 @@
       </p:sp>
       <p:sp>
         <p:nvSpPr>
-          <p:cNvPr id="51" name="正方形/長方形 50"/>
+          <p:cNvPr id="16" name="フローチャート : 判断 15"/>
           <p:cNvSpPr/>
           <p:nvPr/>
         </p:nvSpPr>
         <p:spPr>
           <a:xfrm>
-            <a:off x="573440" y="2924944"/>
-            <a:ext cx="1512168" cy="324036"/>
-          </a:xfrm>
-          <a:prstGeom prst="rect">
+            <a:off x="566356" y="4540359"/>
+            <a:ext cx="1440160" cy="648072"/>
+          </a:xfrm>
+          <a:prstGeom prst="flowChartDecision">
             <a:avLst/>
           </a:prstGeom>
         </p:spPr>
@@ -4707,30 +4750,34 @@
           </a:fontRef>
         </p:style>
         <p:txBody>
-          <a:bodyPr rtlCol="0" anchor="ctr"/>
-          <a:lstStyle/>
-          <a:p>
-            <a:pPr algn="ctr"/>
-            <a:r>
-              <a:rPr kumimoji="1" lang="en-US" altLang="ja-JP" dirty="0" err="1" smtClean="0"/>
-              <a:t>HitTest</a:t>
-            </a:r>
-            <a:endParaRPr kumimoji="1" lang="ja-JP" altLang="en-US" dirty="0"/>
-          </a:p>
-        </p:txBody>
-      </p:sp>
-      <p:sp>
-        <p:nvSpPr>
-          <p:cNvPr id="53" name="正方形/長方形 52"/>
+          <a:bodyPr wrap="none" rtlCol="0" anchor="ctr"/>
+          <a:lstStyle/>
+          <a:p>
+            <a:pPr algn="ctr"/>
+            <a:r>
+              <a:rPr lang="en-US" altLang="ja-JP" sz="1600" dirty="0" err="1" smtClean="0"/>
+              <a:t>i</a:t>
+            </a:r>
+            <a:r>
+              <a:rPr lang="en-US" altLang="ja-JP" sz="1600" dirty="0" smtClean="0"/>
+              <a:t> == 0</a:t>
+            </a:r>
+            <a:endParaRPr kumimoji="1" lang="en-US" altLang="ja-JP" sz="1600" dirty="0" smtClean="0"/>
+          </a:p>
+        </p:txBody>
+      </p:sp>
+      <p:sp>
+        <p:nvSpPr>
+          <p:cNvPr id="17" name="片側の 2 つの角を切り取った四角形 16"/>
           <p:cNvSpPr/>
           <p:nvPr/>
         </p:nvSpPr>
         <p:spPr>
-          <a:xfrm>
-            <a:off x="573440" y="4926361"/>
-            <a:ext cx="1512168" cy="324036"/>
-          </a:xfrm>
-          <a:prstGeom prst="rect">
+          <a:xfrm flipV="1">
+            <a:off x="512350" y="5442844"/>
+            <a:ext cx="1548172" cy="324036"/>
+          </a:xfrm>
+          <a:prstGeom prst="snip2SameRect">
             <a:avLst/>
           </a:prstGeom>
         </p:spPr>
@@ -4755,24 +4802,128 @@
           <a:lstStyle/>
           <a:p>
             <a:pPr algn="ctr"/>
-            <a:r>
-              <a:rPr kumimoji="1" lang="en-US" altLang="ja-JP" sz="1200" dirty="0" err="1" smtClean="0"/>
-              <a:t>StreamCompaction</a:t>
-            </a:r>
-            <a:endParaRPr kumimoji="1" lang="ja-JP" altLang="en-US" sz="1200" dirty="0"/>
-          </a:p>
-        </p:txBody>
-      </p:sp>
-      <p:sp>
-        <p:nvSpPr>
-          <p:cNvPr id="54" name="正方形/長方形 53"/>
+            <a:endParaRPr kumimoji="1" lang="ja-JP" altLang="en-US" dirty="0"/>
+          </a:p>
+        </p:txBody>
+      </p:sp>
+      <p:cxnSp>
+        <p:nvCxnSpPr>
+          <p:cNvPr id="23" name="直線矢印コネクタ 22"/>
+          <p:cNvCxnSpPr>
+            <a:stCxn id="15" idx="1"/>
+            <a:endCxn id="10" idx="0"/>
+          </p:cNvCxnSpPr>
+          <p:nvPr/>
+        </p:nvCxnSpPr>
+        <p:spPr>
+          <a:xfrm>
+            <a:off x="1286436" y="3609020"/>
+            <a:ext cx="0" cy="283267"/>
+          </a:xfrm>
+          <a:prstGeom prst="straightConnector1">
+            <a:avLst/>
+          </a:prstGeom>
+          <a:ln>
+            <a:tailEnd type="arrow"/>
+          </a:ln>
+        </p:spPr>
+        <p:style>
+          <a:lnRef idx="1">
+            <a:schemeClr val="accent1"/>
+          </a:lnRef>
+          <a:fillRef idx="0">
+            <a:schemeClr val="accent1"/>
+          </a:fillRef>
+          <a:effectRef idx="0">
+            <a:schemeClr val="accent1"/>
+          </a:effectRef>
+          <a:fontRef idx="minor">
+            <a:schemeClr val="tx1"/>
+          </a:fontRef>
+        </p:style>
+      </p:cxnSp>
+      <p:cxnSp>
+        <p:nvCxnSpPr>
+          <p:cNvPr id="25" name="直線矢印コネクタ 24"/>
+          <p:cNvCxnSpPr>
+            <a:stCxn id="10" idx="2"/>
+            <a:endCxn id="16" idx="0"/>
+          </p:cNvCxnSpPr>
+          <p:nvPr/>
+        </p:nvCxnSpPr>
+        <p:spPr>
+          <a:xfrm>
+            <a:off x="1286436" y="4288331"/>
+            <a:ext cx="0" cy="252028"/>
+          </a:xfrm>
+          <a:prstGeom prst="straightConnector1">
+            <a:avLst/>
+          </a:prstGeom>
+          <a:ln>
+            <a:tailEnd type="arrow"/>
+          </a:ln>
+        </p:spPr>
+        <p:style>
+          <a:lnRef idx="1">
+            <a:schemeClr val="accent1"/>
+          </a:lnRef>
+          <a:fillRef idx="0">
+            <a:schemeClr val="accent1"/>
+          </a:fillRef>
+          <a:effectRef idx="0">
+            <a:schemeClr val="accent1"/>
+          </a:effectRef>
+          <a:fontRef idx="minor">
+            <a:schemeClr val="tx1"/>
+          </a:fontRef>
+        </p:style>
+      </p:cxnSp>
+      <p:cxnSp>
+        <p:nvCxnSpPr>
+          <p:cNvPr id="27" name="直線矢印コネクタ 26"/>
+          <p:cNvCxnSpPr>
+            <a:stCxn id="16" idx="2"/>
+            <a:endCxn id="17" idx="1"/>
+          </p:cNvCxnSpPr>
+          <p:nvPr/>
+        </p:nvCxnSpPr>
+        <p:spPr>
+          <a:xfrm>
+            <a:off x="1286436" y="5188431"/>
+            <a:ext cx="0" cy="254413"/>
+          </a:xfrm>
+          <a:prstGeom prst="straightConnector1">
+            <a:avLst/>
+          </a:prstGeom>
+          <a:ln>
+            <a:tailEnd type="arrow"/>
+          </a:ln>
+        </p:spPr>
+        <p:style>
+          <a:lnRef idx="1">
+            <a:schemeClr val="accent1"/>
+          </a:lnRef>
+          <a:fillRef idx="0">
+            <a:schemeClr val="accent1"/>
+          </a:fillRef>
+          <a:effectRef idx="0">
+            <a:schemeClr val="accent1"/>
+          </a:effectRef>
+          <a:fontRef idx="minor">
+            <a:schemeClr val="tx1"/>
+          </a:fontRef>
+        </p:style>
+      </p:cxnSp>
+      <p:sp>
+        <p:nvSpPr>
+          <p:cNvPr id="29" name="正方形/長方形 28"/>
           <p:cNvSpPr/>
           <p:nvPr/>
         </p:nvSpPr>
         <p:spPr>
           <a:xfrm>
-            <a:off x="5315900" y="2114854"/>
-            <a:ext cx="1512168" cy="324036"/>
+            <a:off x="2546576" y="4612367"/>
+            <a:ext cx="1512168" cy="504056"/>
           </a:xfrm>
           <a:prstGeom prst="rect">
             <a:avLst/>
@@ -4801,24 +4952,67 @@
             <a:pPr algn="ctr"/>
             <a:r>
               <a:rPr kumimoji="1" lang="en-US" altLang="ja-JP" dirty="0" smtClean="0"/>
-              <a:t>Shade</a:t>
+              <a:t>Color history</a:t>
+            </a:r>
+          </a:p>
+          <a:p>
+            <a:pPr algn="ctr"/>
+            <a:r>
+              <a:rPr lang="ja-JP" altLang="en-US" dirty="0" smtClean="0"/>
+              <a:t>に保存</a:t>
             </a:r>
             <a:endParaRPr kumimoji="1" lang="ja-JP" altLang="en-US" dirty="0"/>
           </a:p>
         </p:txBody>
       </p:sp>
-      <p:sp>
-        <p:nvSpPr>
-          <p:cNvPr id="55" name="フローチャート : 判断 54"/>
+      <p:cxnSp>
+        <p:nvCxnSpPr>
+          <p:cNvPr id="31" name="直線矢印コネクタ 30"/>
+          <p:cNvCxnSpPr>
+            <a:stCxn id="16" idx="3"/>
+            <a:endCxn id="29" idx="1"/>
+          </p:cNvCxnSpPr>
+          <p:nvPr/>
+        </p:nvCxnSpPr>
+        <p:spPr>
+          <a:xfrm>
+            <a:off x="2006516" y="4864395"/>
+            <a:ext cx="540060" cy="0"/>
+          </a:xfrm>
+          <a:prstGeom prst="straightConnector1">
+            <a:avLst/>
+          </a:prstGeom>
+          <a:ln>
+            <a:tailEnd type="arrow"/>
+          </a:ln>
+        </p:spPr>
+        <p:style>
+          <a:lnRef idx="1">
+            <a:schemeClr val="accent1"/>
+          </a:lnRef>
+          <a:fillRef idx="0">
+            <a:schemeClr val="accent1"/>
+          </a:fillRef>
+          <a:effectRef idx="0">
+            <a:schemeClr val="accent1"/>
+          </a:effectRef>
+          <a:fontRef idx="minor">
+            <a:schemeClr val="tx1"/>
+          </a:fontRef>
+        </p:style>
+      </p:cxnSp>
+      <p:sp>
+        <p:nvSpPr>
+          <p:cNvPr id="32" name="正方形/長方形 31"/>
           <p:cNvSpPr/>
           <p:nvPr/>
         </p:nvSpPr>
         <p:spPr>
           <a:xfrm>
-            <a:off x="609444" y="3430515"/>
-            <a:ext cx="1440160" cy="648072"/>
-          </a:xfrm>
-          <a:prstGeom prst="flowChartDecision">
+            <a:off x="313193" y="2783424"/>
+            <a:ext cx="1963354" cy="288032"/>
+          </a:xfrm>
+          <a:prstGeom prst="rect">
             <a:avLst/>
           </a:prstGeom>
         </p:spPr>
@@ -4839,30 +5033,132 @@
           </a:fontRef>
         </p:style>
         <p:txBody>
-          <a:bodyPr wrap="none" rtlCol="0" anchor="ctr"/>
-          <a:lstStyle/>
-          <a:p>
-            <a:pPr algn="ctr"/>
-            <a:r>
-              <a:rPr lang="en-US" altLang="ja-JP" sz="1600" dirty="0" smtClean="0"/>
-              <a:t>0 bounce?</a:t>
-            </a:r>
-            <a:endParaRPr kumimoji="1" lang="en-US" altLang="ja-JP" sz="1600" dirty="0" smtClean="0"/>
-          </a:p>
-        </p:txBody>
-      </p:sp>
-      <p:sp>
-        <p:nvSpPr>
-          <p:cNvPr id="56" name="正方形/長方形 55"/>
+          <a:bodyPr rtlCol="0" anchor="ctr"/>
+          <a:lstStyle/>
+          <a:p>
+            <a:pPr algn="ctr"/>
+            <a:r>
+              <a:rPr kumimoji="1" lang="en-US" altLang="ja-JP" sz="1400" dirty="0" smtClean="0"/>
+              <a:t>Moment </a:t>
+            </a:r>
+            <a:r>
+              <a:rPr kumimoji="1" lang="en-US" altLang="ja-JP" sz="1400" dirty="0" smtClean="0"/>
+              <a:t>history</a:t>
+            </a:r>
+            <a:r>
+              <a:rPr lang="ja-JP" altLang="en-US" sz="1400" dirty="0" smtClean="0"/>
+              <a:t>に</a:t>
+            </a:r>
+            <a:r>
+              <a:rPr lang="ja-JP" altLang="en-US" sz="1400" dirty="0" smtClean="0"/>
+              <a:t>保存</a:t>
+            </a:r>
+            <a:endParaRPr kumimoji="1" lang="ja-JP" altLang="en-US" sz="1400" dirty="0"/>
+          </a:p>
+        </p:txBody>
+      </p:sp>
+      <p:sp>
+        <p:nvSpPr>
+          <p:cNvPr id="35" name="テキスト ボックス 34"/>
+          <p:cNvSpPr txBox="1"/>
+          <p:nvPr/>
+        </p:nvSpPr>
+        <p:spPr>
+          <a:xfrm>
+            <a:off x="971600" y="1892671"/>
+            <a:ext cx="324036" cy="369332"/>
+          </a:xfrm>
+          <a:prstGeom prst="rect">
+            <a:avLst/>
+          </a:prstGeom>
+          <a:noFill/>
+        </p:spPr>
+        <p:txBody>
+          <a:bodyPr wrap="square" rtlCol="0">
+            <a:spAutoFit/>
+          </a:bodyPr>
+          <a:lstStyle/>
+          <a:p>
+            <a:r>
+              <a:rPr kumimoji="1" lang="en-US" altLang="ja-JP" dirty="0" smtClean="0"/>
+              <a:t>Y</a:t>
+            </a:r>
+            <a:endParaRPr kumimoji="1" lang="ja-JP" altLang="en-US" dirty="0"/>
+          </a:p>
+        </p:txBody>
+      </p:sp>
+      <p:sp>
+        <p:nvSpPr>
+          <p:cNvPr id="36" name="テキスト ボックス 35"/>
+          <p:cNvSpPr txBox="1"/>
+          <p:nvPr/>
+        </p:nvSpPr>
+        <p:spPr>
+          <a:xfrm>
+            <a:off x="2006516" y="4495063"/>
+            <a:ext cx="324036" cy="369332"/>
+          </a:xfrm>
+          <a:prstGeom prst="rect">
+            <a:avLst/>
+          </a:prstGeom>
+          <a:noFill/>
+        </p:spPr>
+        <p:txBody>
+          <a:bodyPr wrap="square" rtlCol="0">
+            <a:spAutoFit/>
+          </a:bodyPr>
+          <a:lstStyle/>
+          <a:p>
+            <a:r>
+              <a:rPr kumimoji="1" lang="en-US" altLang="ja-JP" dirty="0" smtClean="0"/>
+              <a:t>Y</a:t>
+            </a:r>
+            <a:endParaRPr kumimoji="1" lang="ja-JP" altLang="en-US" dirty="0"/>
+          </a:p>
+        </p:txBody>
+      </p:sp>
+      <p:sp>
+        <p:nvSpPr>
+          <p:cNvPr id="37" name="テキスト ボックス 36"/>
+          <p:cNvSpPr txBox="1"/>
+          <p:nvPr/>
+        </p:nvSpPr>
+        <p:spPr>
+          <a:xfrm>
+            <a:off x="962400" y="5073512"/>
+            <a:ext cx="324036" cy="369332"/>
+          </a:xfrm>
+          <a:prstGeom prst="rect">
+            <a:avLst/>
+          </a:prstGeom>
+          <a:noFill/>
+        </p:spPr>
+        <p:txBody>
+          <a:bodyPr wrap="square" rtlCol="0">
+            <a:spAutoFit/>
+          </a:bodyPr>
+          <a:lstStyle/>
+          <a:p>
+            <a:r>
+              <a:rPr lang="en-US" altLang="ja-JP" dirty="0"/>
+              <a:t>N</a:t>
+            </a:r>
+            <a:endParaRPr kumimoji="1" lang="ja-JP" altLang="en-US" dirty="0"/>
+          </a:p>
+        </p:txBody>
+      </p:sp>
+      <p:sp>
+        <p:nvSpPr>
+          <p:cNvPr id="38" name="フローチャート : 端子 37"/>
           <p:cNvSpPr/>
           <p:nvPr/>
         </p:nvSpPr>
         <p:spPr>
           <a:xfrm>
-            <a:off x="2483768" y="3502523"/>
-            <a:ext cx="1512168" cy="504056"/>
-          </a:xfrm>
-          <a:prstGeom prst="rect">
+            <a:off x="746376" y="6206736"/>
+            <a:ext cx="1080120" cy="288032"/>
+          </a:xfrm>
+          <a:prstGeom prst="flowChartTerminator">
             <a:avLst/>
           </a:prstGeom>
         </p:spPr>
@@ -4887,39 +5183,23 @@
           <a:lstStyle/>
           <a:p>
             <a:pPr algn="ctr"/>
-            <a:r>
-              <a:rPr kumimoji="1" lang="ja-JP" altLang="en-US" sz="1200" dirty="0" smtClean="0"/>
-              <a:t>環境マップを</a:t>
-            </a:r>
-            <a:endParaRPr kumimoji="1" lang="en-US" altLang="ja-JP" sz="1200" dirty="0" smtClean="0"/>
-          </a:p>
-          <a:p>
-            <a:pPr algn="ctr"/>
-            <a:r>
-              <a:rPr lang="en-US" altLang="ja-JP" sz="1200" dirty="0" smtClean="0"/>
-              <a:t>Albedo</a:t>
-            </a:r>
-            <a:r>
-              <a:rPr lang="ja-JP" altLang="en-US" sz="1200" dirty="0" smtClean="0"/>
-              <a:t>マップに出力</a:t>
-            </a:r>
-            <a:endParaRPr kumimoji="1" lang="ja-JP" altLang="en-US" sz="1200" dirty="0"/>
+            <a:endParaRPr kumimoji="1" lang="ja-JP" altLang="en-US"/>
           </a:p>
         </p:txBody>
       </p:sp>
       <p:cxnSp>
         <p:nvCxnSpPr>
-          <p:cNvPr id="58" name="直線矢印コネクタ 57"/>
+          <p:cNvPr id="40" name="直線矢印コネクタ 39"/>
           <p:cNvCxnSpPr>
-            <a:stCxn id="55" idx="3"/>
-            <a:endCxn id="56" idx="1"/>
+            <a:stCxn id="17" idx="3"/>
+            <a:endCxn id="38" idx="0"/>
           </p:cNvCxnSpPr>
           <p:nvPr/>
         </p:nvCxnSpPr>
         <p:spPr>
           <a:xfrm>
-            <a:off x="2049604" y="3754551"/>
-            <a:ext cx="434164" cy="0"/>
+            <a:off x="1286436" y="5766880"/>
+            <a:ext cx="0" cy="439856"/>
           </a:xfrm>
           <a:prstGeom prst="straightConnector1">
             <a:avLst/>
@@ -4945,16 +5225,16 @@
       </p:cxnSp>
       <p:sp>
         <p:nvSpPr>
-          <p:cNvPr id="59" name="正方形/長方形 58"/>
+          <p:cNvPr id="55" name="フローチャート : 定義済み処理 54"/>
           <p:cNvSpPr/>
           <p:nvPr/>
         </p:nvSpPr>
         <p:spPr>
           <a:xfrm>
-            <a:off x="573440" y="4322454"/>
-            <a:ext cx="1512168" cy="324000"/>
-          </a:xfrm>
-          <a:prstGeom prst="rect">
+            <a:off x="539552" y="681551"/>
+            <a:ext cx="1512168" cy="504056"/>
+          </a:xfrm>
+          <a:prstGeom prst="flowChartPredefinedProcess">
             <a:avLst/>
           </a:prstGeom>
         </p:spPr>
@@ -4980,8 +5260,8 @@
           <a:p>
             <a:pPr algn="ctr"/>
             <a:r>
-              <a:rPr kumimoji="1" lang="en-US" altLang="ja-JP" dirty="0" err="1" smtClean="0"/>
-              <a:t>ShadeMiss</a:t>
+              <a:rPr kumimoji="1" lang="ja-JP" altLang="en-US" dirty="0" smtClean="0"/>
+              <a:t>パストレ</a:t>
             </a:r>
             <a:endParaRPr kumimoji="1" lang="ja-JP" altLang="en-US" dirty="0"/>
           </a:p>
@@ -4989,17 +5269,17 @@
       </p:sp>
       <p:cxnSp>
         <p:nvCxnSpPr>
-          <p:cNvPr id="64" name="直線矢印コネクタ 63"/>
+          <p:cNvPr id="57" name="直線矢印コネクタ 56"/>
           <p:cNvCxnSpPr>
-            <a:stCxn id="25" idx="2"/>
-            <a:endCxn id="34" idx="0"/>
+            <a:stCxn id="6" idx="2"/>
+            <a:endCxn id="55" idx="0"/>
           </p:cNvCxnSpPr>
           <p:nvPr/>
         </p:nvCxnSpPr>
         <p:spPr>
           <a:xfrm>
-            <a:off x="1329524" y="476672"/>
-            <a:ext cx="0" cy="289793"/>
+            <a:off x="1295636" y="476672"/>
+            <a:ext cx="0" cy="204879"/>
           </a:xfrm>
           <a:prstGeom prst="straightConnector1">
             <a:avLst/>
@@ -5025,17 +5305,16 @@
       </p:cxnSp>
       <p:cxnSp>
         <p:nvCxnSpPr>
-          <p:cNvPr id="66" name="直線矢印コネクタ 65"/>
+          <p:cNvPr id="59" name="直線矢印コネクタ 58"/>
           <p:cNvCxnSpPr>
-            <a:stCxn id="34" idx="2"/>
-            <a:endCxn id="50" idx="0"/>
+            <a:endCxn id="7" idx="0"/>
           </p:cNvCxnSpPr>
           <p:nvPr/>
         </p:nvCxnSpPr>
         <p:spPr>
           <a:xfrm>
-            <a:off x="1329524" y="1270521"/>
-            <a:ext cx="0" cy="358279"/>
+            <a:off x="1295636" y="1009917"/>
+            <a:ext cx="0" cy="351986"/>
           </a:xfrm>
           <a:prstGeom prst="straightConnector1">
             <a:avLst/>
@@ -5059,330 +5338,18 @@
           </a:fontRef>
         </p:style>
       </p:cxnSp>
-      <p:cxnSp>
-        <p:nvCxnSpPr>
-          <p:cNvPr id="68" name="直線矢印コネクタ 67"/>
-          <p:cNvCxnSpPr>
-            <a:stCxn id="50" idx="2"/>
-            <a:endCxn id="26" idx="3"/>
-          </p:cNvCxnSpPr>
-          <p:nvPr/>
-        </p:nvCxnSpPr>
-        <p:spPr>
-          <a:xfrm>
-            <a:off x="1329524" y="1952800"/>
-            <a:ext cx="0" cy="324072"/>
-          </a:xfrm>
-          <a:prstGeom prst="straightConnector1">
-            <a:avLst/>
-          </a:prstGeom>
-          <a:ln>
-            <a:tailEnd type="arrow"/>
-          </a:ln>
-        </p:spPr>
-        <p:style>
-          <a:lnRef idx="1">
-            <a:schemeClr val="accent1"/>
-          </a:lnRef>
-          <a:fillRef idx="0">
-            <a:schemeClr val="accent1"/>
-          </a:fillRef>
-          <a:effectRef idx="0">
-            <a:schemeClr val="accent1"/>
-          </a:effectRef>
-          <a:fontRef idx="minor">
-            <a:schemeClr val="tx1"/>
-          </a:fontRef>
-        </p:style>
-      </p:cxnSp>
-      <p:cxnSp>
-        <p:nvCxnSpPr>
-          <p:cNvPr id="70" name="直線矢印コネクタ 69"/>
-          <p:cNvCxnSpPr>
-            <a:stCxn id="26" idx="1"/>
-            <a:endCxn id="51" idx="0"/>
-          </p:cNvCxnSpPr>
-          <p:nvPr/>
-        </p:nvCxnSpPr>
-        <p:spPr>
-          <a:xfrm>
-            <a:off x="1329524" y="2600908"/>
-            <a:ext cx="0" cy="324036"/>
-          </a:xfrm>
-          <a:prstGeom prst="straightConnector1">
-            <a:avLst/>
-          </a:prstGeom>
-          <a:ln>
-            <a:tailEnd type="arrow"/>
-          </a:ln>
-        </p:spPr>
-        <p:style>
-          <a:lnRef idx="1">
-            <a:schemeClr val="accent1"/>
-          </a:lnRef>
-          <a:fillRef idx="0">
-            <a:schemeClr val="accent1"/>
-          </a:fillRef>
-          <a:effectRef idx="0">
-            <a:schemeClr val="accent1"/>
-          </a:effectRef>
-          <a:fontRef idx="minor">
-            <a:schemeClr val="tx1"/>
-          </a:fontRef>
-        </p:style>
-      </p:cxnSp>
-      <p:cxnSp>
-        <p:nvCxnSpPr>
-          <p:cNvPr id="72" name="直線矢印コネクタ 71"/>
-          <p:cNvCxnSpPr>
-            <a:stCxn id="51" idx="2"/>
-            <a:endCxn id="55" idx="0"/>
-          </p:cNvCxnSpPr>
-          <p:nvPr/>
-        </p:nvCxnSpPr>
-        <p:spPr>
-          <a:xfrm>
-            <a:off x="1329524" y="3248980"/>
-            <a:ext cx="0" cy="181535"/>
-          </a:xfrm>
-          <a:prstGeom prst="straightConnector1">
-            <a:avLst/>
-          </a:prstGeom>
-          <a:ln>
-            <a:tailEnd type="arrow"/>
-          </a:ln>
-        </p:spPr>
-        <p:style>
-          <a:lnRef idx="1">
-            <a:schemeClr val="accent1"/>
-          </a:lnRef>
-          <a:fillRef idx="0">
-            <a:schemeClr val="accent1"/>
-          </a:fillRef>
-          <a:effectRef idx="0">
-            <a:schemeClr val="accent1"/>
-          </a:effectRef>
-          <a:fontRef idx="minor">
-            <a:schemeClr val="tx1"/>
-          </a:fontRef>
-        </p:style>
-      </p:cxnSp>
-      <p:cxnSp>
-        <p:nvCxnSpPr>
-          <p:cNvPr id="74" name="直線矢印コネクタ 73"/>
-          <p:cNvCxnSpPr>
-            <a:stCxn id="55" idx="2"/>
-            <a:endCxn id="59" idx="0"/>
-          </p:cNvCxnSpPr>
-          <p:nvPr/>
-        </p:nvCxnSpPr>
-        <p:spPr>
-          <a:xfrm>
-            <a:off x="1329524" y="4078587"/>
-            <a:ext cx="0" cy="243867"/>
-          </a:xfrm>
-          <a:prstGeom prst="straightConnector1">
-            <a:avLst/>
-          </a:prstGeom>
-          <a:ln>
-            <a:tailEnd type="arrow"/>
-          </a:ln>
-        </p:spPr>
-        <p:style>
-          <a:lnRef idx="1">
-            <a:schemeClr val="accent1"/>
-          </a:lnRef>
-          <a:fillRef idx="0">
-            <a:schemeClr val="accent1"/>
-          </a:fillRef>
-          <a:effectRef idx="0">
-            <a:schemeClr val="accent1"/>
-          </a:effectRef>
-          <a:fontRef idx="minor">
-            <a:schemeClr val="tx1"/>
-          </a:fontRef>
-        </p:style>
-      </p:cxnSp>
-      <p:cxnSp>
-        <p:nvCxnSpPr>
-          <p:cNvPr id="76" name="直線矢印コネクタ 75"/>
-          <p:cNvCxnSpPr>
-            <a:stCxn id="59" idx="2"/>
-            <a:endCxn id="53" idx="0"/>
-          </p:cNvCxnSpPr>
-          <p:nvPr/>
-        </p:nvCxnSpPr>
-        <p:spPr>
-          <a:xfrm>
-            <a:off x="1329524" y="4646454"/>
-            <a:ext cx="0" cy="279907"/>
-          </a:xfrm>
-          <a:prstGeom prst="straightConnector1">
-            <a:avLst/>
-          </a:prstGeom>
-          <a:ln>
-            <a:tailEnd type="arrow"/>
-          </a:ln>
-        </p:spPr>
-        <p:style>
-          <a:lnRef idx="1">
-            <a:schemeClr val="accent1"/>
-          </a:lnRef>
-          <a:fillRef idx="0">
-            <a:schemeClr val="accent1"/>
-          </a:fillRef>
-          <a:effectRef idx="0">
-            <a:schemeClr val="accent1"/>
-          </a:effectRef>
-          <a:fontRef idx="minor">
-            <a:schemeClr val="tx1"/>
-          </a:fontRef>
-        </p:style>
-      </p:cxnSp>
-      <p:cxnSp>
-        <p:nvCxnSpPr>
-          <p:cNvPr id="78" name="直線矢印コネクタ 77"/>
-          <p:cNvCxnSpPr>
-            <a:stCxn id="53" idx="2"/>
-            <a:endCxn id="87" idx="0"/>
-          </p:cNvCxnSpPr>
-          <p:nvPr/>
-        </p:nvCxnSpPr>
-        <p:spPr>
-          <a:xfrm>
-            <a:off x="1329524" y="5250397"/>
-            <a:ext cx="0" cy="279786"/>
-          </a:xfrm>
-          <a:prstGeom prst="straightConnector1">
-            <a:avLst/>
-          </a:prstGeom>
-          <a:ln>
-            <a:tailEnd type="arrow"/>
-          </a:ln>
-        </p:spPr>
-        <p:style>
-          <a:lnRef idx="1">
-            <a:schemeClr val="accent1"/>
-          </a:lnRef>
-          <a:fillRef idx="0">
-            <a:schemeClr val="accent1"/>
-          </a:fillRef>
-          <a:effectRef idx="0">
-            <a:schemeClr val="accent1"/>
-          </a:effectRef>
-          <a:fontRef idx="minor">
-            <a:schemeClr val="tx1"/>
-          </a:fontRef>
-        </p:style>
-      </p:cxnSp>
-      <p:sp>
-        <p:nvSpPr>
-          <p:cNvPr id="79" name="テキスト ボックス 78"/>
-          <p:cNvSpPr txBox="1"/>
-          <p:nvPr/>
-        </p:nvSpPr>
-        <p:spPr>
-          <a:xfrm>
-            <a:off x="2015716" y="3385219"/>
-            <a:ext cx="324036" cy="369332"/>
+      <p:sp>
+        <p:nvSpPr>
+          <p:cNvPr id="60" name="正方形/長方形 59"/>
+          <p:cNvSpPr/>
+          <p:nvPr/>
+        </p:nvSpPr>
+        <p:spPr>
+          <a:xfrm>
+            <a:off x="313193" y="2262003"/>
+            <a:ext cx="1946485" cy="288032"/>
           </a:xfrm>
           <a:prstGeom prst="rect">
-            <a:avLst/>
-          </a:prstGeom>
-          <a:noFill/>
-        </p:spPr>
-        <p:txBody>
-          <a:bodyPr wrap="square" rtlCol="0">
-            <a:spAutoFit/>
-          </a:bodyPr>
-          <a:lstStyle/>
-          <a:p>
-            <a:r>
-              <a:rPr kumimoji="1" lang="en-US" altLang="ja-JP" dirty="0" smtClean="0"/>
-              <a:t>Y</a:t>
-            </a:r>
-            <a:endParaRPr kumimoji="1" lang="ja-JP" altLang="en-US" dirty="0"/>
-          </a:p>
-        </p:txBody>
-      </p:sp>
-      <p:cxnSp>
-        <p:nvCxnSpPr>
-          <p:cNvPr id="81" name="カギ線コネクタ 80"/>
-          <p:cNvCxnSpPr>
-            <a:stCxn id="56" idx="2"/>
-            <a:endCxn id="53" idx="3"/>
-          </p:cNvCxnSpPr>
-          <p:nvPr/>
-        </p:nvCxnSpPr>
-        <p:spPr>
-          <a:xfrm rot="5400000">
-            <a:off x="2121830" y="3970357"/>
-            <a:ext cx="1081800" cy="1154244"/>
-          </a:xfrm>
-          <a:prstGeom prst="bentConnector2">
-            <a:avLst/>
-          </a:prstGeom>
-          <a:ln>
-            <a:tailEnd type="arrow"/>
-          </a:ln>
-        </p:spPr>
-        <p:style>
-          <a:lnRef idx="1">
-            <a:schemeClr val="accent1"/>
-          </a:lnRef>
-          <a:fillRef idx="0">
-            <a:schemeClr val="accent1"/>
-          </a:fillRef>
-          <a:effectRef idx="0">
-            <a:schemeClr val="accent1"/>
-          </a:effectRef>
-          <a:fontRef idx="minor">
-            <a:schemeClr val="tx1"/>
-          </a:fontRef>
-        </p:style>
-      </p:cxnSp>
-      <p:sp>
-        <p:nvSpPr>
-          <p:cNvPr id="84" name="テキスト ボックス 83"/>
-          <p:cNvSpPr txBox="1"/>
-          <p:nvPr/>
-        </p:nvSpPr>
-        <p:spPr>
-          <a:xfrm>
-            <a:off x="1005488" y="4015854"/>
-            <a:ext cx="324036" cy="369332"/>
-          </a:xfrm>
-          <a:prstGeom prst="rect">
-            <a:avLst/>
-          </a:prstGeom>
-          <a:noFill/>
-        </p:spPr>
-        <p:txBody>
-          <a:bodyPr wrap="square" rtlCol="0">
-            <a:spAutoFit/>
-          </a:bodyPr>
-          <a:lstStyle/>
-          <a:p>
-            <a:r>
-              <a:rPr lang="en-US" altLang="ja-JP" dirty="0"/>
-              <a:t>N</a:t>
-            </a:r>
-            <a:endParaRPr kumimoji="1" lang="ja-JP" altLang="en-US" dirty="0"/>
-          </a:p>
-        </p:txBody>
-      </p:sp>
-      <p:sp>
-        <p:nvSpPr>
-          <p:cNvPr id="87" name="フローチャート : 結合子 86"/>
-          <p:cNvSpPr/>
-          <p:nvPr/>
-        </p:nvSpPr>
-        <p:spPr>
-          <a:xfrm>
-            <a:off x="1221524" y="5530183"/>
-            <a:ext cx="216000" cy="216000"/>
-          </a:xfrm>
-          <a:prstGeom prst="flowChartConnector">
             <a:avLst/>
           </a:prstGeom>
         </p:spPr>
@@ -5407,334 +5374,27 @@
           <a:lstStyle/>
           <a:p>
             <a:pPr algn="ctr"/>
-            <a:endParaRPr kumimoji="1" lang="ja-JP" altLang="en-US"/>
-          </a:p>
-        </p:txBody>
-      </p:sp>
-      <p:sp>
-        <p:nvSpPr>
-          <p:cNvPr id="92" name="フローチャート : 結合子 91"/>
-          <p:cNvSpPr/>
-          <p:nvPr/>
-        </p:nvSpPr>
-        <p:spPr>
-          <a:xfrm>
-            <a:off x="5963875" y="188640"/>
-            <a:ext cx="216000" cy="216000"/>
-          </a:xfrm>
-          <a:prstGeom prst="flowChartConnector">
-            <a:avLst/>
-          </a:prstGeom>
-        </p:spPr>
-        <p:style>
-          <a:lnRef idx="2">
-            <a:schemeClr val="accent1">
-              <a:shade val="50000"/>
-            </a:schemeClr>
-          </a:lnRef>
-          <a:fillRef idx="1">
-            <a:schemeClr val="accent1"/>
-          </a:fillRef>
-          <a:effectRef idx="0">
-            <a:schemeClr val="accent1"/>
-          </a:effectRef>
-          <a:fontRef idx="minor">
-            <a:schemeClr val="lt1"/>
-          </a:fontRef>
-        </p:style>
-        <p:txBody>
-          <a:bodyPr rtlCol="0" anchor="ctr"/>
-          <a:lstStyle/>
-          <a:p>
-            <a:pPr algn="ctr"/>
-            <a:endParaRPr kumimoji="1" lang="ja-JP" altLang="en-US"/>
-          </a:p>
-        </p:txBody>
-      </p:sp>
-      <p:sp>
-        <p:nvSpPr>
-          <p:cNvPr id="97" name="片側の 2 つの角を切り取った四角形 96"/>
-          <p:cNvSpPr/>
-          <p:nvPr/>
-        </p:nvSpPr>
-        <p:spPr>
-          <a:xfrm flipV="1">
-            <a:off x="5297789" y="2762926"/>
-            <a:ext cx="1548172" cy="324036"/>
-          </a:xfrm>
-          <a:prstGeom prst="snip2SameRect">
-            <a:avLst/>
-          </a:prstGeom>
-        </p:spPr>
-        <p:style>
-          <a:lnRef idx="2">
-            <a:schemeClr val="accent1">
-              <a:shade val="50000"/>
-            </a:schemeClr>
-          </a:lnRef>
-          <a:fillRef idx="1">
-            <a:schemeClr val="accent1"/>
-          </a:fillRef>
-          <a:effectRef idx="0">
-            <a:schemeClr val="accent1"/>
-          </a:effectRef>
-          <a:fontRef idx="minor">
-            <a:schemeClr val="lt1"/>
-          </a:fontRef>
-        </p:style>
-        <p:txBody>
-          <a:bodyPr rtlCol="0" anchor="ctr"/>
-          <a:lstStyle/>
-          <a:p>
-            <a:pPr algn="ctr"/>
+            <a:r>
+              <a:rPr kumimoji="1" lang="en-US" altLang="ja-JP" dirty="0" smtClean="0"/>
+              <a:t>Temporal </a:t>
+            </a:r>
+            <a:r>
+              <a:rPr lang="en-US" altLang="ja-JP" dirty="0" smtClean="0"/>
+              <a:t>Filter</a:t>
+            </a:r>
             <a:endParaRPr kumimoji="1" lang="ja-JP" altLang="en-US" dirty="0"/>
           </a:p>
         </p:txBody>
       </p:sp>
-      <p:cxnSp>
-        <p:nvCxnSpPr>
-          <p:cNvPr id="99" name="直線矢印コネクタ 98"/>
-          <p:cNvCxnSpPr>
-            <a:stCxn id="54" idx="2"/>
-            <a:endCxn id="97" idx="1"/>
-          </p:cNvCxnSpPr>
-          <p:nvPr/>
-        </p:nvCxnSpPr>
-        <p:spPr>
-          <a:xfrm flipH="1">
-            <a:off x="6071875" y="2438890"/>
-            <a:ext cx="109" cy="324036"/>
-          </a:xfrm>
-          <a:prstGeom prst="straightConnector1">
-            <a:avLst/>
-          </a:prstGeom>
-          <a:ln>
-            <a:tailEnd type="arrow"/>
-          </a:ln>
-        </p:spPr>
-        <p:style>
-          <a:lnRef idx="1">
-            <a:schemeClr val="accent1"/>
-          </a:lnRef>
-          <a:fillRef idx="0">
-            <a:schemeClr val="accent1"/>
-          </a:fillRef>
-          <a:effectRef idx="0">
-            <a:schemeClr val="accent1"/>
-          </a:effectRef>
-          <a:fontRef idx="minor">
-            <a:schemeClr val="tx1"/>
-          </a:fontRef>
-        </p:style>
-      </p:cxnSp>
-      <p:sp>
-        <p:nvSpPr>
-          <p:cNvPr id="100" name="フローチャート : 端子 99"/>
-          <p:cNvSpPr/>
-          <p:nvPr/>
-        </p:nvSpPr>
-        <p:spPr>
-          <a:xfrm>
-            <a:off x="5530756" y="3366515"/>
-            <a:ext cx="1080120" cy="288032"/>
-          </a:xfrm>
-          <a:prstGeom prst="flowChartTerminator">
-            <a:avLst/>
-          </a:prstGeom>
-        </p:spPr>
-        <p:style>
-          <a:lnRef idx="2">
-            <a:schemeClr val="accent1">
-              <a:shade val="50000"/>
-            </a:schemeClr>
-          </a:lnRef>
-          <a:fillRef idx="1">
-            <a:schemeClr val="accent1"/>
-          </a:fillRef>
-          <a:effectRef idx="0">
-            <a:schemeClr val="accent1"/>
-          </a:effectRef>
-          <a:fontRef idx="minor">
-            <a:schemeClr val="lt1"/>
-          </a:fontRef>
-        </p:style>
-        <p:txBody>
-          <a:bodyPr rtlCol="0" anchor="ctr"/>
-          <a:lstStyle/>
-          <a:p>
-            <a:pPr algn="ctr"/>
-            <a:endParaRPr kumimoji="1" lang="ja-JP" altLang="en-US"/>
-          </a:p>
-        </p:txBody>
-      </p:sp>
-      <p:cxnSp>
-        <p:nvCxnSpPr>
-          <p:cNvPr id="102" name="直線矢印コネクタ 101"/>
-          <p:cNvCxnSpPr>
-            <a:stCxn id="97" idx="3"/>
-            <a:endCxn id="100" idx="0"/>
-          </p:cNvCxnSpPr>
-          <p:nvPr/>
-        </p:nvCxnSpPr>
-        <p:spPr>
-          <a:xfrm flipH="1">
-            <a:off x="6070816" y="3086962"/>
-            <a:ext cx="1059" cy="279553"/>
-          </a:xfrm>
-          <a:prstGeom prst="straightConnector1">
-            <a:avLst/>
-          </a:prstGeom>
-          <a:ln>
-            <a:tailEnd type="arrow"/>
-          </a:ln>
-        </p:spPr>
-        <p:style>
-          <a:lnRef idx="1">
-            <a:schemeClr val="accent1"/>
-          </a:lnRef>
-          <a:fillRef idx="0">
-            <a:schemeClr val="accent1"/>
-          </a:fillRef>
-          <a:effectRef idx="0">
-            <a:schemeClr val="accent1"/>
-          </a:effectRef>
-          <a:fontRef idx="minor">
-            <a:schemeClr val="tx1"/>
-          </a:fontRef>
-        </p:style>
-      </p:cxnSp>
-      <p:sp>
-        <p:nvSpPr>
-          <p:cNvPr id="106" name="フローチャート : 判断 105"/>
-          <p:cNvSpPr/>
-          <p:nvPr/>
-        </p:nvSpPr>
-        <p:spPr>
-          <a:xfrm>
-            <a:off x="5351904" y="627770"/>
-            <a:ext cx="1440160" cy="648072"/>
-          </a:xfrm>
-          <a:prstGeom prst="flowChartDecision">
-            <a:avLst/>
-          </a:prstGeom>
-        </p:spPr>
-        <p:style>
-          <a:lnRef idx="2">
-            <a:schemeClr val="accent1">
-              <a:shade val="50000"/>
-            </a:schemeClr>
-          </a:lnRef>
-          <a:fillRef idx="1">
-            <a:schemeClr val="accent1"/>
-          </a:fillRef>
-          <a:effectRef idx="0">
-            <a:schemeClr val="accent1"/>
-          </a:effectRef>
-          <a:fontRef idx="minor">
-            <a:schemeClr val="lt1"/>
-          </a:fontRef>
-        </p:style>
-        <p:txBody>
-          <a:bodyPr wrap="none" rtlCol="0" anchor="ctr"/>
-          <a:lstStyle/>
-          <a:p>
-            <a:pPr algn="ctr"/>
-            <a:r>
-              <a:rPr lang="en-US" altLang="ja-JP" sz="1600" dirty="0" smtClean="0"/>
-              <a:t>0 bounce?</a:t>
-            </a:r>
-            <a:endParaRPr kumimoji="1" lang="en-US" altLang="ja-JP" sz="1600" dirty="0" smtClean="0"/>
-          </a:p>
-        </p:txBody>
-      </p:sp>
-      <p:sp>
-        <p:nvSpPr>
-          <p:cNvPr id="107" name="フローチャート : 定義済み処理 106"/>
-          <p:cNvSpPr/>
-          <p:nvPr/>
-        </p:nvSpPr>
-        <p:spPr>
-          <a:xfrm>
-            <a:off x="7172222" y="810004"/>
-            <a:ext cx="1512168" cy="283603"/>
-          </a:xfrm>
-          <a:prstGeom prst="flowChartPredefinedProcess">
-            <a:avLst/>
-          </a:prstGeom>
-        </p:spPr>
-        <p:style>
-          <a:lnRef idx="2">
-            <a:schemeClr val="accent1">
-              <a:shade val="50000"/>
-            </a:schemeClr>
-          </a:lnRef>
-          <a:fillRef idx="1">
-            <a:schemeClr val="accent1"/>
-          </a:fillRef>
-          <a:effectRef idx="0">
-            <a:schemeClr val="accent1"/>
-          </a:effectRef>
-          <a:fontRef idx="minor">
-            <a:schemeClr val="lt1"/>
-          </a:fontRef>
-        </p:style>
-        <p:txBody>
-          <a:bodyPr rtlCol="0" anchor="ctr"/>
-          <a:lstStyle/>
-          <a:p>
-            <a:pPr algn="ctr"/>
-            <a:r>
-              <a:rPr kumimoji="1" lang="en-US" altLang="ja-JP" sz="1200" dirty="0" err="1" smtClean="0"/>
-              <a:t>RenderAOV</a:t>
-            </a:r>
-            <a:endParaRPr kumimoji="1" lang="ja-JP" altLang="en-US" sz="1200" dirty="0"/>
-          </a:p>
-        </p:txBody>
-      </p:sp>
-      <p:cxnSp>
-        <p:nvCxnSpPr>
-          <p:cNvPr id="108" name="直線矢印コネクタ 107"/>
-          <p:cNvCxnSpPr>
-            <a:stCxn id="106" idx="3"/>
-          </p:cNvCxnSpPr>
-          <p:nvPr/>
-        </p:nvCxnSpPr>
-        <p:spPr>
-          <a:xfrm>
-            <a:off x="6792064" y="951806"/>
-            <a:ext cx="380158" cy="0"/>
-          </a:xfrm>
-          <a:prstGeom prst="straightConnector1">
-            <a:avLst/>
-          </a:prstGeom>
-          <a:ln>
-            <a:tailEnd type="arrow"/>
-          </a:ln>
-        </p:spPr>
-        <p:style>
-          <a:lnRef idx="1">
-            <a:schemeClr val="accent1"/>
-          </a:lnRef>
-          <a:fillRef idx="0">
-            <a:schemeClr val="accent1"/>
-          </a:fillRef>
-          <a:effectRef idx="0">
-            <a:schemeClr val="accent1"/>
-          </a:effectRef>
-          <a:fontRef idx="minor">
-            <a:schemeClr val="tx1"/>
-          </a:fontRef>
-        </p:style>
-      </p:cxnSp>
-      <p:sp>
-        <p:nvSpPr>
-          <p:cNvPr id="109" name="テキスト ボックス 108"/>
+      <p:sp>
+        <p:nvSpPr>
+          <p:cNvPr id="63" name="テキスト ボックス 62"/>
           <p:cNvSpPr txBox="1"/>
           <p:nvPr/>
         </p:nvSpPr>
         <p:spPr>
           <a:xfrm>
-            <a:off x="6772542" y="582474"/>
+            <a:off x="1931082" y="1313392"/>
             <a:ext cx="324036" cy="369332"/>
           </a:xfrm>
           <a:prstGeom prst="rect">
@@ -5749,245 +5409,16 @@
           <a:lstStyle/>
           <a:p>
             <a:r>
-              <a:rPr kumimoji="1" lang="en-US" altLang="ja-JP" dirty="0" smtClean="0"/>
+              <a:rPr lang="en-US" altLang="ja-JP" dirty="0"/>
               <a:t>Y</a:t>
             </a:r>
-            <a:endParaRPr kumimoji="1" lang="ja-JP" altLang="en-US" dirty="0"/>
-          </a:p>
-        </p:txBody>
-      </p:sp>
-      <p:sp>
-        <p:nvSpPr>
-          <p:cNvPr id="110" name="テキスト ボックス 109"/>
-          <p:cNvSpPr txBox="1"/>
-          <p:nvPr/>
-        </p:nvSpPr>
-        <p:spPr>
-          <a:xfrm>
-            <a:off x="5585930" y="1275842"/>
-            <a:ext cx="324036" cy="369332"/>
-          </a:xfrm>
-          <a:prstGeom prst="rect">
-            <a:avLst/>
-          </a:prstGeom>
-          <a:noFill/>
-        </p:spPr>
-        <p:txBody>
-          <a:bodyPr wrap="square" rtlCol="0">
-            <a:spAutoFit/>
-          </a:bodyPr>
-          <a:lstStyle/>
-          <a:p>
-            <a:r>
-              <a:rPr lang="en-US" altLang="ja-JP" dirty="0"/>
-              <a:t>N</a:t>
-            </a:r>
-            <a:endParaRPr kumimoji="1" lang="ja-JP" altLang="en-US" dirty="0"/>
-          </a:p>
-        </p:txBody>
-      </p:sp>
-      <p:cxnSp>
-        <p:nvCxnSpPr>
-          <p:cNvPr id="113" name="直線矢印コネクタ 112"/>
-          <p:cNvCxnSpPr>
-            <a:stCxn id="92" idx="4"/>
-            <a:endCxn id="106" idx="0"/>
-          </p:cNvCxnSpPr>
-          <p:nvPr/>
-        </p:nvCxnSpPr>
-        <p:spPr>
-          <a:xfrm>
-            <a:off x="6071875" y="404640"/>
-            <a:ext cx="109" cy="223130"/>
-          </a:xfrm>
-          <a:prstGeom prst="straightConnector1">
-            <a:avLst/>
-          </a:prstGeom>
-          <a:ln>
-            <a:tailEnd type="arrow"/>
-          </a:ln>
-        </p:spPr>
-        <p:style>
-          <a:lnRef idx="1">
-            <a:schemeClr val="accent1"/>
-          </a:lnRef>
-          <a:fillRef idx="0">
-            <a:schemeClr val="accent1"/>
-          </a:fillRef>
-          <a:effectRef idx="0">
-            <a:schemeClr val="accent1"/>
-          </a:effectRef>
-          <a:fontRef idx="minor">
-            <a:schemeClr val="tx1"/>
-          </a:fontRef>
-        </p:style>
-      </p:cxnSp>
-      <p:sp>
-        <p:nvSpPr>
-          <p:cNvPr id="115" name="正方形/長方形 114"/>
-          <p:cNvSpPr/>
-          <p:nvPr/>
-        </p:nvSpPr>
-        <p:spPr>
-          <a:xfrm>
-            <a:off x="7172222" y="1423805"/>
-            <a:ext cx="1512168" cy="421019"/>
-          </a:xfrm>
-          <a:prstGeom prst="rect">
-            <a:avLst/>
-          </a:prstGeom>
-        </p:spPr>
-        <p:style>
-          <a:lnRef idx="2">
-            <a:schemeClr val="accent1">
-              <a:shade val="50000"/>
-            </a:schemeClr>
-          </a:lnRef>
-          <a:fillRef idx="1">
-            <a:schemeClr val="accent1"/>
-          </a:fillRef>
-          <a:effectRef idx="0">
-            <a:schemeClr val="accent1"/>
-          </a:effectRef>
-          <a:fontRef idx="minor">
-            <a:schemeClr val="lt1"/>
-          </a:fontRef>
-        </p:style>
-        <p:txBody>
-          <a:bodyPr rtlCol="0" anchor="ctr"/>
-          <a:lstStyle/>
-          <a:p>
-            <a:pPr algn="ctr"/>
-            <a:r>
-              <a:rPr kumimoji="1" lang="en-US" altLang="ja-JP" sz="1200" dirty="0" smtClean="0"/>
-              <a:t>Albedo</a:t>
-            </a:r>
-            <a:r>
-              <a:rPr kumimoji="1" lang="ja-JP" altLang="en-US" sz="1200" dirty="0" smtClean="0"/>
-              <a:t>テクスチャを</a:t>
-            </a:r>
-            <a:endParaRPr kumimoji="1" lang="en-US" altLang="ja-JP" sz="1200" dirty="0" smtClean="0"/>
-          </a:p>
-          <a:p>
-            <a:pPr algn="ctr"/>
-            <a:r>
-              <a:rPr lang="ja-JP" altLang="en-US" sz="1200" dirty="0"/>
-              <a:t>無効にする</a:t>
-            </a:r>
-            <a:endParaRPr kumimoji="1" lang="ja-JP" altLang="en-US" sz="1200" dirty="0"/>
-          </a:p>
-        </p:txBody>
-      </p:sp>
-      <p:cxnSp>
-        <p:nvCxnSpPr>
-          <p:cNvPr id="117" name="直線矢印コネクタ 116"/>
-          <p:cNvCxnSpPr>
-            <a:endCxn id="115" idx="0"/>
-          </p:cNvCxnSpPr>
-          <p:nvPr/>
-        </p:nvCxnSpPr>
-        <p:spPr>
-          <a:xfrm>
-            <a:off x="7928306" y="1093607"/>
-            <a:ext cx="0" cy="330198"/>
-          </a:xfrm>
-          <a:prstGeom prst="straightConnector1">
-            <a:avLst/>
-          </a:prstGeom>
-          <a:ln>
-            <a:tailEnd type="arrow"/>
-          </a:ln>
-        </p:spPr>
-        <p:style>
-          <a:lnRef idx="1">
-            <a:schemeClr val="accent1"/>
-          </a:lnRef>
-          <a:fillRef idx="0">
-            <a:schemeClr val="accent1"/>
-          </a:fillRef>
-          <a:effectRef idx="0">
-            <a:schemeClr val="accent1"/>
-          </a:effectRef>
-          <a:fontRef idx="minor">
-            <a:schemeClr val="tx1"/>
-          </a:fontRef>
-        </p:style>
-      </p:cxnSp>
-      <p:cxnSp>
-        <p:nvCxnSpPr>
-          <p:cNvPr id="123" name="直線矢印コネクタ 122"/>
-          <p:cNvCxnSpPr>
-            <a:stCxn id="106" idx="2"/>
-            <a:endCxn id="54" idx="0"/>
-          </p:cNvCxnSpPr>
-          <p:nvPr/>
-        </p:nvCxnSpPr>
-        <p:spPr>
-          <a:xfrm>
-            <a:off x="6071984" y="1275842"/>
-            <a:ext cx="0" cy="839012"/>
-          </a:xfrm>
-          <a:prstGeom prst="straightConnector1">
-            <a:avLst/>
-          </a:prstGeom>
-          <a:ln>
-            <a:tailEnd type="arrow"/>
-          </a:ln>
-        </p:spPr>
-        <p:style>
-          <a:lnRef idx="1">
-            <a:schemeClr val="accent1"/>
-          </a:lnRef>
-          <a:fillRef idx="0">
-            <a:schemeClr val="accent1"/>
-          </a:fillRef>
-          <a:effectRef idx="0">
-            <a:schemeClr val="accent1"/>
-          </a:effectRef>
-          <a:fontRef idx="minor">
-            <a:schemeClr val="tx1"/>
-          </a:fontRef>
-        </p:style>
-      </p:cxnSp>
-      <p:cxnSp>
-        <p:nvCxnSpPr>
-          <p:cNvPr id="130" name="カギ線コネクタ 129"/>
-          <p:cNvCxnSpPr>
-            <a:stCxn id="115" idx="2"/>
-            <a:endCxn id="54" idx="3"/>
-          </p:cNvCxnSpPr>
-          <p:nvPr/>
-        </p:nvCxnSpPr>
-        <p:spPr>
-          <a:xfrm rot="5400000">
-            <a:off x="7162163" y="1510729"/>
-            <a:ext cx="432048" cy="1100238"/>
-          </a:xfrm>
-          <a:prstGeom prst="bentConnector2">
-            <a:avLst/>
-          </a:prstGeom>
-          <a:ln>
-            <a:tailEnd type="arrow"/>
-          </a:ln>
-        </p:spPr>
-        <p:style>
-          <a:lnRef idx="1">
-            <a:schemeClr val="accent1"/>
-          </a:lnRef>
-          <a:fillRef idx="0">
-            <a:schemeClr val="accent1"/>
-          </a:fillRef>
-          <a:effectRef idx="0">
-            <a:schemeClr val="accent1"/>
-          </a:effectRef>
-          <a:fontRef idx="minor">
-            <a:schemeClr val="tx1"/>
-          </a:fontRef>
-        </p:style>
-      </p:cxnSp>
-      <p:sp>
-        <p:nvSpPr>
-          <p:cNvPr id="131" name="正方形/長方形 130"/>
+            <a:endParaRPr lang="en-US" altLang="ja-JP" dirty="0" smtClean="0"/>
+          </a:p>
+        </p:txBody>
+      </p:sp>
+      <p:sp>
+        <p:nvSpPr>
+          <p:cNvPr id="39" name="正方形/長方形 38"/>
           <p:cNvSpPr/>
           <p:nvPr/>
         </p:nvSpPr>
@@ -6023,16 +5454,203 @@
             <a:pPr algn="ctr"/>
             <a:r>
               <a:rPr kumimoji="1" lang="ja-JP" altLang="en-US" dirty="0" smtClean="0"/>
-              <a:t>パストレ</a:t>
+              <a:t>案</a:t>
+            </a:r>
+            <a:r>
+              <a:rPr lang="ja-JP" altLang="en-US" dirty="0"/>
+              <a:t>２</a:t>
             </a:r>
             <a:endParaRPr kumimoji="1" lang="ja-JP" altLang="en-US" dirty="0"/>
           </a:p>
         </p:txBody>
       </p:sp>
+      <p:cxnSp>
+        <p:nvCxnSpPr>
+          <p:cNvPr id="18" name="カギ線コネクタ 17"/>
+          <p:cNvCxnSpPr>
+            <a:stCxn id="29" idx="2"/>
+            <a:endCxn id="17" idx="1"/>
+          </p:cNvCxnSpPr>
+          <p:nvPr/>
+        </p:nvCxnSpPr>
+        <p:spPr>
+          <a:xfrm rot="5400000">
+            <a:off x="2131338" y="4271521"/>
+            <a:ext cx="326421" cy="2016224"/>
+          </a:xfrm>
+          <a:prstGeom prst="bentConnector3">
+            <a:avLst/>
+          </a:prstGeom>
+          <a:ln>
+            <a:tailEnd type="arrow"/>
+          </a:ln>
+        </p:spPr>
+        <p:style>
+          <a:lnRef idx="1">
+            <a:schemeClr val="accent1"/>
+          </a:lnRef>
+          <a:fillRef idx="0">
+            <a:schemeClr val="accent1"/>
+          </a:fillRef>
+          <a:effectRef idx="0">
+            <a:schemeClr val="accent1"/>
+          </a:effectRef>
+          <a:fontRef idx="minor">
+            <a:schemeClr val="tx1"/>
+          </a:fontRef>
+        </p:style>
+      </p:cxnSp>
+      <p:cxnSp>
+        <p:nvCxnSpPr>
+          <p:cNvPr id="9" name="カギ線コネクタ 8"/>
+          <p:cNvCxnSpPr>
+            <a:stCxn id="7" idx="3"/>
+            <a:endCxn id="55" idx="0"/>
+          </p:cNvCxnSpPr>
+          <p:nvPr/>
+        </p:nvCxnSpPr>
+        <p:spPr>
+          <a:xfrm flipH="1" flipV="1">
+            <a:off x="1295636" y="681551"/>
+            <a:ext cx="720080" cy="1004388"/>
+          </a:xfrm>
+          <a:prstGeom prst="bentConnector4">
+            <a:avLst>
+              <a:gd name="adj1" fmla="val -36746"/>
+              <a:gd name="adj2" fmla="val 113312"/>
+            </a:avLst>
+          </a:prstGeom>
+          <a:ln>
+            <a:tailEnd type="arrow"/>
+          </a:ln>
+        </p:spPr>
+        <p:style>
+          <a:lnRef idx="1">
+            <a:schemeClr val="accent1"/>
+          </a:lnRef>
+          <a:fillRef idx="0">
+            <a:schemeClr val="accent1"/>
+          </a:fillRef>
+          <a:effectRef idx="0">
+            <a:schemeClr val="accent1"/>
+          </a:effectRef>
+          <a:fontRef idx="minor">
+            <a:schemeClr val="tx1"/>
+          </a:fontRef>
+        </p:style>
+      </p:cxnSp>
+      <p:cxnSp>
+        <p:nvCxnSpPr>
+          <p:cNvPr id="24" name="直線矢印コネクタ 23"/>
+          <p:cNvCxnSpPr>
+            <a:stCxn id="7" idx="2"/>
+            <a:endCxn id="60" idx="0"/>
+          </p:cNvCxnSpPr>
+          <p:nvPr/>
+        </p:nvCxnSpPr>
+        <p:spPr>
+          <a:xfrm flipH="1">
+            <a:off x="1286436" y="2009975"/>
+            <a:ext cx="9200" cy="252028"/>
+          </a:xfrm>
+          <a:prstGeom prst="straightConnector1">
+            <a:avLst/>
+          </a:prstGeom>
+          <a:ln>
+            <a:tailEnd type="arrow"/>
+          </a:ln>
+        </p:spPr>
+        <p:style>
+          <a:lnRef idx="1">
+            <a:schemeClr val="accent1"/>
+          </a:lnRef>
+          <a:fillRef idx="0">
+            <a:schemeClr val="accent1"/>
+          </a:fillRef>
+          <a:effectRef idx="0">
+            <a:schemeClr val="accent1"/>
+          </a:effectRef>
+          <a:fontRef idx="minor">
+            <a:schemeClr val="tx1"/>
+          </a:fontRef>
+        </p:style>
+      </p:cxnSp>
+      <p:cxnSp>
+        <p:nvCxnSpPr>
+          <p:cNvPr id="30" name="直線矢印コネクタ 29"/>
+          <p:cNvCxnSpPr>
+            <a:stCxn id="60" idx="2"/>
+            <a:endCxn id="32" idx="0"/>
+          </p:cNvCxnSpPr>
+          <p:nvPr/>
+        </p:nvCxnSpPr>
+        <p:spPr>
+          <a:xfrm>
+            <a:off x="1286436" y="2550035"/>
+            <a:ext cx="8434" cy="233389"/>
+          </a:xfrm>
+          <a:prstGeom prst="straightConnector1">
+            <a:avLst/>
+          </a:prstGeom>
+          <a:ln>
+            <a:tailEnd type="arrow"/>
+          </a:ln>
+        </p:spPr>
+        <p:style>
+          <a:lnRef idx="1">
+            <a:schemeClr val="accent1"/>
+          </a:lnRef>
+          <a:fillRef idx="0">
+            <a:schemeClr val="accent1"/>
+          </a:fillRef>
+          <a:effectRef idx="0">
+            <a:schemeClr val="accent1"/>
+          </a:effectRef>
+          <a:fontRef idx="minor">
+            <a:schemeClr val="tx1"/>
+          </a:fontRef>
+        </p:style>
+      </p:cxnSp>
+      <p:cxnSp>
+        <p:nvCxnSpPr>
+          <p:cNvPr id="34" name="直線矢印コネクタ 33"/>
+          <p:cNvCxnSpPr>
+            <a:stCxn id="32" idx="2"/>
+            <a:endCxn id="15" idx="3"/>
+          </p:cNvCxnSpPr>
+          <p:nvPr/>
+        </p:nvCxnSpPr>
+        <p:spPr>
+          <a:xfrm flipH="1">
+            <a:off x="1286436" y="3071456"/>
+            <a:ext cx="8434" cy="213528"/>
+          </a:xfrm>
+          <a:prstGeom prst="straightConnector1">
+            <a:avLst/>
+          </a:prstGeom>
+          <a:ln>
+            <a:tailEnd type="arrow"/>
+          </a:ln>
+        </p:spPr>
+        <p:style>
+          <a:lnRef idx="1">
+            <a:schemeClr val="accent1"/>
+          </a:lnRef>
+          <a:fillRef idx="0">
+            <a:schemeClr val="accent1"/>
+          </a:fillRef>
+          <a:effectRef idx="0">
+            <a:schemeClr val="accent1"/>
+          </a:effectRef>
+          <a:fontRef idx="minor">
+            <a:schemeClr val="tx1"/>
+          </a:fontRef>
+        </p:style>
+      </p:cxnSp>
     </p:spTree>
     <p:extLst>
       <p:ext uri="{BB962C8B-B14F-4D97-AF65-F5344CB8AC3E}">
-        <p14:creationId xmlns:p14="http://schemas.microsoft.com/office/powerpoint/2010/main" val="13525340"/>
+        <p14:creationId xmlns:p14="http://schemas.microsoft.com/office/powerpoint/2010/main" val="1831230350"/>
       </p:ext>
     </p:extLst>
   </p:cSld>
@@ -6061,13 +5679,13 @@
       </p:grpSpPr>
       <p:sp>
         <p:nvSpPr>
-          <p:cNvPr id="3" name="フローチャート : 端子 2"/>
+          <p:cNvPr id="25" name="フローチャート : 端子 24"/>
           <p:cNvSpPr/>
           <p:nvPr/>
         </p:nvSpPr>
         <p:spPr>
           <a:xfrm>
-            <a:off x="1007604" y="188640"/>
+            <a:off x="789464" y="188640"/>
             <a:ext cx="1080120" cy="288032"/>
           </a:xfrm>
           <a:prstGeom prst="flowChartTerminator">
@@ -6101,7 +5719,1473 @@
       </p:sp>
       <p:sp>
         <p:nvSpPr>
-          <p:cNvPr id="4" name="正方形/長方形 3"/>
+          <p:cNvPr id="26" name="片側の 2 つの角を切り取った四角形 25"/>
+          <p:cNvSpPr/>
+          <p:nvPr/>
+        </p:nvSpPr>
+        <p:spPr>
+          <a:xfrm>
+            <a:off x="555438" y="2276872"/>
+            <a:ext cx="1548172" cy="324036"/>
+          </a:xfrm>
+          <a:prstGeom prst="snip2SameRect">
+            <a:avLst/>
+          </a:prstGeom>
+        </p:spPr>
+        <p:style>
+          <a:lnRef idx="2">
+            <a:schemeClr val="accent1">
+              <a:shade val="50000"/>
+            </a:schemeClr>
+          </a:lnRef>
+          <a:fillRef idx="1">
+            <a:schemeClr val="accent1"/>
+          </a:fillRef>
+          <a:effectRef idx="0">
+            <a:schemeClr val="accent1"/>
+          </a:effectRef>
+          <a:fontRef idx="minor">
+            <a:schemeClr val="lt1"/>
+          </a:fontRef>
+        </p:style>
+        <p:txBody>
+          <a:bodyPr rtlCol="0" anchor="ctr"/>
+          <a:lstStyle/>
+          <a:p>
+            <a:pPr algn="ctr"/>
+            <a:r>
+              <a:rPr kumimoji="1" lang="en-US" altLang="ja-JP" dirty="0" smtClean="0"/>
+              <a:t>N bounces</a:t>
+            </a:r>
+            <a:endParaRPr kumimoji="1" lang="ja-JP" altLang="en-US" dirty="0"/>
+          </a:p>
+        </p:txBody>
+      </p:sp>
+      <p:sp>
+        <p:nvSpPr>
+          <p:cNvPr id="34" name="正方形/長方形 33"/>
+          <p:cNvSpPr/>
+          <p:nvPr/>
+        </p:nvSpPr>
+        <p:spPr>
+          <a:xfrm>
+            <a:off x="573440" y="766465"/>
+            <a:ext cx="1512168" cy="504056"/>
+          </a:xfrm>
+          <a:prstGeom prst="rect">
+            <a:avLst/>
+          </a:prstGeom>
+        </p:spPr>
+        <p:style>
+          <a:lnRef idx="2">
+            <a:schemeClr val="accent1">
+              <a:shade val="50000"/>
+            </a:schemeClr>
+          </a:lnRef>
+          <a:fillRef idx="1">
+            <a:schemeClr val="accent1"/>
+          </a:fillRef>
+          <a:effectRef idx="0">
+            <a:schemeClr val="accent1"/>
+          </a:effectRef>
+          <a:fontRef idx="minor">
+            <a:schemeClr val="lt1"/>
+          </a:fontRef>
+        </p:style>
+        <p:txBody>
+          <a:bodyPr rtlCol="0" anchor="ctr"/>
+          <a:lstStyle/>
+          <a:p>
+            <a:pPr algn="ctr"/>
+            <a:r>
+              <a:rPr kumimoji="1" lang="en-US" altLang="ja-JP" sz="1200" dirty="0" smtClean="0"/>
+              <a:t>AOV</a:t>
+            </a:r>
+            <a:r>
+              <a:rPr kumimoji="1" lang="ja-JP" altLang="en-US" sz="1200" dirty="0" smtClean="0"/>
+              <a:t>出力先</a:t>
+            </a:r>
+            <a:endParaRPr kumimoji="1" lang="en-US" altLang="ja-JP" sz="1200" dirty="0" smtClean="0"/>
+          </a:p>
+          <a:p>
+            <a:pPr algn="ctr"/>
+            <a:r>
+              <a:rPr lang="ja-JP" altLang="en-US" sz="1200" dirty="0" smtClean="0"/>
+              <a:t>切り替え（</a:t>
+            </a:r>
+            <a:r>
+              <a:rPr lang="en-US" altLang="ja-JP" sz="1200" dirty="0" err="1" smtClean="0"/>
+              <a:t>Prev</a:t>
+            </a:r>
+            <a:r>
+              <a:rPr lang="en-US" altLang="ja-JP" sz="1200" dirty="0" smtClean="0"/>
+              <a:t>/Cur</a:t>
+            </a:r>
+            <a:r>
+              <a:rPr lang="ja-JP" altLang="en-US" sz="1200" dirty="0" smtClean="0"/>
+              <a:t>）</a:t>
+            </a:r>
+            <a:endParaRPr kumimoji="1" lang="ja-JP" altLang="en-US" sz="1200" dirty="0"/>
+          </a:p>
+        </p:txBody>
+      </p:sp>
+      <p:sp>
+        <p:nvSpPr>
+          <p:cNvPr id="50" name="正方形/長方形 49"/>
+          <p:cNvSpPr/>
+          <p:nvPr/>
+        </p:nvSpPr>
+        <p:spPr>
+          <a:xfrm>
+            <a:off x="573440" y="1628800"/>
+            <a:ext cx="1512168" cy="324000"/>
+          </a:xfrm>
+          <a:prstGeom prst="rect">
+            <a:avLst/>
+          </a:prstGeom>
+        </p:spPr>
+        <p:style>
+          <a:lnRef idx="2">
+            <a:schemeClr val="accent1">
+              <a:shade val="50000"/>
+            </a:schemeClr>
+          </a:lnRef>
+          <a:fillRef idx="1">
+            <a:schemeClr val="accent1"/>
+          </a:fillRef>
+          <a:effectRef idx="0">
+            <a:schemeClr val="accent1"/>
+          </a:effectRef>
+          <a:fontRef idx="minor">
+            <a:schemeClr val="lt1"/>
+          </a:fontRef>
+        </p:style>
+        <p:txBody>
+          <a:bodyPr rtlCol="0" anchor="ctr"/>
+          <a:lstStyle/>
+          <a:p>
+            <a:pPr algn="ctr"/>
+            <a:r>
+              <a:rPr kumimoji="1" lang="en-US" altLang="ja-JP" dirty="0" err="1" smtClean="0"/>
+              <a:t>GenPath</a:t>
+            </a:r>
+            <a:endParaRPr kumimoji="1" lang="ja-JP" altLang="en-US" dirty="0"/>
+          </a:p>
+        </p:txBody>
+      </p:sp>
+      <p:sp>
+        <p:nvSpPr>
+          <p:cNvPr id="51" name="正方形/長方形 50"/>
+          <p:cNvSpPr/>
+          <p:nvPr/>
+        </p:nvSpPr>
+        <p:spPr>
+          <a:xfrm>
+            <a:off x="573440" y="2924944"/>
+            <a:ext cx="1512168" cy="324036"/>
+          </a:xfrm>
+          <a:prstGeom prst="rect">
+            <a:avLst/>
+          </a:prstGeom>
+        </p:spPr>
+        <p:style>
+          <a:lnRef idx="2">
+            <a:schemeClr val="accent1">
+              <a:shade val="50000"/>
+            </a:schemeClr>
+          </a:lnRef>
+          <a:fillRef idx="1">
+            <a:schemeClr val="accent1"/>
+          </a:fillRef>
+          <a:effectRef idx="0">
+            <a:schemeClr val="accent1"/>
+          </a:effectRef>
+          <a:fontRef idx="minor">
+            <a:schemeClr val="lt1"/>
+          </a:fontRef>
+        </p:style>
+        <p:txBody>
+          <a:bodyPr rtlCol="0" anchor="ctr"/>
+          <a:lstStyle/>
+          <a:p>
+            <a:pPr algn="ctr"/>
+            <a:r>
+              <a:rPr kumimoji="1" lang="en-US" altLang="ja-JP" dirty="0" err="1" smtClean="0"/>
+              <a:t>HitTest</a:t>
+            </a:r>
+            <a:endParaRPr kumimoji="1" lang="ja-JP" altLang="en-US" dirty="0"/>
+          </a:p>
+        </p:txBody>
+      </p:sp>
+      <p:sp>
+        <p:nvSpPr>
+          <p:cNvPr id="53" name="正方形/長方形 52"/>
+          <p:cNvSpPr/>
+          <p:nvPr/>
+        </p:nvSpPr>
+        <p:spPr>
+          <a:xfrm>
+            <a:off x="573440" y="4926361"/>
+            <a:ext cx="1512168" cy="324036"/>
+          </a:xfrm>
+          <a:prstGeom prst="rect">
+            <a:avLst/>
+          </a:prstGeom>
+        </p:spPr>
+        <p:style>
+          <a:lnRef idx="2">
+            <a:schemeClr val="accent1">
+              <a:shade val="50000"/>
+            </a:schemeClr>
+          </a:lnRef>
+          <a:fillRef idx="1">
+            <a:schemeClr val="accent1"/>
+          </a:fillRef>
+          <a:effectRef idx="0">
+            <a:schemeClr val="accent1"/>
+          </a:effectRef>
+          <a:fontRef idx="minor">
+            <a:schemeClr val="lt1"/>
+          </a:fontRef>
+        </p:style>
+        <p:txBody>
+          <a:bodyPr rtlCol="0" anchor="ctr"/>
+          <a:lstStyle/>
+          <a:p>
+            <a:pPr algn="ctr"/>
+            <a:r>
+              <a:rPr kumimoji="1" lang="en-US" altLang="ja-JP" sz="1200" dirty="0" err="1" smtClean="0"/>
+              <a:t>StreamCompaction</a:t>
+            </a:r>
+            <a:endParaRPr kumimoji="1" lang="ja-JP" altLang="en-US" sz="1200" dirty="0"/>
+          </a:p>
+        </p:txBody>
+      </p:sp>
+      <p:sp>
+        <p:nvSpPr>
+          <p:cNvPr id="54" name="正方形/長方形 53"/>
+          <p:cNvSpPr/>
+          <p:nvPr/>
+        </p:nvSpPr>
+        <p:spPr>
+          <a:xfrm>
+            <a:off x="5315900" y="2114854"/>
+            <a:ext cx="1512168" cy="324036"/>
+          </a:xfrm>
+          <a:prstGeom prst="rect">
+            <a:avLst/>
+          </a:prstGeom>
+        </p:spPr>
+        <p:style>
+          <a:lnRef idx="2">
+            <a:schemeClr val="accent1">
+              <a:shade val="50000"/>
+            </a:schemeClr>
+          </a:lnRef>
+          <a:fillRef idx="1">
+            <a:schemeClr val="accent1"/>
+          </a:fillRef>
+          <a:effectRef idx="0">
+            <a:schemeClr val="accent1"/>
+          </a:effectRef>
+          <a:fontRef idx="minor">
+            <a:schemeClr val="lt1"/>
+          </a:fontRef>
+        </p:style>
+        <p:txBody>
+          <a:bodyPr rtlCol="0" anchor="ctr"/>
+          <a:lstStyle/>
+          <a:p>
+            <a:pPr algn="ctr"/>
+            <a:r>
+              <a:rPr kumimoji="1" lang="en-US" altLang="ja-JP" dirty="0" smtClean="0"/>
+              <a:t>Shade</a:t>
+            </a:r>
+            <a:endParaRPr kumimoji="1" lang="ja-JP" altLang="en-US" dirty="0"/>
+          </a:p>
+        </p:txBody>
+      </p:sp>
+      <p:sp>
+        <p:nvSpPr>
+          <p:cNvPr id="55" name="フローチャート : 判断 54"/>
+          <p:cNvSpPr/>
+          <p:nvPr/>
+        </p:nvSpPr>
+        <p:spPr>
+          <a:xfrm>
+            <a:off x="609444" y="3430515"/>
+            <a:ext cx="1440160" cy="648072"/>
+          </a:xfrm>
+          <a:prstGeom prst="flowChartDecision">
+            <a:avLst/>
+          </a:prstGeom>
+        </p:spPr>
+        <p:style>
+          <a:lnRef idx="2">
+            <a:schemeClr val="accent1">
+              <a:shade val="50000"/>
+            </a:schemeClr>
+          </a:lnRef>
+          <a:fillRef idx="1">
+            <a:schemeClr val="accent1"/>
+          </a:fillRef>
+          <a:effectRef idx="0">
+            <a:schemeClr val="accent1"/>
+          </a:effectRef>
+          <a:fontRef idx="minor">
+            <a:schemeClr val="lt1"/>
+          </a:fontRef>
+        </p:style>
+        <p:txBody>
+          <a:bodyPr wrap="none" rtlCol="0" anchor="ctr"/>
+          <a:lstStyle/>
+          <a:p>
+            <a:pPr algn="ctr"/>
+            <a:r>
+              <a:rPr lang="en-US" altLang="ja-JP" sz="1600" dirty="0" smtClean="0"/>
+              <a:t>0 bounce?</a:t>
+            </a:r>
+            <a:endParaRPr kumimoji="1" lang="en-US" altLang="ja-JP" sz="1600" dirty="0" smtClean="0"/>
+          </a:p>
+        </p:txBody>
+      </p:sp>
+      <p:sp>
+        <p:nvSpPr>
+          <p:cNvPr id="56" name="正方形/長方形 55"/>
+          <p:cNvSpPr/>
+          <p:nvPr/>
+        </p:nvSpPr>
+        <p:spPr>
+          <a:xfrm>
+            <a:off x="2483768" y="3502523"/>
+            <a:ext cx="1512168" cy="504056"/>
+          </a:xfrm>
+          <a:prstGeom prst="rect">
+            <a:avLst/>
+          </a:prstGeom>
+        </p:spPr>
+        <p:style>
+          <a:lnRef idx="2">
+            <a:schemeClr val="accent1">
+              <a:shade val="50000"/>
+            </a:schemeClr>
+          </a:lnRef>
+          <a:fillRef idx="1">
+            <a:schemeClr val="accent1"/>
+          </a:fillRef>
+          <a:effectRef idx="0">
+            <a:schemeClr val="accent1"/>
+          </a:effectRef>
+          <a:fontRef idx="minor">
+            <a:schemeClr val="lt1"/>
+          </a:fontRef>
+        </p:style>
+        <p:txBody>
+          <a:bodyPr rtlCol="0" anchor="ctr"/>
+          <a:lstStyle/>
+          <a:p>
+            <a:pPr algn="ctr"/>
+            <a:r>
+              <a:rPr kumimoji="1" lang="ja-JP" altLang="en-US" sz="1200" dirty="0" smtClean="0"/>
+              <a:t>環境マップを</a:t>
+            </a:r>
+            <a:endParaRPr kumimoji="1" lang="en-US" altLang="ja-JP" sz="1200" dirty="0" smtClean="0"/>
+          </a:p>
+          <a:p>
+            <a:pPr algn="ctr"/>
+            <a:r>
+              <a:rPr lang="en-US" altLang="ja-JP" sz="1200" dirty="0" smtClean="0"/>
+              <a:t>Albedo</a:t>
+            </a:r>
+            <a:r>
+              <a:rPr lang="ja-JP" altLang="en-US" sz="1200" dirty="0" smtClean="0"/>
+              <a:t>マップに出力</a:t>
+            </a:r>
+            <a:endParaRPr kumimoji="1" lang="ja-JP" altLang="en-US" sz="1200" dirty="0"/>
+          </a:p>
+        </p:txBody>
+      </p:sp>
+      <p:cxnSp>
+        <p:nvCxnSpPr>
+          <p:cNvPr id="58" name="直線矢印コネクタ 57"/>
+          <p:cNvCxnSpPr>
+            <a:stCxn id="55" idx="3"/>
+            <a:endCxn id="56" idx="1"/>
+          </p:cNvCxnSpPr>
+          <p:nvPr/>
+        </p:nvCxnSpPr>
+        <p:spPr>
+          <a:xfrm>
+            <a:off x="2049604" y="3754551"/>
+            <a:ext cx="434164" cy="0"/>
+          </a:xfrm>
+          <a:prstGeom prst="straightConnector1">
+            <a:avLst/>
+          </a:prstGeom>
+          <a:ln>
+            <a:tailEnd type="arrow"/>
+          </a:ln>
+        </p:spPr>
+        <p:style>
+          <a:lnRef idx="1">
+            <a:schemeClr val="accent1"/>
+          </a:lnRef>
+          <a:fillRef idx="0">
+            <a:schemeClr val="accent1"/>
+          </a:fillRef>
+          <a:effectRef idx="0">
+            <a:schemeClr val="accent1"/>
+          </a:effectRef>
+          <a:fontRef idx="minor">
+            <a:schemeClr val="tx1"/>
+          </a:fontRef>
+        </p:style>
+      </p:cxnSp>
+      <p:sp>
+        <p:nvSpPr>
+          <p:cNvPr id="59" name="正方形/長方形 58"/>
+          <p:cNvSpPr/>
+          <p:nvPr/>
+        </p:nvSpPr>
+        <p:spPr>
+          <a:xfrm>
+            <a:off x="573440" y="4322454"/>
+            <a:ext cx="1512168" cy="324000"/>
+          </a:xfrm>
+          <a:prstGeom prst="rect">
+            <a:avLst/>
+          </a:prstGeom>
+        </p:spPr>
+        <p:style>
+          <a:lnRef idx="2">
+            <a:schemeClr val="accent1">
+              <a:shade val="50000"/>
+            </a:schemeClr>
+          </a:lnRef>
+          <a:fillRef idx="1">
+            <a:schemeClr val="accent1"/>
+          </a:fillRef>
+          <a:effectRef idx="0">
+            <a:schemeClr val="accent1"/>
+          </a:effectRef>
+          <a:fontRef idx="minor">
+            <a:schemeClr val="lt1"/>
+          </a:fontRef>
+        </p:style>
+        <p:txBody>
+          <a:bodyPr rtlCol="0" anchor="ctr"/>
+          <a:lstStyle/>
+          <a:p>
+            <a:pPr algn="ctr"/>
+            <a:r>
+              <a:rPr kumimoji="1" lang="en-US" altLang="ja-JP" dirty="0" err="1" smtClean="0"/>
+              <a:t>ShadeMiss</a:t>
+            </a:r>
+            <a:endParaRPr kumimoji="1" lang="ja-JP" altLang="en-US" dirty="0"/>
+          </a:p>
+        </p:txBody>
+      </p:sp>
+      <p:cxnSp>
+        <p:nvCxnSpPr>
+          <p:cNvPr id="64" name="直線矢印コネクタ 63"/>
+          <p:cNvCxnSpPr>
+            <a:stCxn id="25" idx="2"/>
+            <a:endCxn id="34" idx="0"/>
+          </p:cNvCxnSpPr>
+          <p:nvPr/>
+        </p:nvCxnSpPr>
+        <p:spPr>
+          <a:xfrm>
+            <a:off x="1329524" y="476672"/>
+            <a:ext cx="0" cy="289793"/>
+          </a:xfrm>
+          <a:prstGeom prst="straightConnector1">
+            <a:avLst/>
+          </a:prstGeom>
+          <a:ln>
+            <a:tailEnd type="arrow"/>
+          </a:ln>
+        </p:spPr>
+        <p:style>
+          <a:lnRef idx="1">
+            <a:schemeClr val="accent1"/>
+          </a:lnRef>
+          <a:fillRef idx="0">
+            <a:schemeClr val="accent1"/>
+          </a:fillRef>
+          <a:effectRef idx="0">
+            <a:schemeClr val="accent1"/>
+          </a:effectRef>
+          <a:fontRef idx="minor">
+            <a:schemeClr val="tx1"/>
+          </a:fontRef>
+        </p:style>
+      </p:cxnSp>
+      <p:cxnSp>
+        <p:nvCxnSpPr>
+          <p:cNvPr id="66" name="直線矢印コネクタ 65"/>
+          <p:cNvCxnSpPr>
+            <a:stCxn id="34" idx="2"/>
+            <a:endCxn id="50" idx="0"/>
+          </p:cNvCxnSpPr>
+          <p:nvPr/>
+        </p:nvCxnSpPr>
+        <p:spPr>
+          <a:xfrm>
+            <a:off x="1329524" y="1270521"/>
+            <a:ext cx="0" cy="358279"/>
+          </a:xfrm>
+          <a:prstGeom prst="straightConnector1">
+            <a:avLst/>
+          </a:prstGeom>
+          <a:ln>
+            <a:tailEnd type="arrow"/>
+          </a:ln>
+        </p:spPr>
+        <p:style>
+          <a:lnRef idx="1">
+            <a:schemeClr val="accent1"/>
+          </a:lnRef>
+          <a:fillRef idx="0">
+            <a:schemeClr val="accent1"/>
+          </a:fillRef>
+          <a:effectRef idx="0">
+            <a:schemeClr val="accent1"/>
+          </a:effectRef>
+          <a:fontRef idx="minor">
+            <a:schemeClr val="tx1"/>
+          </a:fontRef>
+        </p:style>
+      </p:cxnSp>
+      <p:cxnSp>
+        <p:nvCxnSpPr>
+          <p:cNvPr id="68" name="直線矢印コネクタ 67"/>
+          <p:cNvCxnSpPr>
+            <a:stCxn id="50" idx="2"/>
+            <a:endCxn id="26" idx="3"/>
+          </p:cNvCxnSpPr>
+          <p:nvPr/>
+        </p:nvCxnSpPr>
+        <p:spPr>
+          <a:xfrm>
+            <a:off x="1329524" y="1952800"/>
+            <a:ext cx="0" cy="324072"/>
+          </a:xfrm>
+          <a:prstGeom prst="straightConnector1">
+            <a:avLst/>
+          </a:prstGeom>
+          <a:ln>
+            <a:tailEnd type="arrow"/>
+          </a:ln>
+        </p:spPr>
+        <p:style>
+          <a:lnRef idx="1">
+            <a:schemeClr val="accent1"/>
+          </a:lnRef>
+          <a:fillRef idx="0">
+            <a:schemeClr val="accent1"/>
+          </a:fillRef>
+          <a:effectRef idx="0">
+            <a:schemeClr val="accent1"/>
+          </a:effectRef>
+          <a:fontRef idx="minor">
+            <a:schemeClr val="tx1"/>
+          </a:fontRef>
+        </p:style>
+      </p:cxnSp>
+      <p:cxnSp>
+        <p:nvCxnSpPr>
+          <p:cNvPr id="70" name="直線矢印コネクタ 69"/>
+          <p:cNvCxnSpPr>
+            <a:stCxn id="26" idx="1"/>
+            <a:endCxn id="51" idx="0"/>
+          </p:cNvCxnSpPr>
+          <p:nvPr/>
+        </p:nvCxnSpPr>
+        <p:spPr>
+          <a:xfrm>
+            <a:off x="1329524" y="2600908"/>
+            <a:ext cx="0" cy="324036"/>
+          </a:xfrm>
+          <a:prstGeom prst="straightConnector1">
+            <a:avLst/>
+          </a:prstGeom>
+          <a:ln>
+            <a:tailEnd type="arrow"/>
+          </a:ln>
+        </p:spPr>
+        <p:style>
+          <a:lnRef idx="1">
+            <a:schemeClr val="accent1"/>
+          </a:lnRef>
+          <a:fillRef idx="0">
+            <a:schemeClr val="accent1"/>
+          </a:fillRef>
+          <a:effectRef idx="0">
+            <a:schemeClr val="accent1"/>
+          </a:effectRef>
+          <a:fontRef idx="minor">
+            <a:schemeClr val="tx1"/>
+          </a:fontRef>
+        </p:style>
+      </p:cxnSp>
+      <p:cxnSp>
+        <p:nvCxnSpPr>
+          <p:cNvPr id="72" name="直線矢印コネクタ 71"/>
+          <p:cNvCxnSpPr>
+            <a:stCxn id="51" idx="2"/>
+            <a:endCxn id="55" idx="0"/>
+          </p:cNvCxnSpPr>
+          <p:nvPr/>
+        </p:nvCxnSpPr>
+        <p:spPr>
+          <a:xfrm>
+            <a:off x="1329524" y="3248980"/>
+            <a:ext cx="0" cy="181535"/>
+          </a:xfrm>
+          <a:prstGeom prst="straightConnector1">
+            <a:avLst/>
+          </a:prstGeom>
+          <a:ln>
+            <a:tailEnd type="arrow"/>
+          </a:ln>
+        </p:spPr>
+        <p:style>
+          <a:lnRef idx="1">
+            <a:schemeClr val="accent1"/>
+          </a:lnRef>
+          <a:fillRef idx="0">
+            <a:schemeClr val="accent1"/>
+          </a:fillRef>
+          <a:effectRef idx="0">
+            <a:schemeClr val="accent1"/>
+          </a:effectRef>
+          <a:fontRef idx="minor">
+            <a:schemeClr val="tx1"/>
+          </a:fontRef>
+        </p:style>
+      </p:cxnSp>
+      <p:cxnSp>
+        <p:nvCxnSpPr>
+          <p:cNvPr id="74" name="直線矢印コネクタ 73"/>
+          <p:cNvCxnSpPr>
+            <a:stCxn id="55" idx="2"/>
+            <a:endCxn id="59" idx="0"/>
+          </p:cNvCxnSpPr>
+          <p:nvPr/>
+        </p:nvCxnSpPr>
+        <p:spPr>
+          <a:xfrm>
+            <a:off x="1329524" y="4078587"/>
+            <a:ext cx="0" cy="243867"/>
+          </a:xfrm>
+          <a:prstGeom prst="straightConnector1">
+            <a:avLst/>
+          </a:prstGeom>
+          <a:ln>
+            <a:tailEnd type="arrow"/>
+          </a:ln>
+        </p:spPr>
+        <p:style>
+          <a:lnRef idx="1">
+            <a:schemeClr val="accent1"/>
+          </a:lnRef>
+          <a:fillRef idx="0">
+            <a:schemeClr val="accent1"/>
+          </a:fillRef>
+          <a:effectRef idx="0">
+            <a:schemeClr val="accent1"/>
+          </a:effectRef>
+          <a:fontRef idx="minor">
+            <a:schemeClr val="tx1"/>
+          </a:fontRef>
+        </p:style>
+      </p:cxnSp>
+      <p:cxnSp>
+        <p:nvCxnSpPr>
+          <p:cNvPr id="76" name="直線矢印コネクタ 75"/>
+          <p:cNvCxnSpPr>
+            <a:stCxn id="59" idx="2"/>
+            <a:endCxn id="53" idx="0"/>
+          </p:cNvCxnSpPr>
+          <p:nvPr/>
+        </p:nvCxnSpPr>
+        <p:spPr>
+          <a:xfrm>
+            <a:off x="1329524" y="4646454"/>
+            <a:ext cx="0" cy="279907"/>
+          </a:xfrm>
+          <a:prstGeom prst="straightConnector1">
+            <a:avLst/>
+          </a:prstGeom>
+          <a:ln>
+            <a:tailEnd type="arrow"/>
+          </a:ln>
+        </p:spPr>
+        <p:style>
+          <a:lnRef idx="1">
+            <a:schemeClr val="accent1"/>
+          </a:lnRef>
+          <a:fillRef idx="0">
+            <a:schemeClr val="accent1"/>
+          </a:fillRef>
+          <a:effectRef idx="0">
+            <a:schemeClr val="accent1"/>
+          </a:effectRef>
+          <a:fontRef idx="minor">
+            <a:schemeClr val="tx1"/>
+          </a:fontRef>
+        </p:style>
+      </p:cxnSp>
+      <p:cxnSp>
+        <p:nvCxnSpPr>
+          <p:cNvPr id="78" name="直線矢印コネクタ 77"/>
+          <p:cNvCxnSpPr>
+            <a:stCxn id="53" idx="2"/>
+            <a:endCxn id="87" idx="0"/>
+          </p:cNvCxnSpPr>
+          <p:nvPr/>
+        </p:nvCxnSpPr>
+        <p:spPr>
+          <a:xfrm>
+            <a:off x="1329524" y="5250397"/>
+            <a:ext cx="0" cy="279786"/>
+          </a:xfrm>
+          <a:prstGeom prst="straightConnector1">
+            <a:avLst/>
+          </a:prstGeom>
+          <a:ln>
+            <a:tailEnd type="arrow"/>
+          </a:ln>
+        </p:spPr>
+        <p:style>
+          <a:lnRef idx="1">
+            <a:schemeClr val="accent1"/>
+          </a:lnRef>
+          <a:fillRef idx="0">
+            <a:schemeClr val="accent1"/>
+          </a:fillRef>
+          <a:effectRef idx="0">
+            <a:schemeClr val="accent1"/>
+          </a:effectRef>
+          <a:fontRef idx="minor">
+            <a:schemeClr val="tx1"/>
+          </a:fontRef>
+        </p:style>
+      </p:cxnSp>
+      <p:sp>
+        <p:nvSpPr>
+          <p:cNvPr id="79" name="テキスト ボックス 78"/>
+          <p:cNvSpPr txBox="1"/>
+          <p:nvPr/>
+        </p:nvSpPr>
+        <p:spPr>
+          <a:xfrm>
+            <a:off x="2015716" y="3385219"/>
+            <a:ext cx="324036" cy="369332"/>
+          </a:xfrm>
+          <a:prstGeom prst="rect">
+            <a:avLst/>
+          </a:prstGeom>
+          <a:noFill/>
+        </p:spPr>
+        <p:txBody>
+          <a:bodyPr wrap="square" rtlCol="0">
+            <a:spAutoFit/>
+          </a:bodyPr>
+          <a:lstStyle/>
+          <a:p>
+            <a:r>
+              <a:rPr kumimoji="1" lang="en-US" altLang="ja-JP" dirty="0" smtClean="0"/>
+              <a:t>Y</a:t>
+            </a:r>
+            <a:endParaRPr kumimoji="1" lang="ja-JP" altLang="en-US" dirty="0"/>
+          </a:p>
+        </p:txBody>
+      </p:sp>
+      <p:cxnSp>
+        <p:nvCxnSpPr>
+          <p:cNvPr id="81" name="カギ線コネクタ 80"/>
+          <p:cNvCxnSpPr>
+            <a:stCxn id="56" idx="2"/>
+            <a:endCxn id="53" idx="3"/>
+          </p:cNvCxnSpPr>
+          <p:nvPr/>
+        </p:nvCxnSpPr>
+        <p:spPr>
+          <a:xfrm rot="5400000">
+            <a:off x="2121830" y="3970357"/>
+            <a:ext cx="1081800" cy="1154244"/>
+          </a:xfrm>
+          <a:prstGeom prst="bentConnector2">
+            <a:avLst/>
+          </a:prstGeom>
+          <a:ln>
+            <a:tailEnd type="arrow"/>
+          </a:ln>
+        </p:spPr>
+        <p:style>
+          <a:lnRef idx="1">
+            <a:schemeClr val="accent1"/>
+          </a:lnRef>
+          <a:fillRef idx="0">
+            <a:schemeClr val="accent1"/>
+          </a:fillRef>
+          <a:effectRef idx="0">
+            <a:schemeClr val="accent1"/>
+          </a:effectRef>
+          <a:fontRef idx="minor">
+            <a:schemeClr val="tx1"/>
+          </a:fontRef>
+        </p:style>
+      </p:cxnSp>
+      <p:sp>
+        <p:nvSpPr>
+          <p:cNvPr id="84" name="テキスト ボックス 83"/>
+          <p:cNvSpPr txBox="1"/>
+          <p:nvPr/>
+        </p:nvSpPr>
+        <p:spPr>
+          <a:xfrm>
+            <a:off x="1005488" y="4015854"/>
+            <a:ext cx="324036" cy="369332"/>
+          </a:xfrm>
+          <a:prstGeom prst="rect">
+            <a:avLst/>
+          </a:prstGeom>
+          <a:noFill/>
+        </p:spPr>
+        <p:txBody>
+          <a:bodyPr wrap="square" rtlCol="0">
+            <a:spAutoFit/>
+          </a:bodyPr>
+          <a:lstStyle/>
+          <a:p>
+            <a:r>
+              <a:rPr lang="en-US" altLang="ja-JP" dirty="0"/>
+              <a:t>N</a:t>
+            </a:r>
+            <a:endParaRPr kumimoji="1" lang="ja-JP" altLang="en-US" dirty="0"/>
+          </a:p>
+        </p:txBody>
+      </p:sp>
+      <p:sp>
+        <p:nvSpPr>
+          <p:cNvPr id="87" name="フローチャート : 結合子 86"/>
+          <p:cNvSpPr/>
+          <p:nvPr/>
+        </p:nvSpPr>
+        <p:spPr>
+          <a:xfrm>
+            <a:off x="1221524" y="5530183"/>
+            <a:ext cx="216000" cy="216000"/>
+          </a:xfrm>
+          <a:prstGeom prst="flowChartConnector">
+            <a:avLst/>
+          </a:prstGeom>
+        </p:spPr>
+        <p:style>
+          <a:lnRef idx="2">
+            <a:schemeClr val="accent1">
+              <a:shade val="50000"/>
+            </a:schemeClr>
+          </a:lnRef>
+          <a:fillRef idx="1">
+            <a:schemeClr val="accent1"/>
+          </a:fillRef>
+          <a:effectRef idx="0">
+            <a:schemeClr val="accent1"/>
+          </a:effectRef>
+          <a:fontRef idx="minor">
+            <a:schemeClr val="lt1"/>
+          </a:fontRef>
+        </p:style>
+        <p:txBody>
+          <a:bodyPr rtlCol="0" anchor="ctr"/>
+          <a:lstStyle/>
+          <a:p>
+            <a:pPr algn="ctr"/>
+            <a:endParaRPr kumimoji="1" lang="ja-JP" altLang="en-US"/>
+          </a:p>
+        </p:txBody>
+      </p:sp>
+      <p:sp>
+        <p:nvSpPr>
+          <p:cNvPr id="92" name="フローチャート : 結合子 91"/>
+          <p:cNvSpPr/>
+          <p:nvPr/>
+        </p:nvSpPr>
+        <p:spPr>
+          <a:xfrm>
+            <a:off x="5963875" y="188640"/>
+            <a:ext cx="216000" cy="216000"/>
+          </a:xfrm>
+          <a:prstGeom prst="flowChartConnector">
+            <a:avLst/>
+          </a:prstGeom>
+        </p:spPr>
+        <p:style>
+          <a:lnRef idx="2">
+            <a:schemeClr val="accent1">
+              <a:shade val="50000"/>
+            </a:schemeClr>
+          </a:lnRef>
+          <a:fillRef idx="1">
+            <a:schemeClr val="accent1"/>
+          </a:fillRef>
+          <a:effectRef idx="0">
+            <a:schemeClr val="accent1"/>
+          </a:effectRef>
+          <a:fontRef idx="minor">
+            <a:schemeClr val="lt1"/>
+          </a:fontRef>
+        </p:style>
+        <p:txBody>
+          <a:bodyPr rtlCol="0" anchor="ctr"/>
+          <a:lstStyle/>
+          <a:p>
+            <a:pPr algn="ctr"/>
+            <a:endParaRPr kumimoji="1" lang="ja-JP" altLang="en-US"/>
+          </a:p>
+        </p:txBody>
+      </p:sp>
+      <p:sp>
+        <p:nvSpPr>
+          <p:cNvPr id="97" name="片側の 2 つの角を切り取った四角形 96"/>
+          <p:cNvSpPr/>
+          <p:nvPr/>
+        </p:nvSpPr>
+        <p:spPr>
+          <a:xfrm flipV="1">
+            <a:off x="5297789" y="2762926"/>
+            <a:ext cx="1548172" cy="324036"/>
+          </a:xfrm>
+          <a:prstGeom prst="snip2SameRect">
+            <a:avLst/>
+          </a:prstGeom>
+        </p:spPr>
+        <p:style>
+          <a:lnRef idx="2">
+            <a:schemeClr val="accent1">
+              <a:shade val="50000"/>
+            </a:schemeClr>
+          </a:lnRef>
+          <a:fillRef idx="1">
+            <a:schemeClr val="accent1"/>
+          </a:fillRef>
+          <a:effectRef idx="0">
+            <a:schemeClr val="accent1"/>
+          </a:effectRef>
+          <a:fontRef idx="minor">
+            <a:schemeClr val="lt1"/>
+          </a:fontRef>
+        </p:style>
+        <p:txBody>
+          <a:bodyPr rtlCol="0" anchor="ctr"/>
+          <a:lstStyle/>
+          <a:p>
+            <a:pPr algn="ctr"/>
+            <a:endParaRPr kumimoji="1" lang="ja-JP" altLang="en-US" dirty="0"/>
+          </a:p>
+        </p:txBody>
+      </p:sp>
+      <p:cxnSp>
+        <p:nvCxnSpPr>
+          <p:cNvPr id="99" name="直線矢印コネクタ 98"/>
+          <p:cNvCxnSpPr>
+            <a:stCxn id="54" idx="2"/>
+            <a:endCxn id="97" idx="1"/>
+          </p:cNvCxnSpPr>
+          <p:nvPr/>
+        </p:nvCxnSpPr>
+        <p:spPr>
+          <a:xfrm flipH="1">
+            <a:off x="6071875" y="2438890"/>
+            <a:ext cx="109" cy="324036"/>
+          </a:xfrm>
+          <a:prstGeom prst="straightConnector1">
+            <a:avLst/>
+          </a:prstGeom>
+          <a:ln>
+            <a:tailEnd type="arrow"/>
+          </a:ln>
+        </p:spPr>
+        <p:style>
+          <a:lnRef idx="1">
+            <a:schemeClr val="accent1"/>
+          </a:lnRef>
+          <a:fillRef idx="0">
+            <a:schemeClr val="accent1"/>
+          </a:fillRef>
+          <a:effectRef idx="0">
+            <a:schemeClr val="accent1"/>
+          </a:effectRef>
+          <a:fontRef idx="minor">
+            <a:schemeClr val="tx1"/>
+          </a:fontRef>
+        </p:style>
+      </p:cxnSp>
+      <p:sp>
+        <p:nvSpPr>
+          <p:cNvPr id="100" name="フローチャート : 端子 99"/>
+          <p:cNvSpPr/>
+          <p:nvPr/>
+        </p:nvSpPr>
+        <p:spPr>
+          <a:xfrm>
+            <a:off x="5530756" y="3366515"/>
+            <a:ext cx="1080120" cy="288032"/>
+          </a:xfrm>
+          <a:prstGeom prst="flowChartTerminator">
+            <a:avLst/>
+          </a:prstGeom>
+        </p:spPr>
+        <p:style>
+          <a:lnRef idx="2">
+            <a:schemeClr val="accent1">
+              <a:shade val="50000"/>
+            </a:schemeClr>
+          </a:lnRef>
+          <a:fillRef idx="1">
+            <a:schemeClr val="accent1"/>
+          </a:fillRef>
+          <a:effectRef idx="0">
+            <a:schemeClr val="accent1"/>
+          </a:effectRef>
+          <a:fontRef idx="minor">
+            <a:schemeClr val="lt1"/>
+          </a:fontRef>
+        </p:style>
+        <p:txBody>
+          <a:bodyPr rtlCol="0" anchor="ctr"/>
+          <a:lstStyle/>
+          <a:p>
+            <a:pPr algn="ctr"/>
+            <a:endParaRPr kumimoji="1" lang="ja-JP" altLang="en-US"/>
+          </a:p>
+        </p:txBody>
+      </p:sp>
+      <p:cxnSp>
+        <p:nvCxnSpPr>
+          <p:cNvPr id="102" name="直線矢印コネクタ 101"/>
+          <p:cNvCxnSpPr>
+            <a:stCxn id="97" idx="3"/>
+            <a:endCxn id="100" idx="0"/>
+          </p:cNvCxnSpPr>
+          <p:nvPr/>
+        </p:nvCxnSpPr>
+        <p:spPr>
+          <a:xfrm flipH="1">
+            <a:off x="6070816" y="3086962"/>
+            <a:ext cx="1059" cy="279553"/>
+          </a:xfrm>
+          <a:prstGeom prst="straightConnector1">
+            <a:avLst/>
+          </a:prstGeom>
+          <a:ln>
+            <a:tailEnd type="arrow"/>
+          </a:ln>
+        </p:spPr>
+        <p:style>
+          <a:lnRef idx="1">
+            <a:schemeClr val="accent1"/>
+          </a:lnRef>
+          <a:fillRef idx="0">
+            <a:schemeClr val="accent1"/>
+          </a:fillRef>
+          <a:effectRef idx="0">
+            <a:schemeClr val="accent1"/>
+          </a:effectRef>
+          <a:fontRef idx="minor">
+            <a:schemeClr val="tx1"/>
+          </a:fontRef>
+        </p:style>
+      </p:cxnSp>
+      <p:sp>
+        <p:nvSpPr>
+          <p:cNvPr id="106" name="フローチャート : 判断 105"/>
+          <p:cNvSpPr/>
+          <p:nvPr/>
+        </p:nvSpPr>
+        <p:spPr>
+          <a:xfrm>
+            <a:off x="5351904" y="627770"/>
+            <a:ext cx="1440160" cy="648072"/>
+          </a:xfrm>
+          <a:prstGeom prst="flowChartDecision">
+            <a:avLst/>
+          </a:prstGeom>
+        </p:spPr>
+        <p:style>
+          <a:lnRef idx="2">
+            <a:schemeClr val="accent1">
+              <a:shade val="50000"/>
+            </a:schemeClr>
+          </a:lnRef>
+          <a:fillRef idx="1">
+            <a:schemeClr val="accent1"/>
+          </a:fillRef>
+          <a:effectRef idx="0">
+            <a:schemeClr val="accent1"/>
+          </a:effectRef>
+          <a:fontRef idx="minor">
+            <a:schemeClr val="lt1"/>
+          </a:fontRef>
+        </p:style>
+        <p:txBody>
+          <a:bodyPr wrap="none" rtlCol="0" anchor="ctr"/>
+          <a:lstStyle/>
+          <a:p>
+            <a:pPr algn="ctr"/>
+            <a:r>
+              <a:rPr lang="en-US" altLang="ja-JP" sz="1600" dirty="0" smtClean="0"/>
+              <a:t>0 bounce?</a:t>
+            </a:r>
+            <a:endParaRPr kumimoji="1" lang="en-US" altLang="ja-JP" sz="1600" dirty="0" smtClean="0"/>
+          </a:p>
+        </p:txBody>
+      </p:sp>
+      <p:sp>
+        <p:nvSpPr>
+          <p:cNvPr id="107" name="フローチャート : 定義済み処理 106"/>
+          <p:cNvSpPr/>
+          <p:nvPr/>
+        </p:nvSpPr>
+        <p:spPr>
+          <a:xfrm>
+            <a:off x="7172222" y="810004"/>
+            <a:ext cx="1512168" cy="283603"/>
+          </a:xfrm>
+          <a:prstGeom prst="flowChartPredefinedProcess">
+            <a:avLst/>
+          </a:prstGeom>
+        </p:spPr>
+        <p:style>
+          <a:lnRef idx="2">
+            <a:schemeClr val="accent1">
+              <a:shade val="50000"/>
+            </a:schemeClr>
+          </a:lnRef>
+          <a:fillRef idx="1">
+            <a:schemeClr val="accent1"/>
+          </a:fillRef>
+          <a:effectRef idx="0">
+            <a:schemeClr val="accent1"/>
+          </a:effectRef>
+          <a:fontRef idx="minor">
+            <a:schemeClr val="lt1"/>
+          </a:fontRef>
+        </p:style>
+        <p:txBody>
+          <a:bodyPr rtlCol="0" anchor="ctr"/>
+          <a:lstStyle/>
+          <a:p>
+            <a:pPr algn="ctr"/>
+            <a:r>
+              <a:rPr kumimoji="1" lang="en-US" altLang="ja-JP" sz="1200" dirty="0" err="1" smtClean="0"/>
+              <a:t>RenderAOV</a:t>
+            </a:r>
+            <a:endParaRPr kumimoji="1" lang="ja-JP" altLang="en-US" sz="1200" dirty="0"/>
+          </a:p>
+        </p:txBody>
+      </p:sp>
+      <p:cxnSp>
+        <p:nvCxnSpPr>
+          <p:cNvPr id="108" name="直線矢印コネクタ 107"/>
+          <p:cNvCxnSpPr>
+            <a:stCxn id="106" idx="3"/>
+          </p:cNvCxnSpPr>
+          <p:nvPr/>
+        </p:nvCxnSpPr>
+        <p:spPr>
+          <a:xfrm>
+            <a:off x="6792064" y="951806"/>
+            <a:ext cx="380158" cy="0"/>
+          </a:xfrm>
+          <a:prstGeom prst="straightConnector1">
+            <a:avLst/>
+          </a:prstGeom>
+          <a:ln>
+            <a:tailEnd type="arrow"/>
+          </a:ln>
+        </p:spPr>
+        <p:style>
+          <a:lnRef idx="1">
+            <a:schemeClr val="accent1"/>
+          </a:lnRef>
+          <a:fillRef idx="0">
+            <a:schemeClr val="accent1"/>
+          </a:fillRef>
+          <a:effectRef idx="0">
+            <a:schemeClr val="accent1"/>
+          </a:effectRef>
+          <a:fontRef idx="minor">
+            <a:schemeClr val="tx1"/>
+          </a:fontRef>
+        </p:style>
+      </p:cxnSp>
+      <p:sp>
+        <p:nvSpPr>
+          <p:cNvPr id="109" name="テキスト ボックス 108"/>
+          <p:cNvSpPr txBox="1"/>
+          <p:nvPr/>
+        </p:nvSpPr>
+        <p:spPr>
+          <a:xfrm>
+            <a:off x="6772542" y="582474"/>
+            <a:ext cx="324036" cy="369332"/>
+          </a:xfrm>
+          <a:prstGeom prst="rect">
+            <a:avLst/>
+          </a:prstGeom>
+          <a:noFill/>
+        </p:spPr>
+        <p:txBody>
+          <a:bodyPr wrap="square" rtlCol="0">
+            <a:spAutoFit/>
+          </a:bodyPr>
+          <a:lstStyle/>
+          <a:p>
+            <a:r>
+              <a:rPr kumimoji="1" lang="en-US" altLang="ja-JP" dirty="0" smtClean="0"/>
+              <a:t>Y</a:t>
+            </a:r>
+            <a:endParaRPr kumimoji="1" lang="ja-JP" altLang="en-US" dirty="0"/>
+          </a:p>
+        </p:txBody>
+      </p:sp>
+      <p:sp>
+        <p:nvSpPr>
+          <p:cNvPr id="110" name="テキスト ボックス 109"/>
+          <p:cNvSpPr txBox="1"/>
+          <p:nvPr/>
+        </p:nvSpPr>
+        <p:spPr>
+          <a:xfrm>
+            <a:off x="5585930" y="1275842"/>
+            <a:ext cx="324036" cy="369332"/>
+          </a:xfrm>
+          <a:prstGeom prst="rect">
+            <a:avLst/>
+          </a:prstGeom>
+          <a:noFill/>
+        </p:spPr>
+        <p:txBody>
+          <a:bodyPr wrap="square" rtlCol="0">
+            <a:spAutoFit/>
+          </a:bodyPr>
+          <a:lstStyle/>
+          <a:p>
+            <a:r>
+              <a:rPr lang="en-US" altLang="ja-JP" dirty="0"/>
+              <a:t>N</a:t>
+            </a:r>
+            <a:endParaRPr kumimoji="1" lang="ja-JP" altLang="en-US" dirty="0"/>
+          </a:p>
+        </p:txBody>
+      </p:sp>
+      <p:cxnSp>
+        <p:nvCxnSpPr>
+          <p:cNvPr id="113" name="直線矢印コネクタ 112"/>
+          <p:cNvCxnSpPr>
+            <a:stCxn id="92" idx="4"/>
+            <a:endCxn id="106" idx="0"/>
+          </p:cNvCxnSpPr>
+          <p:nvPr/>
+        </p:nvCxnSpPr>
+        <p:spPr>
+          <a:xfrm>
+            <a:off x="6071875" y="404640"/>
+            <a:ext cx="109" cy="223130"/>
+          </a:xfrm>
+          <a:prstGeom prst="straightConnector1">
+            <a:avLst/>
+          </a:prstGeom>
+          <a:ln>
+            <a:tailEnd type="arrow"/>
+          </a:ln>
+        </p:spPr>
+        <p:style>
+          <a:lnRef idx="1">
+            <a:schemeClr val="accent1"/>
+          </a:lnRef>
+          <a:fillRef idx="0">
+            <a:schemeClr val="accent1"/>
+          </a:fillRef>
+          <a:effectRef idx="0">
+            <a:schemeClr val="accent1"/>
+          </a:effectRef>
+          <a:fontRef idx="minor">
+            <a:schemeClr val="tx1"/>
+          </a:fontRef>
+        </p:style>
+      </p:cxnSp>
+      <p:sp>
+        <p:nvSpPr>
+          <p:cNvPr id="115" name="正方形/長方形 114"/>
+          <p:cNvSpPr/>
+          <p:nvPr/>
+        </p:nvSpPr>
+        <p:spPr>
+          <a:xfrm>
+            <a:off x="7172222" y="1423805"/>
+            <a:ext cx="1512168" cy="421019"/>
+          </a:xfrm>
+          <a:prstGeom prst="rect">
+            <a:avLst/>
+          </a:prstGeom>
+        </p:spPr>
+        <p:style>
+          <a:lnRef idx="2">
+            <a:schemeClr val="accent1">
+              <a:shade val="50000"/>
+            </a:schemeClr>
+          </a:lnRef>
+          <a:fillRef idx="1">
+            <a:schemeClr val="accent1"/>
+          </a:fillRef>
+          <a:effectRef idx="0">
+            <a:schemeClr val="accent1"/>
+          </a:effectRef>
+          <a:fontRef idx="minor">
+            <a:schemeClr val="lt1"/>
+          </a:fontRef>
+        </p:style>
+        <p:txBody>
+          <a:bodyPr rtlCol="0" anchor="ctr"/>
+          <a:lstStyle/>
+          <a:p>
+            <a:pPr algn="ctr"/>
+            <a:r>
+              <a:rPr kumimoji="1" lang="en-US" altLang="ja-JP" sz="1200" dirty="0" smtClean="0"/>
+              <a:t>Albedo</a:t>
+            </a:r>
+            <a:r>
+              <a:rPr kumimoji="1" lang="ja-JP" altLang="en-US" sz="1200" dirty="0" smtClean="0"/>
+              <a:t>テクスチャを</a:t>
+            </a:r>
+            <a:endParaRPr kumimoji="1" lang="en-US" altLang="ja-JP" sz="1200" dirty="0" smtClean="0"/>
+          </a:p>
+          <a:p>
+            <a:pPr algn="ctr"/>
+            <a:r>
+              <a:rPr lang="ja-JP" altLang="en-US" sz="1200" dirty="0"/>
+              <a:t>無効にする</a:t>
+            </a:r>
+            <a:endParaRPr kumimoji="1" lang="ja-JP" altLang="en-US" sz="1200" dirty="0"/>
+          </a:p>
+        </p:txBody>
+      </p:sp>
+      <p:cxnSp>
+        <p:nvCxnSpPr>
+          <p:cNvPr id="117" name="直線矢印コネクタ 116"/>
+          <p:cNvCxnSpPr>
+            <a:endCxn id="115" idx="0"/>
+          </p:cNvCxnSpPr>
+          <p:nvPr/>
+        </p:nvCxnSpPr>
+        <p:spPr>
+          <a:xfrm>
+            <a:off x="7928306" y="1093607"/>
+            <a:ext cx="0" cy="330198"/>
+          </a:xfrm>
+          <a:prstGeom prst="straightConnector1">
+            <a:avLst/>
+          </a:prstGeom>
+          <a:ln>
+            <a:tailEnd type="arrow"/>
+          </a:ln>
+        </p:spPr>
+        <p:style>
+          <a:lnRef idx="1">
+            <a:schemeClr val="accent1"/>
+          </a:lnRef>
+          <a:fillRef idx="0">
+            <a:schemeClr val="accent1"/>
+          </a:fillRef>
+          <a:effectRef idx="0">
+            <a:schemeClr val="accent1"/>
+          </a:effectRef>
+          <a:fontRef idx="minor">
+            <a:schemeClr val="tx1"/>
+          </a:fontRef>
+        </p:style>
+      </p:cxnSp>
+      <p:cxnSp>
+        <p:nvCxnSpPr>
+          <p:cNvPr id="123" name="直線矢印コネクタ 122"/>
+          <p:cNvCxnSpPr>
+            <a:stCxn id="106" idx="2"/>
+            <a:endCxn id="54" idx="0"/>
+          </p:cNvCxnSpPr>
+          <p:nvPr/>
+        </p:nvCxnSpPr>
+        <p:spPr>
+          <a:xfrm>
+            <a:off x="6071984" y="1275842"/>
+            <a:ext cx="0" cy="839012"/>
+          </a:xfrm>
+          <a:prstGeom prst="straightConnector1">
+            <a:avLst/>
+          </a:prstGeom>
+          <a:ln>
+            <a:tailEnd type="arrow"/>
+          </a:ln>
+        </p:spPr>
+        <p:style>
+          <a:lnRef idx="1">
+            <a:schemeClr val="accent1"/>
+          </a:lnRef>
+          <a:fillRef idx="0">
+            <a:schemeClr val="accent1"/>
+          </a:fillRef>
+          <a:effectRef idx="0">
+            <a:schemeClr val="accent1"/>
+          </a:effectRef>
+          <a:fontRef idx="minor">
+            <a:schemeClr val="tx1"/>
+          </a:fontRef>
+        </p:style>
+      </p:cxnSp>
+      <p:cxnSp>
+        <p:nvCxnSpPr>
+          <p:cNvPr id="130" name="カギ線コネクタ 129"/>
+          <p:cNvCxnSpPr>
+            <a:stCxn id="115" idx="2"/>
+            <a:endCxn id="54" idx="3"/>
+          </p:cNvCxnSpPr>
+          <p:nvPr/>
+        </p:nvCxnSpPr>
+        <p:spPr>
+          <a:xfrm rot="5400000">
+            <a:off x="7162163" y="1510729"/>
+            <a:ext cx="432048" cy="1100238"/>
+          </a:xfrm>
+          <a:prstGeom prst="bentConnector2">
+            <a:avLst/>
+          </a:prstGeom>
+          <a:ln>
+            <a:tailEnd type="arrow"/>
+          </a:ln>
+        </p:spPr>
+        <p:style>
+          <a:lnRef idx="1">
+            <a:schemeClr val="accent1"/>
+          </a:lnRef>
+          <a:fillRef idx="0">
+            <a:schemeClr val="accent1"/>
+          </a:fillRef>
+          <a:effectRef idx="0">
+            <a:schemeClr val="accent1"/>
+          </a:effectRef>
+          <a:fontRef idx="minor">
+            <a:schemeClr val="tx1"/>
+          </a:fontRef>
+        </p:style>
+      </p:cxnSp>
+      <p:sp>
+        <p:nvSpPr>
+          <p:cNvPr id="131" name="正方形/長方形 130"/>
           <p:cNvSpPr/>
           <p:nvPr/>
         </p:nvSpPr>
@@ -6136,732 +7220,17 @@
           <a:p>
             <a:pPr algn="ctr"/>
             <a:r>
-              <a:rPr kumimoji="1" lang="en-US" altLang="ja-JP" dirty="0" err="1" smtClean="0"/>
-              <a:t>RenderAOV</a:t>
+              <a:rPr kumimoji="1" lang="ja-JP" altLang="en-US" dirty="0" smtClean="0"/>
+              <a:t>パストレ</a:t>
             </a:r>
             <a:endParaRPr kumimoji="1" lang="ja-JP" altLang="en-US" dirty="0"/>
           </a:p>
         </p:txBody>
       </p:sp>
-      <p:sp>
-        <p:nvSpPr>
-          <p:cNvPr id="5" name="正方形/長方形 4"/>
-          <p:cNvSpPr/>
-          <p:nvPr/>
-        </p:nvSpPr>
-        <p:spPr>
-          <a:xfrm>
-            <a:off x="791580" y="836712"/>
-            <a:ext cx="1512168" cy="324000"/>
-          </a:xfrm>
-          <a:prstGeom prst="rect">
-            <a:avLst/>
-          </a:prstGeom>
-        </p:spPr>
-        <p:style>
-          <a:lnRef idx="2">
-            <a:schemeClr val="accent1">
-              <a:shade val="50000"/>
-            </a:schemeClr>
-          </a:lnRef>
-          <a:fillRef idx="1">
-            <a:schemeClr val="accent1"/>
-          </a:fillRef>
-          <a:effectRef idx="0">
-            <a:schemeClr val="accent1"/>
-          </a:effectRef>
-          <a:fontRef idx="minor">
-            <a:schemeClr val="lt1"/>
-          </a:fontRef>
-        </p:style>
-        <p:txBody>
-          <a:bodyPr rtlCol="0" anchor="ctr"/>
-          <a:lstStyle/>
-          <a:p>
-            <a:pPr algn="ctr"/>
-            <a:r>
-              <a:rPr kumimoji="1" lang="en-US" altLang="ja-JP" dirty="0" err="1" smtClean="0"/>
-              <a:t>EvalHitResult</a:t>
-            </a:r>
-            <a:endParaRPr kumimoji="1" lang="ja-JP" altLang="en-US" dirty="0"/>
-          </a:p>
-        </p:txBody>
-      </p:sp>
-      <p:sp>
-        <p:nvSpPr>
-          <p:cNvPr id="6" name="正方形/長方形 5"/>
-          <p:cNvSpPr/>
-          <p:nvPr/>
-        </p:nvSpPr>
-        <p:spPr>
-          <a:xfrm>
-            <a:off x="323528" y="1484784"/>
-            <a:ext cx="2448272" cy="864096"/>
-          </a:xfrm>
-          <a:prstGeom prst="rect">
-            <a:avLst/>
-          </a:prstGeom>
-        </p:spPr>
-        <p:style>
-          <a:lnRef idx="2">
-            <a:schemeClr val="accent1">
-              <a:shade val="50000"/>
-            </a:schemeClr>
-          </a:lnRef>
-          <a:fillRef idx="1">
-            <a:schemeClr val="accent1"/>
-          </a:fillRef>
-          <a:effectRef idx="0">
-            <a:schemeClr val="accent1"/>
-          </a:effectRef>
-          <a:fontRef idx="minor">
-            <a:schemeClr val="lt1"/>
-          </a:fontRef>
-        </p:style>
-        <p:txBody>
-          <a:bodyPr rtlCol="0" anchor="ctr"/>
-          <a:lstStyle/>
-          <a:p>
-            <a:pPr algn="ctr"/>
-            <a:r>
-              <a:rPr kumimoji="1" lang="en-US" altLang="ja-JP" sz="1400" dirty="0" smtClean="0"/>
-              <a:t>World-Clip</a:t>
-            </a:r>
-            <a:r>
-              <a:rPr kumimoji="1" lang="ja-JP" altLang="en-US" sz="1400" dirty="0" smtClean="0"/>
-              <a:t>変換行列を使ってワールド座標を</a:t>
-            </a:r>
-            <a:endParaRPr kumimoji="1" lang="en-US" altLang="ja-JP" sz="1400" dirty="0" smtClean="0"/>
-          </a:p>
-          <a:p>
-            <a:pPr algn="ctr"/>
-            <a:r>
-              <a:rPr kumimoji="1" lang="en-US" altLang="ja-JP" sz="1400" dirty="0" smtClean="0"/>
-              <a:t>Clip</a:t>
-            </a:r>
-            <a:r>
-              <a:rPr kumimoji="1" lang="ja-JP" altLang="en-US" sz="1400" dirty="0" smtClean="0"/>
-              <a:t>座標に変換</a:t>
-            </a:r>
-            <a:endParaRPr kumimoji="1" lang="ja-JP" altLang="en-US" sz="1400" dirty="0"/>
-          </a:p>
-        </p:txBody>
-      </p:sp>
-      <p:sp>
-        <p:nvSpPr>
-          <p:cNvPr id="7" name="正方形/長方形 6"/>
-          <p:cNvSpPr/>
-          <p:nvPr/>
-        </p:nvSpPr>
-        <p:spPr>
-          <a:xfrm>
-            <a:off x="791580" y="2636912"/>
-            <a:ext cx="1512168" cy="324000"/>
-          </a:xfrm>
-          <a:prstGeom prst="rect">
-            <a:avLst/>
-          </a:prstGeom>
-        </p:spPr>
-        <p:style>
-          <a:lnRef idx="2">
-            <a:schemeClr val="accent1">
-              <a:shade val="50000"/>
-            </a:schemeClr>
-          </a:lnRef>
-          <a:fillRef idx="1">
-            <a:schemeClr val="accent1"/>
-          </a:fillRef>
-          <a:effectRef idx="0">
-            <a:schemeClr val="accent1"/>
-          </a:effectRef>
-          <a:fontRef idx="minor">
-            <a:schemeClr val="lt1"/>
-          </a:fontRef>
-        </p:style>
-        <p:txBody>
-          <a:bodyPr rtlCol="0" anchor="ctr"/>
-          <a:lstStyle/>
-          <a:p>
-            <a:pPr algn="ctr"/>
-            <a:r>
-              <a:rPr lang="ja-JP" altLang="en-US" dirty="0" smtClean="0"/>
-              <a:t>法線出力</a:t>
-            </a:r>
-            <a:endParaRPr kumimoji="1" lang="ja-JP" altLang="en-US" dirty="0"/>
-          </a:p>
-        </p:txBody>
-      </p:sp>
-      <p:sp>
-        <p:nvSpPr>
-          <p:cNvPr id="8" name="正方形/長方形 7"/>
-          <p:cNvSpPr/>
-          <p:nvPr/>
-        </p:nvSpPr>
-        <p:spPr>
-          <a:xfrm>
-            <a:off x="791580" y="3284984"/>
-            <a:ext cx="1512168" cy="324000"/>
-          </a:xfrm>
-          <a:prstGeom prst="rect">
-            <a:avLst/>
-          </a:prstGeom>
-        </p:spPr>
-        <p:style>
-          <a:lnRef idx="2">
-            <a:schemeClr val="accent1">
-              <a:shade val="50000"/>
-            </a:schemeClr>
-          </a:lnRef>
-          <a:fillRef idx="1">
-            <a:schemeClr val="accent1"/>
-          </a:fillRef>
-          <a:effectRef idx="0">
-            <a:schemeClr val="accent1"/>
-          </a:effectRef>
-          <a:fontRef idx="minor">
-            <a:schemeClr val="lt1"/>
-          </a:fontRef>
-        </p:style>
-        <p:txBody>
-          <a:bodyPr rtlCol="0" anchor="ctr"/>
-          <a:lstStyle/>
-          <a:p>
-            <a:pPr algn="ctr"/>
-            <a:r>
-              <a:rPr kumimoji="1" lang="ja-JP" altLang="en-US" sz="1600" dirty="0" smtClean="0"/>
-              <a:t>メッシュ</a:t>
-            </a:r>
-            <a:r>
-              <a:rPr kumimoji="1" lang="en-US" altLang="ja-JP" sz="1600" dirty="0" smtClean="0"/>
-              <a:t>ID</a:t>
-            </a:r>
-            <a:r>
-              <a:rPr kumimoji="1" lang="ja-JP" altLang="en-US" sz="1600" dirty="0" smtClean="0"/>
-              <a:t>出力</a:t>
-            </a:r>
-            <a:endParaRPr kumimoji="1" lang="ja-JP" altLang="en-US" sz="1600" dirty="0"/>
-          </a:p>
-        </p:txBody>
-      </p:sp>
-      <p:sp>
-        <p:nvSpPr>
-          <p:cNvPr id="10" name="正方形/長方形 9"/>
-          <p:cNvSpPr/>
-          <p:nvPr/>
-        </p:nvSpPr>
-        <p:spPr>
-          <a:xfrm>
-            <a:off x="791580" y="3861048"/>
-            <a:ext cx="1512168" cy="585945"/>
-          </a:xfrm>
-          <a:prstGeom prst="rect">
-            <a:avLst/>
-          </a:prstGeom>
-        </p:spPr>
-        <p:style>
-          <a:lnRef idx="2">
-            <a:schemeClr val="accent1">
-              <a:shade val="50000"/>
-            </a:schemeClr>
-          </a:lnRef>
-          <a:fillRef idx="1">
-            <a:schemeClr val="accent1"/>
-          </a:fillRef>
-          <a:effectRef idx="0">
-            <a:schemeClr val="accent1"/>
-          </a:effectRef>
-          <a:fontRef idx="minor">
-            <a:schemeClr val="lt1"/>
-          </a:fontRef>
-        </p:style>
-        <p:txBody>
-          <a:bodyPr rtlCol="0" anchor="ctr"/>
-          <a:lstStyle/>
-          <a:p>
-            <a:pPr algn="ctr"/>
-            <a:r>
-              <a:rPr kumimoji="1" lang="ja-JP" altLang="en-US" sz="1400" dirty="0" smtClean="0"/>
-              <a:t>深度</a:t>
-            </a:r>
-            <a:r>
-              <a:rPr lang="ja-JP" altLang="en-US" sz="1400" dirty="0" smtClean="0"/>
-              <a:t>（</a:t>
-            </a:r>
-            <a:r>
-              <a:rPr lang="en-US" altLang="ja-JP" sz="1400" dirty="0" err="1" smtClean="0"/>
-              <a:t>clippos.w</a:t>
-            </a:r>
-            <a:r>
-              <a:rPr lang="ja-JP" altLang="en-US" sz="1400" dirty="0" smtClean="0"/>
-              <a:t>）</a:t>
-            </a:r>
-            <a:endParaRPr lang="en-US" altLang="ja-JP" sz="1400" dirty="0" smtClean="0"/>
-          </a:p>
-          <a:p>
-            <a:pPr algn="ctr"/>
-            <a:r>
-              <a:rPr kumimoji="1" lang="ja-JP" altLang="en-US" sz="1400" dirty="0"/>
-              <a:t>出力</a:t>
-            </a:r>
-          </a:p>
-        </p:txBody>
-      </p:sp>
-      <p:sp>
-        <p:nvSpPr>
-          <p:cNvPr id="11" name="正方形/長方形 10"/>
-          <p:cNvSpPr/>
-          <p:nvPr/>
-        </p:nvSpPr>
-        <p:spPr>
-          <a:xfrm>
-            <a:off x="791580" y="5517232"/>
-            <a:ext cx="1512168" cy="585945"/>
-          </a:xfrm>
-          <a:prstGeom prst="rect">
-            <a:avLst/>
-          </a:prstGeom>
-        </p:spPr>
-        <p:style>
-          <a:lnRef idx="2">
-            <a:schemeClr val="accent1">
-              <a:shade val="50000"/>
-            </a:schemeClr>
-          </a:lnRef>
-          <a:fillRef idx="1">
-            <a:schemeClr val="accent1"/>
-          </a:fillRef>
-          <a:effectRef idx="0">
-            <a:schemeClr val="accent1"/>
-          </a:effectRef>
-          <a:fontRef idx="minor">
-            <a:schemeClr val="lt1"/>
-          </a:fontRef>
-        </p:style>
-        <p:txBody>
-          <a:bodyPr rtlCol="0" anchor="ctr"/>
-          <a:lstStyle/>
-          <a:p>
-            <a:pPr algn="ctr"/>
-            <a:r>
-              <a:rPr kumimoji="1" lang="ja-JP" altLang="en-US" sz="1400" dirty="0" smtClean="0"/>
-              <a:t>カラー出力</a:t>
-            </a:r>
-            <a:endParaRPr kumimoji="1" lang="en-US" altLang="ja-JP" sz="1400" dirty="0" smtClean="0"/>
-          </a:p>
-          <a:p>
-            <a:pPr algn="ctr"/>
-            <a:r>
-              <a:rPr lang="ja-JP" altLang="en-US" sz="1400" dirty="0" smtClean="0"/>
-              <a:t>（</a:t>
-            </a:r>
-            <a:r>
-              <a:rPr lang="en-US" altLang="ja-JP" sz="1400" dirty="0" err="1" smtClean="0"/>
-              <a:t>TemporalFilter</a:t>
-            </a:r>
-            <a:endParaRPr lang="en-US" altLang="ja-JP" sz="1400" dirty="0" smtClean="0"/>
-          </a:p>
-          <a:p>
-            <a:pPr algn="ctr"/>
-            <a:r>
-              <a:rPr lang="ja-JP" altLang="en-US" sz="1400" dirty="0" smtClean="0"/>
-              <a:t>輝度計算用）</a:t>
-            </a:r>
-            <a:endParaRPr kumimoji="1" lang="ja-JP" altLang="en-US" sz="1400" dirty="0"/>
-          </a:p>
-        </p:txBody>
-      </p:sp>
-      <p:sp>
-        <p:nvSpPr>
-          <p:cNvPr id="12" name="正方形/長方形 11"/>
-          <p:cNvSpPr/>
-          <p:nvPr/>
-        </p:nvSpPr>
-        <p:spPr>
-          <a:xfrm>
-            <a:off x="791580" y="4676795"/>
-            <a:ext cx="1512168" cy="585945"/>
-          </a:xfrm>
-          <a:prstGeom prst="rect">
-            <a:avLst/>
-          </a:prstGeom>
-        </p:spPr>
-        <p:style>
-          <a:lnRef idx="2">
-            <a:schemeClr val="accent1">
-              <a:shade val="50000"/>
-            </a:schemeClr>
-          </a:lnRef>
-          <a:fillRef idx="1">
-            <a:schemeClr val="accent1"/>
-          </a:fillRef>
-          <a:effectRef idx="0">
-            <a:schemeClr val="accent1"/>
-          </a:effectRef>
-          <a:fontRef idx="minor">
-            <a:schemeClr val="lt1"/>
-          </a:fontRef>
-        </p:style>
-        <p:txBody>
-          <a:bodyPr rtlCol="0" anchor="ctr"/>
-          <a:lstStyle/>
-          <a:p>
-            <a:pPr algn="ctr"/>
-            <a:r>
-              <a:rPr kumimoji="1" lang="ja-JP" altLang="en-US" sz="1400" dirty="0" smtClean="0"/>
-              <a:t>テクスチャカラー出力</a:t>
-            </a:r>
-            <a:endParaRPr kumimoji="1" lang="en-US" altLang="ja-JP" sz="1400" dirty="0" smtClean="0"/>
-          </a:p>
-          <a:p>
-            <a:pPr algn="ctr"/>
-            <a:r>
-              <a:rPr lang="ja-JP" altLang="en-US" sz="1400" dirty="0" smtClean="0"/>
-              <a:t>（</a:t>
-            </a:r>
-            <a:r>
-              <a:rPr lang="en-US" altLang="ja-JP" sz="1400" dirty="0" smtClean="0"/>
-              <a:t>Albedo</a:t>
-            </a:r>
-            <a:r>
-              <a:rPr lang="ja-JP" altLang="en-US" sz="1400" dirty="0" smtClean="0"/>
-              <a:t>）</a:t>
-            </a:r>
-            <a:endParaRPr kumimoji="1" lang="en-US" altLang="ja-JP" sz="1400" dirty="0" smtClean="0"/>
-          </a:p>
-        </p:txBody>
-      </p:sp>
-      <p:sp>
-        <p:nvSpPr>
-          <p:cNvPr id="13" name="フローチャート : 端子 12"/>
-          <p:cNvSpPr/>
-          <p:nvPr/>
-        </p:nvSpPr>
-        <p:spPr>
-          <a:xfrm>
-            <a:off x="1007604" y="6453336"/>
-            <a:ext cx="1080120" cy="288032"/>
-          </a:xfrm>
-          <a:prstGeom prst="flowChartTerminator">
-            <a:avLst/>
-          </a:prstGeom>
-        </p:spPr>
-        <p:style>
-          <a:lnRef idx="2">
-            <a:schemeClr val="accent1">
-              <a:shade val="50000"/>
-            </a:schemeClr>
-          </a:lnRef>
-          <a:fillRef idx="1">
-            <a:schemeClr val="accent1"/>
-          </a:fillRef>
-          <a:effectRef idx="0">
-            <a:schemeClr val="accent1"/>
-          </a:effectRef>
-          <a:fontRef idx="minor">
-            <a:schemeClr val="lt1"/>
-          </a:fontRef>
-        </p:style>
-        <p:txBody>
-          <a:bodyPr rtlCol="0" anchor="ctr"/>
-          <a:lstStyle/>
-          <a:p>
-            <a:pPr algn="ctr"/>
-            <a:endParaRPr kumimoji="1" lang="ja-JP" altLang="en-US"/>
-          </a:p>
-        </p:txBody>
-      </p:sp>
-      <p:cxnSp>
-        <p:nvCxnSpPr>
-          <p:cNvPr id="15" name="直線矢印コネクタ 14"/>
-          <p:cNvCxnSpPr>
-            <a:stCxn id="3" idx="2"/>
-            <a:endCxn id="5" idx="0"/>
-          </p:cNvCxnSpPr>
-          <p:nvPr/>
-        </p:nvCxnSpPr>
-        <p:spPr>
-          <a:xfrm>
-            <a:off x="1547664" y="476672"/>
-            <a:ext cx="0" cy="360040"/>
-          </a:xfrm>
-          <a:prstGeom prst="straightConnector1">
-            <a:avLst/>
-          </a:prstGeom>
-          <a:ln>
-            <a:tailEnd type="arrow"/>
-          </a:ln>
-        </p:spPr>
-        <p:style>
-          <a:lnRef idx="1">
-            <a:schemeClr val="accent1"/>
-          </a:lnRef>
-          <a:fillRef idx="0">
-            <a:schemeClr val="accent1"/>
-          </a:fillRef>
-          <a:effectRef idx="0">
-            <a:schemeClr val="accent1"/>
-          </a:effectRef>
-          <a:fontRef idx="minor">
-            <a:schemeClr val="tx1"/>
-          </a:fontRef>
-        </p:style>
-      </p:cxnSp>
-      <p:cxnSp>
-        <p:nvCxnSpPr>
-          <p:cNvPr id="17" name="直線矢印コネクタ 16"/>
-          <p:cNvCxnSpPr>
-            <a:stCxn id="5" idx="2"/>
-            <a:endCxn id="6" idx="0"/>
-          </p:cNvCxnSpPr>
-          <p:nvPr/>
-        </p:nvCxnSpPr>
-        <p:spPr>
-          <a:xfrm>
-            <a:off x="1547664" y="1160712"/>
-            <a:ext cx="0" cy="324072"/>
-          </a:xfrm>
-          <a:prstGeom prst="straightConnector1">
-            <a:avLst/>
-          </a:prstGeom>
-          <a:ln>
-            <a:tailEnd type="arrow"/>
-          </a:ln>
-        </p:spPr>
-        <p:style>
-          <a:lnRef idx="1">
-            <a:schemeClr val="accent1"/>
-          </a:lnRef>
-          <a:fillRef idx="0">
-            <a:schemeClr val="accent1"/>
-          </a:fillRef>
-          <a:effectRef idx="0">
-            <a:schemeClr val="accent1"/>
-          </a:effectRef>
-          <a:fontRef idx="minor">
-            <a:schemeClr val="tx1"/>
-          </a:fontRef>
-        </p:style>
-      </p:cxnSp>
-      <p:cxnSp>
-        <p:nvCxnSpPr>
-          <p:cNvPr id="19" name="直線矢印コネクタ 18"/>
-          <p:cNvCxnSpPr>
-            <a:stCxn id="6" idx="2"/>
-            <a:endCxn id="7" idx="0"/>
-          </p:cNvCxnSpPr>
-          <p:nvPr/>
-        </p:nvCxnSpPr>
-        <p:spPr>
-          <a:xfrm>
-            <a:off x="1547664" y="2348880"/>
-            <a:ext cx="0" cy="288032"/>
-          </a:xfrm>
-          <a:prstGeom prst="straightConnector1">
-            <a:avLst/>
-          </a:prstGeom>
-          <a:ln>
-            <a:tailEnd type="arrow"/>
-          </a:ln>
-        </p:spPr>
-        <p:style>
-          <a:lnRef idx="1">
-            <a:schemeClr val="accent1"/>
-          </a:lnRef>
-          <a:fillRef idx="0">
-            <a:schemeClr val="accent1"/>
-          </a:fillRef>
-          <a:effectRef idx="0">
-            <a:schemeClr val="accent1"/>
-          </a:effectRef>
-          <a:fontRef idx="minor">
-            <a:schemeClr val="tx1"/>
-          </a:fontRef>
-        </p:style>
-      </p:cxnSp>
-      <p:cxnSp>
-        <p:nvCxnSpPr>
-          <p:cNvPr id="21" name="直線矢印コネクタ 20"/>
-          <p:cNvCxnSpPr>
-            <a:stCxn id="7" idx="2"/>
-            <a:endCxn id="8" idx="0"/>
-          </p:cNvCxnSpPr>
-          <p:nvPr/>
-        </p:nvCxnSpPr>
-        <p:spPr>
-          <a:xfrm>
-            <a:off x="1547664" y="2960912"/>
-            <a:ext cx="0" cy="324072"/>
-          </a:xfrm>
-          <a:prstGeom prst="straightConnector1">
-            <a:avLst/>
-          </a:prstGeom>
-          <a:ln>
-            <a:tailEnd type="arrow"/>
-          </a:ln>
-        </p:spPr>
-        <p:style>
-          <a:lnRef idx="1">
-            <a:schemeClr val="accent1"/>
-          </a:lnRef>
-          <a:fillRef idx="0">
-            <a:schemeClr val="accent1"/>
-          </a:fillRef>
-          <a:effectRef idx="0">
-            <a:schemeClr val="accent1"/>
-          </a:effectRef>
-          <a:fontRef idx="minor">
-            <a:schemeClr val="tx1"/>
-          </a:fontRef>
-        </p:style>
-      </p:cxnSp>
-      <p:cxnSp>
-        <p:nvCxnSpPr>
-          <p:cNvPr id="23" name="直線矢印コネクタ 22"/>
-          <p:cNvCxnSpPr>
-            <a:stCxn id="8" idx="2"/>
-            <a:endCxn id="10" idx="0"/>
-          </p:cNvCxnSpPr>
-          <p:nvPr/>
-        </p:nvCxnSpPr>
-        <p:spPr>
-          <a:xfrm>
-            <a:off x="1547664" y="3608984"/>
-            <a:ext cx="0" cy="252064"/>
-          </a:xfrm>
-          <a:prstGeom prst="straightConnector1">
-            <a:avLst/>
-          </a:prstGeom>
-          <a:ln>
-            <a:tailEnd type="arrow"/>
-          </a:ln>
-        </p:spPr>
-        <p:style>
-          <a:lnRef idx="1">
-            <a:schemeClr val="accent1"/>
-          </a:lnRef>
-          <a:fillRef idx="0">
-            <a:schemeClr val="accent1"/>
-          </a:fillRef>
-          <a:effectRef idx="0">
-            <a:schemeClr val="accent1"/>
-          </a:effectRef>
-          <a:fontRef idx="minor">
-            <a:schemeClr val="tx1"/>
-          </a:fontRef>
-        </p:style>
-      </p:cxnSp>
-      <p:cxnSp>
-        <p:nvCxnSpPr>
-          <p:cNvPr id="25" name="直線矢印コネクタ 24"/>
-          <p:cNvCxnSpPr>
-            <a:stCxn id="10" idx="2"/>
-            <a:endCxn id="12" idx="0"/>
-          </p:cNvCxnSpPr>
-          <p:nvPr/>
-        </p:nvCxnSpPr>
-        <p:spPr>
-          <a:xfrm>
-            <a:off x="1547664" y="4446993"/>
-            <a:ext cx="0" cy="229802"/>
-          </a:xfrm>
-          <a:prstGeom prst="straightConnector1">
-            <a:avLst/>
-          </a:prstGeom>
-          <a:ln>
-            <a:tailEnd type="arrow"/>
-          </a:ln>
-        </p:spPr>
-        <p:style>
-          <a:lnRef idx="1">
-            <a:schemeClr val="accent1"/>
-          </a:lnRef>
-          <a:fillRef idx="0">
-            <a:schemeClr val="accent1"/>
-          </a:fillRef>
-          <a:effectRef idx="0">
-            <a:schemeClr val="accent1"/>
-          </a:effectRef>
-          <a:fontRef idx="minor">
-            <a:schemeClr val="tx1"/>
-          </a:fontRef>
-        </p:style>
-      </p:cxnSp>
-      <p:cxnSp>
-        <p:nvCxnSpPr>
-          <p:cNvPr id="28" name="直線矢印コネクタ 27"/>
-          <p:cNvCxnSpPr>
-            <a:stCxn id="12" idx="2"/>
-            <a:endCxn id="11" idx="0"/>
-          </p:cNvCxnSpPr>
-          <p:nvPr/>
-        </p:nvCxnSpPr>
-        <p:spPr>
-          <a:xfrm>
-            <a:off x="1547664" y="5262740"/>
-            <a:ext cx="0" cy="254492"/>
-          </a:xfrm>
-          <a:prstGeom prst="straightConnector1">
-            <a:avLst/>
-          </a:prstGeom>
-          <a:ln>
-            <a:tailEnd type="arrow"/>
-          </a:ln>
-        </p:spPr>
-        <p:style>
-          <a:lnRef idx="1">
-            <a:schemeClr val="accent1"/>
-          </a:lnRef>
-          <a:fillRef idx="0">
-            <a:schemeClr val="accent1"/>
-          </a:fillRef>
-          <a:effectRef idx="0">
-            <a:schemeClr val="accent1"/>
-          </a:effectRef>
-          <a:fontRef idx="minor">
-            <a:schemeClr val="tx1"/>
-          </a:fontRef>
-        </p:style>
-      </p:cxnSp>
-      <p:cxnSp>
-        <p:nvCxnSpPr>
-          <p:cNvPr id="30" name="直線矢印コネクタ 29"/>
-          <p:cNvCxnSpPr>
-            <a:stCxn id="11" idx="2"/>
-            <a:endCxn id="13" idx="0"/>
-          </p:cNvCxnSpPr>
-          <p:nvPr/>
-        </p:nvCxnSpPr>
-        <p:spPr>
-          <a:xfrm>
-            <a:off x="1547664" y="6103177"/>
-            <a:ext cx="0" cy="350159"/>
-          </a:xfrm>
-          <a:prstGeom prst="straightConnector1">
-            <a:avLst/>
-          </a:prstGeom>
-          <a:ln>
-            <a:tailEnd type="arrow"/>
-          </a:ln>
-        </p:spPr>
-        <p:style>
-          <a:lnRef idx="1">
-            <a:schemeClr val="accent1"/>
-          </a:lnRef>
-          <a:fillRef idx="0">
-            <a:schemeClr val="accent1"/>
-          </a:fillRef>
-          <a:effectRef idx="0">
-            <a:schemeClr val="accent1"/>
-          </a:effectRef>
-          <a:fontRef idx="minor">
-            <a:schemeClr val="tx1"/>
-          </a:fontRef>
-        </p:style>
-      </p:cxnSp>
     </p:spTree>
     <p:extLst>
       <p:ext uri="{BB962C8B-B14F-4D97-AF65-F5344CB8AC3E}">
-        <p14:creationId xmlns:p14="http://schemas.microsoft.com/office/powerpoint/2010/main" val="32261621"/>
+        <p14:creationId xmlns:p14="http://schemas.microsoft.com/office/powerpoint/2010/main" val="13525340"/>
       </p:ext>
     </p:extLst>
   </p:cSld>
@@ -6890,6 +7259,978 @@
       </p:grpSpPr>
       <p:sp>
         <p:nvSpPr>
+          <p:cNvPr id="3" name="フローチャート : 端子 2"/>
+          <p:cNvSpPr/>
+          <p:nvPr/>
+        </p:nvSpPr>
+        <p:spPr>
+          <a:xfrm>
+            <a:off x="1007604" y="188640"/>
+            <a:ext cx="1080120" cy="288032"/>
+          </a:xfrm>
+          <a:prstGeom prst="flowChartTerminator">
+            <a:avLst/>
+          </a:prstGeom>
+        </p:spPr>
+        <p:style>
+          <a:lnRef idx="2">
+            <a:schemeClr val="accent1">
+              <a:shade val="50000"/>
+            </a:schemeClr>
+          </a:lnRef>
+          <a:fillRef idx="1">
+            <a:schemeClr val="accent1"/>
+          </a:fillRef>
+          <a:effectRef idx="0">
+            <a:schemeClr val="accent1"/>
+          </a:effectRef>
+          <a:fontRef idx="minor">
+            <a:schemeClr val="lt1"/>
+          </a:fontRef>
+        </p:style>
+        <p:txBody>
+          <a:bodyPr rtlCol="0" anchor="ctr"/>
+          <a:lstStyle/>
+          <a:p>
+            <a:pPr algn="ctr"/>
+            <a:endParaRPr kumimoji="1" lang="ja-JP" altLang="en-US"/>
+          </a:p>
+        </p:txBody>
+      </p:sp>
+      <p:sp>
+        <p:nvSpPr>
+          <p:cNvPr id="4" name="正方形/長方形 3"/>
+          <p:cNvSpPr/>
+          <p:nvPr/>
+        </p:nvSpPr>
+        <p:spPr>
+          <a:xfrm>
+            <a:off x="5909966" y="4926361"/>
+            <a:ext cx="2478458" cy="1094927"/>
+          </a:xfrm>
+          <a:prstGeom prst="rect">
+            <a:avLst/>
+          </a:prstGeom>
+        </p:spPr>
+        <p:style>
+          <a:lnRef idx="2">
+            <a:schemeClr val="accent2">
+              <a:shade val="50000"/>
+            </a:schemeClr>
+          </a:lnRef>
+          <a:fillRef idx="1">
+            <a:schemeClr val="accent2"/>
+          </a:fillRef>
+          <a:effectRef idx="0">
+            <a:schemeClr val="accent2"/>
+          </a:effectRef>
+          <a:fontRef idx="minor">
+            <a:schemeClr val="lt1"/>
+          </a:fontRef>
+        </p:style>
+        <p:txBody>
+          <a:bodyPr rtlCol="0" anchor="ctr"/>
+          <a:lstStyle/>
+          <a:p>
+            <a:pPr algn="ctr"/>
+            <a:r>
+              <a:rPr kumimoji="1" lang="en-US" altLang="ja-JP" dirty="0" err="1" smtClean="0"/>
+              <a:t>RenderAOV</a:t>
+            </a:r>
+            <a:endParaRPr kumimoji="1" lang="ja-JP" altLang="en-US" dirty="0"/>
+          </a:p>
+        </p:txBody>
+      </p:sp>
+      <p:sp>
+        <p:nvSpPr>
+          <p:cNvPr id="5" name="正方形/長方形 4"/>
+          <p:cNvSpPr/>
+          <p:nvPr/>
+        </p:nvSpPr>
+        <p:spPr>
+          <a:xfrm>
+            <a:off x="791580" y="764704"/>
+            <a:ext cx="1512168" cy="324000"/>
+          </a:xfrm>
+          <a:prstGeom prst="rect">
+            <a:avLst/>
+          </a:prstGeom>
+        </p:spPr>
+        <p:style>
+          <a:lnRef idx="2">
+            <a:schemeClr val="accent1">
+              <a:shade val="50000"/>
+            </a:schemeClr>
+          </a:lnRef>
+          <a:fillRef idx="1">
+            <a:schemeClr val="accent1"/>
+          </a:fillRef>
+          <a:effectRef idx="0">
+            <a:schemeClr val="accent1"/>
+          </a:effectRef>
+          <a:fontRef idx="minor">
+            <a:schemeClr val="lt1"/>
+          </a:fontRef>
+        </p:style>
+        <p:txBody>
+          <a:bodyPr rtlCol="0" anchor="ctr"/>
+          <a:lstStyle/>
+          <a:p>
+            <a:pPr algn="ctr"/>
+            <a:r>
+              <a:rPr kumimoji="1" lang="en-US" altLang="ja-JP" dirty="0" err="1" smtClean="0"/>
+              <a:t>EvalHitResult</a:t>
+            </a:r>
+            <a:endParaRPr kumimoji="1" lang="ja-JP" altLang="en-US" dirty="0"/>
+          </a:p>
+        </p:txBody>
+      </p:sp>
+      <p:sp>
+        <p:nvSpPr>
+          <p:cNvPr id="6" name="正方形/長方形 5"/>
+          <p:cNvSpPr/>
+          <p:nvPr/>
+        </p:nvSpPr>
+        <p:spPr>
+          <a:xfrm>
+            <a:off x="323528" y="1268760"/>
+            <a:ext cx="2448272" cy="864096"/>
+          </a:xfrm>
+          <a:prstGeom prst="rect">
+            <a:avLst/>
+          </a:prstGeom>
+        </p:spPr>
+        <p:style>
+          <a:lnRef idx="2">
+            <a:schemeClr val="accent1">
+              <a:shade val="50000"/>
+            </a:schemeClr>
+          </a:lnRef>
+          <a:fillRef idx="1">
+            <a:schemeClr val="accent1"/>
+          </a:fillRef>
+          <a:effectRef idx="0">
+            <a:schemeClr val="accent1"/>
+          </a:effectRef>
+          <a:fontRef idx="minor">
+            <a:schemeClr val="lt1"/>
+          </a:fontRef>
+        </p:style>
+        <p:txBody>
+          <a:bodyPr rtlCol="0" anchor="ctr"/>
+          <a:lstStyle/>
+          <a:p>
+            <a:pPr algn="ctr"/>
+            <a:r>
+              <a:rPr kumimoji="1" lang="en-US" altLang="ja-JP" sz="1400" dirty="0" smtClean="0"/>
+              <a:t>World-Clip</a:t>
+            </a:r>
+            <a:r>
+              <a:rPr kumimoji="1" lang="ja-JP" altLang="en-US" sz="1400" dirty="0" smtClean="0"/>
+              <a:t>変換行列を使ってワールド座標を</a:t>
+            </a:r>
+            <a:endParaRPr kumimoji="1" lang="en-US" altLang="ja-JP" sz="1400" dirty="0" smtClean="0"/>
+          </a:p>
+          <a:p>
+            <a:pPr algn="ctr"/>
+            <a:r>
+              <a:rPr kumimoji="1" lang="en-US" altLang="ja-JP" sz="1400" dirty="0" smtClean="0"/>
+              <a:t>Clip</a:t>
+            </a:r>
+            <a:r>
+              <a:rPr kumimoji="1" lang="ja-JP" altLang="en-US" sz="1400" dirty="0" smtClean="0"/>
+              <a:t>座標に変換</a:t>
+            </a:r>
+            <a:endParaRPr kumimoji="1" lang="ja-JP" altLang="en-US" sz="1400" dirty="0"/>
+          </a:p>
+        </p:txBody>
+      </p:sp>
+      <p:sp>
+        <p:nvSpPr>
+          <p:cNvPr id="7" name="正方形/長方形 6"/>
+          <p:cNvSpPr/>
+          <p:nvPr/>
+        </p:nvSpPr>
+        <p:spPr>
+          <a:xfrm>
+            <a:off x="791580" y="2312912"/>
+            <a:ext cx="1512168" cy="324000"/>
+          </a:xfrm>
+          <a:prstGeom prst="rect">
+            <a:avLst/>
+          </a:prstGeom>
+        </p:spPr>
+        <p:style>
+          <a:lnRef idx="2">
+            <a:schemeClr val="accent1">
+              <a:shade val="50000"/>
+            </a:schemeClr>
+          </a:lnRef>
+          <a:fillRef idx="1">
+            <a:schemeClr val="accent1"/>
+          </a:fillRef>
+          <a:effectRef idx="0">
+            <a:schemeClr val="accent1"/>
+          </a:effectRef>
+          <a:fontRef idx="minor">
+            <a:schemeClr val="lt1"/>
+          </a:fontRef>
+        </p:style>
+        <p:txBody>
+          <a:bodyPr rtlCol="0" anchor="ctr"/>
+          <a:lstStyle/>
+          <a:p>
+            <a:pPr algn="ctr"/>
+            <a:r>
+              <a:rPr lang="ja-JP" altLang="en-US" dirty="0" smtClean="0"/>
+              <a:t>法線出力</a:t>
+            </a:r>
+            <a:endParaRPr kumimoji="1" lang="ja-JP" altLang="en-US" dirty="0"/>
+          </a:p>
+        </p:txBody>
+      </p:sp>
+      <p:sp>
+        <p:nvSpPr>
+          <p:cNvPr id="8" name="正方形/長方形 7"/>
+          <p:cNvSpPr/>
+          <p:nvPr/>
+        </p:nvSpPr>
+        <p:spPr>
+          <a:xfrm>
+            <a:off x="791580" y="2852936"/>
+            <a:ext cx="1512168" cy="324000"/>
+          </a:xfrm>
+          <a:prstGeom prst="rect">
+            <a:avLst/>
+          </a:prstGeom>
+        </p:spPr>
+        <p:style>
+          <a:lnRef idx="2">
+            <a:schemeClr val="accent1">
+              <a:shade val="50000"/>
+            </a:schemeClr>
+          </a:lnRef>
+          <a:fillRef idx="1">
+            <a:schemeClr val="accent1"/>
+          </a:fillRef>
+          <a:effectRef idx="0">
+            <a:schemeClr val="accent1"/>
+          </a:effectRef>
+          <a:fontRef idx="minor">
+            <a:schemeClr val="lt1"/>
+          </a:fontRef>
+        </p:style>
+        <p:txBody>
+          <a:bodyPr rtlCol="0" anchor="ctr"/>
+          <a:lstStyle/>
+          <a:p>
+            <a:pPr algn="ctr"/>
+            <a:r>
+              <a:rPr kumimoji="1" lang="ja-JP" altLang="en-US" sz="1600" dirty="0" smtClean="0"/>
+              <a:t>メッシュ</a:t>
+            </a:r>
+            <a:r>
+              <a:rPr kumimoji="1" lang="en-US" altLang="ja-JP" sz="1600" dirty="0" smtClean="0"/>
+              <a:t>ID</a:t>
+            </a:r>
+            <a:r>
+              <a:rPr kumimoji="1" lang="ja-JP" altLang="en-US" sz="1600" dirty="0" smtClean="0"/>
+              <a:t>出力</a:t>
+            </a:r>
+            <a:endParaRPr kumimoji="1" lang="ja-JP" altLang="en-US" sz="1600" dirty="0"/>
+          </a:p>
+        </p:txBody>
+      </p:sp>
+      <p:sp>
+        <p:nvSpPr>
+          <p:cNvPr id="10" name="正方形/長方形 9"/>
+          <p:cNvSpPr/>
+          <p:nvPr/>
+        </p:nvSpPr>
+        <p:spPr>
+          <a:xfrm>
+            <a:off x="791580" y="4005064"/>
+            <a:ext cx="1512168" cy="585945"/>
+          </a:xfrm>
+          <a:prstGeom prst="rect">
+            <a:avLst/>
+          </a:prstGeom>
+        </p:spPr>
+        <p:style>
+          <a:lnRef idx="2">
+            <a:schemeClr val="accent1">
+              <a:shade val="50000"/>
+            </a:schemeClr>
+          </a:lnRef>
+          <a:fillRef idx="1">
+            <a:schemeClr val="accent1"/>
+          </a:fillRef>
+          <a:effectRef idx="0">
+            <a:schemeClr val="accent1"/>
+          </a:effectRef>
+          <a:fontRef idx="minor">
+            <a:schemeClr val="lt1"/>
+          </a:fontRef>
+        </p:style>
+        <p:txBody>
+          <a:bodyPr rtlCol="0" anchor="ctr"/>
+          <a:lstStyle/>
+          <a:p>
+            <a:pPr algn="ctr"/>
+            <a:r>
+              <a:rPr kumimoji="1" lang="ja-JP" altLang="en-US" sz="1400" dirty="0" smtClean="0"/>
+              <a:t>深度</a:t>
+            </a:r>
+            <a:r>
+              <a:rPr lang="ja-JP" altLang="en-US" sz="1400" dirty="0" smtClean="0"/>
+              <a:t>（</a:t>
+            </a:r>
+            <a:r>
+              <a:rPr lang="en-US" altLang="ja-JP" sz="1400" dirty="0" err="1" smtClean="0"/>
+              <a:t>clippos.w</a:t>
+            </a:r>
+            <a:r>
+              <a:rPr lang="ja-JP" altLang="en-US" sz="1400" dirty="0" smtClean="0"/>
+              <a:t>）</a:t>
+            </a:r>
+            <a:endParaRPr lang="en-US" altLang="ja-JP" sz="1400" dirty="0" smtClean="0"/>
+          </a:p>
+          <a:p>
+            <a:pPr algn="ctr"/>
+            <a:r>
+              <a:rPr kumimoji="1" lang="ja-JP" altLang="en-US" sz="1400" dirty="0"/>
+              <a:t>出力</a:t>
+            </a:r>
+          </a:p>
+        </p:txBody>
+      </p:sp>
+      <p:sp>
+        <p:nvSpPr>
+          <p:cNvPr id="11" name="正方形/長方形 10"/>
+          <p:cNvSpPr/>
+          <p:nvPr/>
+        </p:nvSpPr>
+        <p:spPr>
+          <a:xfrm>
+            <a:off x="791580" y="5723375"/>
+            <a:ext cx="1512168" cy="585945"/>
+          </a:xfrm>
+          <a:prstGeom prst="rect">
+            <a:avLst/>
+          </a:prstGeom>
+        </p:spPr>
+        <p:style>
+          <a:lnRef idx="2">
+            <a:schemeClr val="accent1">
+              <a:shade val="50000"/>
+            </a:schemeClr>
+          </a:lnRef>
+          <a:fillRef idx="1">
+            <a:schemeClr val="accent1"/>
+          </a:fillRef>
+          <a:effectRef idx="0">
+            <a:schemeClr val="accent1"/>
+          </a:effectRef>
+          <a:fontRef idx="minor">
+            <a:schemeClr val="lt1"/>
+          </a:fontRef>
+        </p:style>
+        <p:txBody>
+          <a:bodyPr rtlCol="0" anchor="ctr"/>
+          <a:lstStyle/>
+          <a:p>
+            <a:pPr algn="ctr"/>
+            <a:r>
+              <a:rPr lang="ja-JP" altLang="en-US" sz="1400" dirty="0"/>
+              <a:t>輝度</a:t>
+            </a:r>
+            <a:r>
+              <a:rPr kumimoji="1" lang="ja-JP" altLang="en-US" sz="1400" dirty="0" smtClean="0"/>
+              <a:t>出力</a:t>
+            </a:r>
+            <a:endParaRPr kumimoji="1" lang="en-US" altLang="ja-JP" sz="1400" dirty="0" smtClean="0"/>
+          </a:p>
+          <a:p>
+            <a:pPr algn="ctr"/>
+            <a:r>
+              <a:rPr lang="ja-JP" altLang="en-US" sz="1400" dirty="0" smtClean="0"/>
+              <a:t>（</a:t>
+            </a:r>
+            <a:r>
+              <a:rPr lang="en-US" altLang="ja-JP" sz="1400" dirty="0" err="1" smtClean="0"/>
+              <a:t>TemporalFilter</a:t>
+            </a:r>
+            <a:r>
+              <a:rPr lang="ja-JP" altLang="en-US" sz="1400" dirty="0" smtClean="0"/>
+              <a:t>用</a:t>
+            </a:r>
+            <a:r>
+              <a:rPr lang="ja-JP" altLang="en-US" sz="1400" dirty="0" smtClean="0"/>
+              <a:t>）</a:t>
+            </a:r>
+            <a:endParaRPr kumimoji="1" lang="ja-JP" altLang="en-US" sz="1400" dirty="0"/>
+          </a:p>
+        </p:txBody>
+      </p:sp>
+      <p:sp>
+        <p:nvSpPr>
+          <p:cNvPr id="12" name="正方形/長方形 11"/>
+          <p:cNvSpPr/>
+          <p:nvPr/>
+        </p:nvSpPr>
+        <p:spPr>
+          <a:xfrm>
+            <a:off x="791580" y="4882938"/>
+            <a:ext cx="1512168" cy="585945"/>
+          </a:xfrm>
+          <a:prstGeom prst="rect">
+            <a:avLst/>
+          </a:prstGeom>
+        </p:spPr>
+        <p:style>
+          <a:lnRef idx="2">
+            <a:schemeClr val="accent1">
+              <a:shade val="50000"/>
+            </a:schemeClr>
+          </a:lnRef>
+          <a:fillRef idx="1">
+            <a:schemeClr val="accent1"/>
+          </a:fillRef>
+          <a:effectRef idx="0">
+            <a:schemeClr val="accent1"/>
+          </a:effectRef>
+          <a:fontRef idx="minor">
+            <a:schemeClr val="lt1"/>
+          </a:fontRef>
+        </p:style>
+        <p:txBody>
+          <a:bodyPr rtlCol="0" anchor="ctr"/>
+          <a:lstStyle/>
+          <a:p>
+            <a:pPr algn="ctr"/>
+            <a:r>
+              <a:rPr kumimoji="1" lang="ja-JP" altLang="en-US" sz="1400" dirty="0" smtClean="0"/>
+              <a:t>テクスチャカラー出力</a:t>
+            </a:r>
+            <a:endParaRPr kumimoji="1" lang="en-US" altLang="ja-JP" sz="1400" dirty="0" smtClean="0"/>
+          </a:p>
+          <a:p>
+            <a:pPr algn="ctr"/>
+            <a:r>
+              <a:rPr lang="ja-JP" altLang="en-US" sz="1400" dirty="0" smtClean="0"/>
+              <a:t>（</a:t>
+            </a:r>
+            <a:r>
+              <a:rPr lang="en-US" altLang="ja-JP" sz="1400" dirty="0" smtClean="0"/>
+              <a:t>Albedo</a:t>
+            </a:r>
+            <a:r>
+              <a:rPr lang="ja-JP" altLang="en-US" sz="1400" dirty="0" smtClean="0"/>
+              <a:t>）</a:t>
+            </a:r>
+            <a:endParaRPr kumimoji="1" lang="en-US" altLang="ja-JP" sz="1400" dirty="0" smtClean="0"/>
+          </a:p>
+        </p:txBody>
+      </p:sp>
+      <p:sp>
+        <p:nvSpPr>
+          <p:cNvPr id="13" name="フローチャート : 端子 12"/>
+          <p:cNvSpPr/>
+          <p:nvPr/>
+        </p:nvSpPr>
+        <p:spPr>
+          <a:xfrm>
+            <a:off x="1007604" y="6453336"/>
+            <a:ext cx="1080120" cy="288032"/>
+          </a:xfrm>
+          <a:prstGeom prst="flowChartTerminator">
+            <a:avLst/>
+          </a:prstGeom>
+        </p:spPr>
+        <p:style>
+          <a:lnRef idx="2">
+            <a:schemeClr val="accent1">
+              <a:shade val="50000"/>
+            </a:schemeClr>
+          </a:lnRef>
+          <a:fillRef idx="1">
+            <a:schemeClr val="accent1"/>
+          </a:fillRef>
+          <a:effectRef idx="0">
+            <a:schemeClr val="accent1"/>
+          </a:effectRef>
+          <a:fontRef idx="minor">
+            <a:schemeClr val="lt1"/>
+          </a:fontRef>
+        </p:style>
+        <p:txBody>
+          <a:bodyPr rtlCol="0" anchor="ctr"/>
+          <a:lstStyle/>
+          <a:p>
+            <a:pPr algn="ctr"/>
+            <a:endParaRPr kumimoji="1" lang="ja-JP" altLang="en-US"/>
+          </a:p>
+        </p:txBody>
+      </p:sp>
+      <p:cxnSp>
+        <p:nvCxnSpPr>
+          <p:cNvPr id="15" name="直線矢印コネクタ 14"/>
+          <p:cNvCxnSpPr>
+            <a:stCxn id="3" idx="2"/>
+            <a:endCxn id="5" idx="0"/>
+          </p:cNvCxnSpPr>
+          <p:nvPr/>
+        </p:nvCxnSpPr>
+        <p:spPr>
+          <a:xfrm>
+            <a:off x="1547664" y="476672"/>
+            <a:ext cx="0" cy="288032"/>
+          </a:xfrm>
+          <a:prstGeom prst="straightConnector1">
+            <a:avLst/>
+          </a:prstGeom>
+          <a:ln>
+            <a:tailEnd type="arrow"/>
+          </a:ln>
+        </p:spPr>
+        <p:style>
+          <a:lnRef idx="1">
+            <a:schemeClr val="accent1"/>
+          </a:lnRef>
+          <a:fillRef idx="0">
+            <a:schemeClr val="accent1"/>
+          </a:fillRef>
+          <a:effectRef idx="0">
+            <a:schemeClr val="accent1"/>
+          </a:effectRef>
+          <a:fontRef idx="minor">
+            <a:schemeClr val="tx1"/>
+          </a:fontRef>
+        </p:style>
+      </p:cxnSp>
+      <p:cxnSp>
+        <p:nvCxnSpPr>
+          <p:cNvPr id="17" name="直線矢印コネクタ 16"/>
+          <p:cNvCxnSpPr>
+            <a:stCxn id="5" idx="2"/>
+            <a:endCxn id="6" idx="0"/>
+          </p:cNvCxnSpPr>
+          <p:nvPr/>
+        </p:nvCxnSpPr>
+        <p:spPr>
+          <a:xfrm>
+            <a:off x="1547664" y="1088704"/>
+            <a:ext cx="0" cy="180056"/>
+          </a:xfrm>
+          <a:prstGeom prst="straightConnector1">
+            <a:avLst/>
+          </a:prstGeom>
+          <a:ln>
+            <a:tailEnd type="arrow"/>
+          </a:ln>
+        </p:spPr>
+        <p:style>
+          <a:lnRef idx="1">
+            <a:schemeClr val="accent1"/>
+          </a:lnRef>
+          <a:fillRef idx="0">
+            <a:schemeClr val="accent1"/>
+          </a:fillRef>
+          <a:effectRef idx="0">
+            <a:schemeClr val="accent1"/>
+          </a:effectRef>
+          <a:fontRef idx="minor">
+            <a:schemeClr val="tx1"/>
+          </a:fontRef>
+        </p:style>
+      </p:cxnSp>
+      <p:cxnSp>
+        <p:nvCxnSpPr>
+          <p:cNvPr id="19" name="直線矢印コネクタ 18"/>
+          <p:cNvCxnSpPr>
+            <a:stCxn id="6" idx="2"/>
+            <a:endCxn id="7" idx="0"/>
+          </p:cNvCxnSpPr>
+          <p:nvPr/>
+        </p:nvCxnSpPr>
+        <p:spPr>
+          <a:xfrm>
+            <a:off x="1547664" y="2132856"/>
+            <a:ext cx="0" cy="180056"/>
+          </a:xfrm>
+          <a:prstGeom prst="straightConnector1">
+            <a:avLst/>
+          </a:prstGeom>
+          <a:ln>
+            <a:tailEnd type="arrow"/>
+          </a:ln>
+        </p:spPr>
+        <p:style>
+          <a:lnRef idx="1">
+            <a:schemeClr val="accent1"/>
+          </a:lnRef>
+          <a:fillRef idx="0">
+            <a:schemeClr val="accent1"/>
+          </a:fillRef>
+          <a:effectRef idx="0">
+            <a:schemeClr val="accent1"/>
+          </a:effectRef>
+          <a:fontRef idx="minor">
+            <a:schemeClr val="tx1"/>
+          </a:fontRef>
+        </p:style>
+      </p:cxnSp>
+      <p:cxnSp>
+        <p:nvCxnSpPr>
+          <p:cNvPr id="21" name="直線矢印コネクタ 20"/>
+          <p:cNvCxnSpPr>
+            <a:stCxn id="7" idx="2"/>
+            <a:endCxn id="8" idx="0"/>
+          </p:cNvCxnSpPr>
+          <p:nvPr/>
+        </p:nvCxnSpPr>
+        <p:spPr>
+          <a:xfrm>
+            <a:off x="1547664" y="2636912"/>
+            <a:ext cx="0" cy="216024"/>
+          </a:xfrm>
+          <a:prstGeom prst="straightConnector1">
+            <a:avLst/>
+          </a:prstGeom>
+          <a:ln>
+            <a:tailEnd type="arrow"/>
+          </a:ln>
+        </p:spPr>
+        <p:style>
+          <a:lnRef idx="1">
+            <a:schemeClr val="accent1"/>
+          </a:lnRef>
+          <a:fillRef idx="0">
+            <a:schemeClr val="accent1"/>
+          </a:fillRef>
+          <a:effectRef idx="0">
+            <a:schemeClr val="accent1"/>
+          </a:effectRef>
+          <a:fontRef idx="minor">
+            <a:schemeClr val="tx1"/>
+          </a:fontRef>
+        </p:style>
+      </p:cxnSp>
+      <p:cxnSp>
+        <p:nvCxnSpPr>
+          <p:cNvPr id="23" name="直線矢印コネクタ 22"/>
+          <p:cNvCxnSpPr>
+            <a:stCxn id="22" idx="2"/>
+            <a:endCxn id="10" idx="0"/>
+          </p:cNvCxnSpPr>
+          <p:nvPr/>
+        </p:nvCxnSpPr>
+        <p:spPr>
+          <a:xfrm>
+            <a:off x="1547664" y="3740197"/>
+            <a:ext cx="0" cy="264867"/>
+          </a:xfrm>
+          <a:prstGeom prst="straightConnector1">
+            <a:avLst/>
+          </a:prstGeom>
+          <a:ln>
+            <a:tailEnd type="arrow"/>
+          </a:ln>
+        </p:spPr>
+        <p:style>
+          <a:lnRef idx="1">
+            <a:schemeClr val="accent1"/>
+          </a:lnRef>
+          <a:fillRef idx="0">
+            <a:schemeClr val="accent1"/>
+          </a:fillRef>
+          <a:effectRef idx="0">
+            <a:schemeClr val="accent1"/>
+          </a:effectRef>
+          <a:fontRef idx="minor">
+            <a:schemeClr val="tx1"/>
+          </a:fontRef>
+        </p:style>
+      </p:cxnSp>
+      <p:cxnSp>
+        <p:nvCxnSpPr>
+          <p:cNvPr id="25" name="直線矢印コネクタ 24"/>
+          <p:cNvCxnSpPr>
+            <a:stCxn id="10" idx="2"/>
+            <a:endCxn id="12" idx="0"/>
+          </p:cNvCxnSpPr>
+          <p:nvPr/>
+        </p:nvCxnSpPr>
+        <p:spPr>
+          <a:xfrm>
+            <a:off x="1547664" y="4591009"/>
+            <a:ext cx="0" cy="291929"/>
+          </a:xfrm>
+          <a:prstGeom prst="straightConnector1">
+            <a:avLst/>
+          </a:prstGeom>
+          <a:ln>
+            <a:tailEnd type="arrow"/>
+          </a:ln>
+        </p:spPr>
+        <p:style>
+          <a:lnRef idx="1">
+            <a:schemeClr val="accent1"/>
+          </a:lnRef>
+          <a:fillRef idx="0">
+            <a:schemeClr val="accent1"/>
+          </a:fillRef>
+          <a:effectRef idx="0">
+            <a:schemeClr val="accent1"/>
+          </a:effectRef>
+          <a:fontRef idx="minor">
+            <a:schemeClr val="tx1"/>
+          </a:fontRef>
+        </p:style>
+      </p:cxnSp>
+      <p:cxnSp>
+        <p:nvCxnSpPr>
+          <p:cNvPr id="28" name="直線矢印コネクタ 27"/>
+          <p:cNvCxnSpPr>
+            <a:stCxn id="12" idx="2"/>
+            <a:endCxn id="11" idx="0"/>
+          </p:cNvCxnSpPr>
+          <p:nvPr/>
+        </p:nvCxnSpPr>
+        <p:spPr>
+          <a:xfrm>
+            <a:off x="1547664" y="5468883"/>
+            <a:ext cx="0" cy="254492"/>
+          </a:xfrm>
+          <a:prstGeom prst="straightConnector1">
+            <a:avLst/>
+          </a:prstGeom>
+          <a:ln>
+            <a:tailEnd type="arrow"/>
+          </a:ln>
+        </p:spPr>
+        <p:style>
+          <a:lnRef idx="1">
+            <a:schemeClr val="accent1"/>
+          </a:lnRef>
+          <a:fillRef idx="0">
+            <a:schemeClr val="accent1"/>
+          </a:fillRef>
+          <a:effectRef idx="0">
+            <a:schemeClr val="accent1"/>
+          </a:effectRef>
+          <a:fontRef idx="minor">
+            <a:schemeClr val="tx1"/>
+          </a:fontRef>
+        </p:style>
+      </p:cxnSp>
+      <p:cxnSp>
+        <p:nvCxnSpPr>
+          <p:cNvPr id="30" name="直線矢印コネクタ 29"/>
+          <p:cNvCxnSpPr>
+            <a:stCxn id="11" idx="2"/>
+            <a:endCxn id="13" idx="0"/>
+          </p:cNvCxnSpPr>
+          <p:nvPr/>
+        </p:nvCxnSpPr>
+        <p:spPr>
+          <a:xfrm>
+            <a:off x="1547664" y="6309320"/>
+            <a:ext cx="0" cy="144016"/>
+          </a:xfrm>
+          <a:prstGeom prst="straightConnector1">
+            <a:avLst/>
+          </a:prstGeom>
+          <a:ln>
+            <a:tailEnd type="arrow"/>
+          </a:ln>
+        </p:spPr>
+        <p:style>
+          <a:lnRef idx="1">
+            <a:schemeClr val="accent1"/>
+          </a:lnRef>
+          <a:fillRef idx="0">
+            <a:schemeClr val="accent1"/>
+          </a:fillRef>
+          <a:effectRef idx="0">
+            <a:schemeClr val="accent1"/>
+          </a:effectRef>
+          <a:fontRef idx="minor">
+            <a:schemeClr val="tx1"/>
+          </a:fontRef>
+        </p:style>
+      </p:cxnSp>
+      <p:sp>
+        <p:nvSpPr>
+          <p:cNvPr id="20" name="正方形/長方形 19"/>
+          <p:cNvSpPr/>
+          <p:nvPr/>
+        </p:nvSpPr>
+        <p:spPr>
+          <a:xfrm>
+            <a:off x="4788024" y="980728"/>
+            <a:ext cx="3600400" cy="2664296"/>
+          </a:xfrm>
+          <a:prstGeom prst="rect">
+            <a:avLst/>
+          </a:prstGeom>
+        </p:spPr>
+        <p:style>
+          <a:lnRef idx="2">
+            <a:schemeClr val="accent1">
+              <a:shade val="50000"/>
+            </a:schemeClr>
+          </a:lnRef>
+          <a:fillRef idx="1">
+            <a:schemeClr val="accent1"/>
+          </a:fillRef>
+          <a:effectRef idx="0">
+            <a:schemeClr val="accent1"/>
+          </a:effectRef>
+          <a:fontRef idx="minor">
+            <a:schemeClr val="lt1"/>
+          </a:fontRef>
+        </p:style>
+        <p:txBody>
+          <a:bodyPr rtlCol="0" anchor="ctr"/>
+          <a:lstStyle/>
+          <a:p>
+            <a:pPr algn="ctr"/>
+            <a:r>
+              <a:rPr kumimoji="1" lang="ja-JP" altLang="en-US" dirty="0" smtClean="0"/>
+              <a:t>入力パラメータ</a:t>
+            </a:r>
+            <a:endParaRPr kumimoji="1" lang="en-US" altLang="ja-JP" dirty="0" smtClean="0"/>
+          </a:p>
+          <a:p>
+            <a:pPr algn="ctr"/>
+            <a:r>
+              <a:rPr lang="en-US" altLang="ja-JP" dirty="0" smtClean="0"/>
+              <a:t>mtxW2C</a:t>
+            </a:r>
+          </a:p>
+        </p:txBody>
+      </p:sp>
+      <p:sp>
+        <p:nvSpPr>
+          <p:cNvPr id="22" name="正方形/長方形 21"/>
+          <p:cNvSpPr/>
+          <p:nvPr/>
+        </p:nvSpPr>
+        <p:spPr>
+          <a:xfrm>
+            <a:off x="791580" y="3429000"/>
+            <a:ext cx="1512168" cy="311197"/>
+          </a:xfrm>
+          <a:prstGeom prst="rect">
+            <a:avLst/>
+          </a:prstGeom>
+        </p:spPr>
+        <p:style>
+          <a:lnRef idx="2">
+            <a:schemeClr val="accent1">
+              <a:shade val="50000"/>
+            </a:schemeClr>
+          </a:lnRef>
+          <a:fillRef idx="1">
+            <a:schemeClr val="accent1"/>
+          </a:fillRef>
+          <a:effectRef idx="0">
+            <a:schemeClr val="accent1"/>
+          </a:effectRef>
+          <a:fontRef idx="minor">
+            <a:schemeClr val="lt1"/>
+          </a:fontRef>
+        </p:style>
+        <p:txBody>
+          <a:bodyPr rtlCol="0" anchor="ctr"/>
+          <a:lstStyle/>
+          <a:p>
+            <a:pPr algn="ctr"/>
+            <a:r>
+              <a:rPr kumimoji="1" lang="ja-JP" altLang="en-US" sz="1400" dirty="0" smtClean="0"/>
+              <a:t>輝度</a:t>
+            </a:r>
+            <a:r>
+              <a:rPr kumimoji="1" lang="en-US" altLang="ja-JP" sz="1400" dirty="0" smtClean="0"/>
+              <a:t>moment</a:t>
+            </a:r>
+            <a:r>
+              <a:rPr kumimoji="1" lang="ja-JP" altLang="en-US" sz="1400" dirty="0" smtClean="0"/>
+              <a:t>出力</a:t>
+            </a:r>
+            <a:endParaRPr kumimoji="1" lang="en-US" altLang="ja-JP" sz="1400" dirty="0" smtClean="0"/>
+          </a:p>
+        </p:txBody>
+      </p:sp>
+      <p:cxnSp>
+        <p:nvCxnSpPr>
+          <p:cNvPr id="24" name="直線矢印コネクタ 23"/>
+          <p:cNvCxnSpPr>
+            <a:stCxn id="8" idx="2"/>
+            <a:endCxn id="22" idx="0"/>
+          </p:cNvCxnSpPr>
+          <p:nvPr/>
+        </p:nvCxnSpPr>
+        <p:spPr>
+          <a:xfrm>
+            <a:off x="1547664" y="3176936"/>
+            <a:ext cx="0" cy="252064"/>
+          </a:xfrm>
+          <a:prstGeom prst="straightConnector1">
+            <a:avLst/>
+          </a:prstGeom>
+          <a:ln>
+            <a:tailEnd type="arrow"/>
+          </a:ln>
+        </p:spPr>
+        <p:style>
+          <a:lnRef idx="1">
+            <a:schemeClr val="accent1"/>
+          </a:lnRef>
+          <a:fillRef idx="0">
+            <a:schemeClr val="accent1"/>
+          </a:fillRef>
+          <a:effectRef idx="0">
+            <a:schemeClr val="accent1"/>
+          </a:effectRef>
+          <a:fontRef idx="minor">
+            <a:schemeClr val="tx1"/>
+          </a:fontRef>
+        </p:style>
+      </p:cxnSp>
+    </p:spTree>
+    <p:extLst>
+      <p:ext uri="{BB962C8B-B14F-4D97-AF65-F5344CB8AC3E}">
+        <p14:creationId xmlns:p14="http://schemas.microsoft.com/office/powerpoint/2010/main" val="32261621"/>
+      </p:ext>
+    </p:extLst>
+  </p:cSld>
+  <p:clrMapOvr>
+    <a:masterClrMapping/>
+  </p:clrMapOvr>
+</p:sld>
+</file>
+
+<file path=ppt/slides/slide5.xml><?xml version="1.0" encoding="utf-8"?>
+<p:sld xmlns:a="http://schemas.openxmlformats.org/drawingml/2006/main" xmlns:r="http://schemas.openxmlformats.org/officeDocument/2006/relationships" xmlns:p="http://schemas.openxmlformats.org/presentationml/2006/main">
+  <p:cSld>
+    <p:spTree>
+      <p:nvGrpSpPr>
+        <p:cNvPr id="1" name=""/>
+        <p:cNvGrpSpPr/>
+        <p:nvPr/>
+      </p:nvGrpSpPr>
+      <p:grpSpPr>
+        <a:xfrm>
+          <a:off x="0" y="0"/>
+          <a:ext cx="0" cy="0"/>
+          <a:chOff x="0" y="0"/>
+          <a:chExt cx="0" cy="0"/>
+        </a:xfrm>
+      </p:grpSpPr>
+      <p:sp>
+        <p:nvSpPr>
           <p:cNvPr id="3" name="正方形/長方形 2"/>
           <p:cNvSpPr/>
           <p:nvPr/>
@@ -8095,10 +9436,2680 @@
           </a:p>
         </p:txBody>
       </p:sp>
+      <p:sp>
+        <p:nvSpPr>
+          <p:cNvPr id="2" name="正方形/長方形 1"/>
+          <p:cNvSpPr/>
+          <p:nvPr/>
+        </p:nvSpPr>
+        <p:spPr>
+          <a:xfrm>
+            <a:off x="4788024" y="980728"/>
+            <a:ext cx="3600400" cy="2664296"/>
+          </a:xfrm>
+          <a:prstGeom prst="rect">
+            <a:avLst/>
+          </a:prstGeom>
+        </p:spPr>
+        <p:style>
+          <a:lnRef idx="2">
+            <a:schemeClr val="accent1">
+              <a:shade val="50000"/>
+            </a:schemeClr>
+          </a:lnRef>
+          <a:fillRef idx="1">
+            <a:schemeClr val="accent1"/>
+          </a:fillRef>
+          <a:effectRef idx="0">
+            <a:schemeClr val="accent1"/>
+          </a:effectRef>
+          <a:fontRef idx="minor">
+            <a:schemeClr val="lt1"/>
+          </a:fontRef>
+        </p:style>
+        <p:txBody>
+          <a:bodyPr rtlCol="0" anchor="ctr"/>
+          <a:lstStyle/>
+          <a:p>
+            <a:pPr algn="ctr"/>
+            <a:r>
+              <a:rPr kumimoji="1" lang="ja-JP" altLang="en-US" dirty="0" smtClean="0"/>
+              <a:t>入力パラメータ</a:t>
+            </a:r>
+            <a:endParaRPr kumimoji="1" lang="en-US" altLang="ja-JP" dirty="0" smtClean="0"/>
+          </a:p>
+          <a:p>
+            <a:pPr algn="ctr"/>
+            <a:r>
+              <a:rPr lang="en-US" altLang="ja-JP" dirty="0" smtClean="0"/>
+              <a:t>Depth buffer</a:t>
+            </a:r>
+            <a:r>
+              <a:rPr lang="ja-JP" altLang="en-US" dirty="0" smtClean="0"/>
+              <a:t>（</a:t>
+            </a:r>
+            <a:r>
+              <a:rPr lang="en-US" altLang="ja-JP" dirty="0" err="1" smtClean="0"/>
+              <a:t>Prev</a:t>
+            </a:r>
+            <a:r>
+              <a:rPr lang="en-US" altLang="ja-JP" dirty="0" smtClean="0"/>
+              <a:t>/Cur</a:t>
+            </a:r>
+            <a:r>
+              <a:rPr lang="ja-JP" altLang="en-US" dirty="0" smtClean="0"/>
+              <a:t>）</a:t>
+            </a:r>
+            <a:endParaRPr lang="en-US" altLang="ja-JP" dirty="0" smtClean="0"/>
+          </a:p>
+          <a:p>
+            <a:pPr algn="ctr"/>
+            <a:r>
+              <a:rPr kumimoji="1" lang="en-US" altLang="ja-JP" dirty="0" smtClean="0"/>
+              <a:t>Normal buffer</a:t>
+            </a:r>
+            <a:r>
+              <a:rPr kumimoji="1" lang="ja-JP" altLang="en-US" dirty="0" smtClean="0"/>
+              <a:t>（</a:t>
+            </a:r>
+            <a:r>
+              <a:rPr kumimoji="1" lang="en-US" altLang="ja-JP" dirty="0" err="1" smtClean="0"/>
+              <a:t>Prev</a:t>
+            </a:r>
+            <a:r>
+              <a:rPr kumimoji="1" lang="en-US" altLang="ja-JP" dirty="0" smtClean="0"/>
+              <a:t>/Cur</a:t>
+            </a:r>
+            <a:r>
+              <a:rPr kumimoji="1" lang="ja-JP" altLang="en-US" dirty="0" smtClean="0"/>
+              <a:t>）</a:t>
+            </a:r>
+            <a:endParaRPr kumimoji="1" lang="en-US" altLang="ja-JP" dirty="0" smtClean="0"/>
+          </a:p>
+          <a:p>
+            <a:pPr algn="ctr"/>
+            <a:r>
+              <a:rPr lang="en-US" altLang="ja-JP" dirty="0" err="1" smtClean="0"/>
+              <a:t>MeshID</a:t>
+            </a:r>
+            <a:r>
+              <a:rPr lang="en-US" altLang="ja-JP" dirty="0" smtClean="0"/>
+              <a:t> buffer</a:t>
+            </a:r>
+            <a:r>
+              <a:rPr lang="ja-JP" altLang="en-US" dirty="0" smtClean="0"/>
+              <a:t>（</a:t>
+            </a:r>
+            <a:r>
+              <a:rPr lang="en-US" altLang="ja-JP" dirty="0" err="1" smtClean="0"/>
+              <a:t>Prev</a:t>
+            </a:r>
+            <a:r>
+              <a:rPr lang="en-US" altLang="ja-JP" dirty="0" smtClean="0"/>
+              <a:t>/Cur</a:t>
+            </a:r>
+            <a:r>
+              <a:rPr lang="ja-JP" altLang="en-US" dirty="0" smtClean="0"/>
+              <a:t>）</a:t>
+            </a:r>
+            <a:endParaRPr lang="en-US" altLang="ja-JP" dirty="0" smtClean="0"/>
+          </a:p>
+          <a:p>
+            <a:pPr algn="ctr"/>
+            <a:r>
+              <a:rPr kumimoji="1" lang="en-US" altLang="ja-JP" dirty="0" smtClean="0"/>
+              <a:t>Luminance buffer</a:t>
+            </a:r>
+            <a:r>
+              <a:rPr kumimoji="1" lang="ja-JP" altLang="en-US" dirty="0" smtClean="0"/>
+              <a:t>（</a:t>
+            </a:r>
+            <a:r>
+              <a:rPr kumimoji="1" lang="en-US" altLang="ja-JP" dirty="0" err="1" smtClean="0"/>
+              <a:t>Prev</a:t>
+            </a:r>
+            <a:r>
+              <a:rPr kumimoji="1" lang="en-US" altLang="ja-JP" dirty="0" smtClean="0"/>
+              <a:t>/Cur</a:t>
+            </a:r>
+            <a:r>
+              <a:rPr kumimoji="1" lang="ja-JP" altLang="en-US" dirty="0" smtClean="0"/>
+              <a:t>）</a:t>
+            </a:r>
+            <a:endParaRPr kumimoji="1" lang="en-US" altLang="ja-JP" dirty="0" smtClean="0"/>
+          </a:p>
+          <a:p>
+            <a:pPr algn="ctr"/>
+            <a:r>
+              <a:rPr lang="en-US" altLang="ja-JP" dirty="0" smtClean="0"/>
+              <a:t>mtxC2V</a:t>
+            </a:r>
+            <a:r>
+              <a:rPr lang="ja-JP" altLang="en-US" dirty="0" smtClean="0"/>
+              <a:t>（</a:t>
+            </a:r>
+            <a:r>
+              <a:rPr lang="en-US" altLang="ja-JP" dirty="0" smtClean="0"/>
+              <a:t>Cur</a:t>
+            </a:r>
+            <a:r>
+              <a:rPr lang="ja-JP" altLang="en-US" dirty="0" smtClean="0"/>
+              <a:t>）</a:t>
+            </a:r>
+            <a:endParaRPr lang="en-US" altLang="ja-JP" dirty="0" smtClean="0"/>
+          </a:p>
+          <a:p>
+            <a:pPr algn="ctr"/>
+            <a:r>
+              <a:rPr kumimoji="1" lang="en-US" altLang="ja-JP" dirty="0" smtClean="0"/>
+              <a:t>mtxV2C</a:t>
+            </a:r>
+            <a:r>
+              <a:rPr kumimoji="1" lang="ja-JP" altLang="en-US" dirty="0" smtClean="0"/>
+              <a:t>（</a:t>
+            </a:r>
+            <a:r>
+              <a:rPr kumimoji="1" lang="en-US" altLang="ja-JP" dirty="0" err="1" smtClean="0"/>
+              <a:t>Prev</a:t>
+            </a:r>
+            <a:r>
+              <a:rPr kumimoji="1" lang="en-US" altLang="ja-JP" dirty="0" smtClean="0"/>
+              <a:t>)</a:t>
+            </a:r>
+          </a:p>
+        </p:txBody>
+      </p:sp>
     </p:spTree>
     <p:extLst>
       <p:ext uri="{BB962C8B-B14F-4D97-AF65-F5344CB8AC3E}">
         <p14:creationId xmlns:p14="http://schemas.microsoft.com/office/powerpoint/2010/main" val="3294560192"/>
+      </p:ext>
+    </p:extLst>
+  </p:cSld>
+  <p:clrMapOvr>
+    <a:masterClrMapping/>
+  </p:clrMapOvr>
+</p:sld>
+</file>
+
+<file path=ppt/slides/slide6.xml><?xml version="1.0" encoding="utf-8"?>
+<p:sld xmlns:a="http://schemas.openxmlformats.org/drawingml/2006/main" xmlns:r="http://schemas.openxmlformats.org/officeDocument/2006/relationships" xmlns:p="http://schemas.openxmlformats.org/presentationml/2006/main">
+  <p:cSld>
+    <p:spTree>
+      <p:nvGrpSpPr>
+        <p:cNvPr id="1" name=""/>
+        <p:cNvGrpSpPr/>
+        <p:nvPr/>
+      </p:nvGrpSpPr>
+      <p:grpSpPr>
+        <a:xfrm>
+          <a:off x="0" y="0"/>
+          <a:ext cx="0" cy="0"/>
+          <a:chOff x="0" y="0"/>
+          <a:chExt cx="0" cy="0"/>
+        </a:xfrm>
+      </p:grpSpPr>
+      <p:sp>
+        <p:nvSpPr>
+          <p:cNvPr id="3" name="正方形/長方形 2"/>
+          <p:cNvSpPr/>
+          <p:nvPr/>
+        </p:nvSpPr>
+        <p:spPr>
+          <a:xfrm>
+            <a:off x="5909966" y="4926361"/>
+            <a:ext cx="2478458" cy="1094927"/>
+          </a:xfrm>
+          <a:prstGeom prst="rect">
+            <a:avLst/>
+          </a:prstGeom>
+        </p:spPr>
+        <p:style>
+          <a:lnRef idx="2">
+            <a:schemeClr val="accent2">
+              <a:shade val="50000"/>
+            </a:schemeClr>
+          </a:lnRef>
+          <a:fillRef idx="1">
+            <a:schemeClr val="accent2"/>
+          </a:fillRef>
+          <a:effectRef idx="0">
+            <a:schemeClr val="accent2"/>
+          </a:effectRef>
+          <a:fontRef idx="minor">
+            <a:schemeClr val="lt1"/>
+          </a:fontRef>
+        </p:style>
+        <p:txBody>
+          <a:bodyPr rtlCol="0" anchor="ctr"/>
+          <a:lstStyle/>
+          <a:p>
+            <a:pPr algn="ctr"/>
+            <a:r>
+              <a:rPr kumimoji="1" lang="en-US" altLang="ja-JP" dirty="0" smtClean="0"/>
+              <a:t>A-</a:t>
+            </a:r>
+            <a:r>
+              <a:rPr kumimoji="1" lang="en-US" altLang="ja-JP" dirty="0" err="1" smtClean="0"/>
+              <a:t>Torous</a:t>
+            </a:r>
+            <a:endParaRPr kumimoji="1" lang="ja-JP" altLang="en-US" dirty="0"/>
+          </a:p>
+        </p:txBody>
+      </p:sp>
+      <p:sp>
+        <p:nvSpPr>
+          <p:cNvPr id="4" name="フローチャート : 端子 3"/>
+          <p:cNvSpPr/>
+          <p:nvPr/>
+        </p:nvSpPr>
+        <p:spPr>
+          <a:xfrm>
+            <a:off x="971600" y="188640"/>
+            <a:ext cx="1080120" cy="288032"/>
+          </a:xfrm>
+          <a:prstGeom prst="flowChartTerminator">
+            <a:avLst/>
+          </a:prstGeom>
+        </p:spPr>
+        <p:style>
+          <a:lnRef idx="2">
+            <a:schemeClr val="accent1">
+              <a:shade val="50000"/>
+            </a:schemeClr>
+          </a:lnRef>
+          <a:fillRef idx="1">
+            <a:schemeClr val="accent1"/>
+          </a:fillRef>
+          <a:effectRef idx="0">
+            <a:schemeClr val="accent1"/>
+          </a:effectRef>
+          <a:fontRef idx="minor">
+            <a:schemeClr val="lt1"/>
+          </a:fontRef>
+        </p:style>
+        <p:txBody>
+          <a:bodyPr rtlCol="0" anchor="ctr"/>
+          <a:lstStyle/>
+          <a:p>
+            <a:pPr algn="ctr"/>
+            <a:endParaRPr kumimoji="1" lang="ja-JP" altLang="en-US"/>
+          </a:p>
+        </p:txBody>
+      </p:sp>
+      <p:sp>
+        <p:nvSpPr>
+          <p:cNvPr id="5" name="フローチャート : 判断 4"/>
+          <p:cNvSpPr/>
+          <p:nvPr/>
+        </p:nvSpPr>
+        <p:spPr>
+          <a:xfrm>
+            <a:off x="791580" y="620688"/>
+            <a:ext cx="1440160" cy="432048"/>
+          </a:xfrm>
+          <a:prstGeom prst="flowChartDecision">
+            <a:avLst/>
+          </a:prstGeom>
+        </p:spPr>
+        <p:style>
+          <a:lnRef idx="2">
+            <a:schemeClr val="accent1">
+              <a:shade val="50000"/>
+            </a:schemeClr>
+          </a:lnRef>
+          <a:fillRef idx="1">
+            <a:schemeClr val="accent1"/>
+          </a:fillRef>
+          <a:effectRef idx="0">
+            <a:schemeClr val="accent1"/>
+          </a:effectRef>
+          <a:fontRef idx="minor">
+            <a:schemeClr val="lt1"/>
+          </a:fontRef>
+        </p:style>
+        <p:txBody>
+          <a:bodyPr wrap="none" rtlCol="0" anchor="ctr"/>
+          <a:lstStyle/>
+          <a:p>
+            <a:pPr algn="ctr"/>
+            <a:r>
+              <a:rPr kumimoji="1" lang="ja-JP" altLang="en-US" sz="1600" dirty="0" smtClean="0"/>
+              <a:t>背景？</a:t>
+            </a:r>
+            <a:endParaRPr kumimoji="1" lang="en-US" altLang="ja-JP" sz="1600" dirty="0" smtClean="0"/>
+          </a:p>
+        </p:txBody>
+      </p:sp>
+      <p:sp>
+        <p:nvSpPr>
+          <p:cNvPr id="6" name="片側の 2 つの角を切り取った四角形 5"/>
+          <p:cNvSpPr/>
+          <p:nvPr/>
+        </p:nvSpPr>
+        <p:spPr>
+          <a:xfrm>
+            <a:off x="737574" y="1246554"/>
+            <a:ext cx="1548172" cy="324036"/>
+          </a:xfrm>
+          <a:prstGeom prst="snip2SameRect">
+            <a:avLst/>
+          </a:prstGeom>
+        </p:spPr>
+        <p:style>
+          <a:lnRef idx="2">
+            <a:schemeClr val="accent1">
+              <a:shade val="50000"/>
+            </a:schemeClr>
+          </a:lnRef>
+          <a:fillRef idx="1">
+            <a:schemeClr val="accent1"/>
+          </a:fillRef>
+          <a:effectRef idx="0">
+            <a:schemeClr val="accent1"/>
+          </a:effectRef>
+          <a:fontRef idx="minor">
+            <a:schemeClr val="lt1"/>
+          </a:fontRef>
+        </p:style>
+        <p:txBody>
+          <a:bodyPr rtlCol="0" anchor="ctr"/>
+          <a:lstStyle/>
+          <a:p>
+            <a:pPr algn="ctr"/>
+            <a:r>
+              <a:rPr kumimoji="1" lang="en-US" altLang="ja-JP" dirty="0" smtClean="0"/>
+              <a:t>5x5 taps</a:t>
+            </a:r>
+            <a:endParaRPr kumimoji="1" lang="ja-JP" altLang="en-US" dirty="0"/>
+          </a:p>
+        </p:txBody>
+      </p:sp>
+      <p:sp>
+        <p:nvSpPr>
+          <p:cNvPr id="7" name="片側の 2 つの角を切り取った四角形 6"/>
+          <p:cNvSpPr/>
+          <p:nvPr/>
+        </p:nvSpPr>
+        <p:spPr>
+          <a:xfrm flipV="1">
+            <a:off x="743643" y="5147584"/>
+            <a:ext cx="1548172" cy="324036"/>
+          </a:xfrm>
+          <a:prstGeom prst="snip2SameRect">
+            <a:avLst/>
+          </a:prstGeom>
+        </p:spPr>
+        <p:style>
+          <a:lnRef idx="2">
+            <a:schemeClr val="accent1">
+              <a:shade val="50000"/>
+            </a:schemeClr>
+          </a:lnRef>
+          <a:fillRef idx="1">
+            <a:schemeClr val="accent1"/>
+          </a:fillRef>
+          <a:effectRef idx="0">
+            <a:schemeClr val="accent1"/>
+          </a:effectRef>
+          <a:fontRef idx="minor">
+            <a:schemeClr val="lt1"/>
+          </a:fontRef>
+        </p:style>
+        <p:txBody>
+          <a:bodyPr rtlCol="0" anchor="ctr"/>
+          <a:lstStyle/>
+          <a:p>
+            <a:pPr algn="ctr"/>
+            <a:endParaRPr kumimoji="1" lang="ja-JP" altLang="en-US" dirty="0"/>
+          </a:p>
+        </p:txBody>
+      </p:sp>
+      <p:sp>
+        <p:nvSpPr>
+          <p:cNvPr id="8" name="フローチャート : 判断 7"/>
+          <p:cNvSpPr/>
+          <p:nvPr/>
+        </p:nvSpPr>
+        <p:spPr>
+          <a:xfrm>
+            <a:off x="797649" y="1700808"/>
+            <a:ext cx="1440160" cy="432048"/>
+          </a:xfrm>
+          <a:prstGeom prst="flowChartDecision">
+            <a:avLst/>
+          </a:prstGeom>
+        </p:spPr>
+        <p:style>
+          <a:lnRef idx="2">
+            <a:schemeClr val="accent1">
+              <a:shade val="50000"/>
+            </a:schemeClr>
+          </a:lnRef>
+          <a:fillRef idx="1">
+            <a:schemeClr val="accent1"/>
+          </a:fillRef>
+          <a:effectRef idx="0">
+            <a:schemeClr val="accent1"/>
+          </a:effectRef>
+          <a:fontRef idx="minor">
+            <a:schemeClr val="lt1"/>
+          </a:fontRef>
+        </p:style>
+        <p:txBody>
+          <a:bodyPr wrap="none" rtlCol="0" anchor="ctr"/>
+          <a:lstStyle/>
+          <a:p>
+            <a:pPr algn="ctr"/>
+            <a:r>
+              <a:rPr kumimoji="1" lang="ja-JP" altLang="en-US" sz="1600" dirty="0" smtClean="0"/>
+              <a:t>背景？</a:t>
+            </a:r>
+            <a:endParaRPr kumimoji="1" lang="en-US" altLang="ja-JP" sz="1600" dirty="0" smtClean="0"/>
+          </a:p>
+        </p:txBody>
+      </p:sp>
+      <p:sp>
+        <p:nvSpPr>
+          <p:cNvPr id="9" name="正方形/長方形 8"/>
+          <p:cNvSpPr/>
+          <p:nvPr/>
+        </p:nvSpPr>
+        <p:spPr>
+          <a:xfrm>
+            <a:off x="761645" y="2852936"/>
+            <a:ext cx="1512168" cy="396000"/>
+          </a:xfrm>
+          <a:prstGeom prst="rect">
+            <a:avLst/>
+          </a:prstGeom>
+        </p:spPr>
+        <p:style>
+          <a:lnRef idx="2">
+            <a:schemeClr val="accent1">
+              <a:shade val="50000"/>
+            </a:schemeClr>
+          </a:lnRef>
+          <a:fillRef idx="1">
+            <a:schemeClr val="accent1"/>
+          </a:fillRef>
+          <a:effectRef idx="0">
+            <a:schemeClr val="accent1"/>
+          </a:effectRef>
+          <a:fontRef idx="minor">
+            <a:schemeClr val="lt1"/>
+          </a:fontRef>
+        </p:style>
+        <p:txBody>
+          <a:bodyPr rtlCol="0" anchor="ctr"/>
+          <a:lstStyle/>
+          <a:p>
+            <a:pPr algn="ctr"/>
+            <a:r>
+              <a:rPr kumimoji="1" lang="ja-JP" altLang="en-US" sz="1200" dirty="0" smtClean="0"/>
+              <a:t>深度ウエイトを</a:t>
+            </a:r>
+            <a:r>
+              <a:rPr kumimoji="1" lang="ja-JP" altLang="en-US" sz="1200" dirty="0" smtClean="0"/>
+              <a:t>計算</a:t>
+            </a:r>
+            <a:endParaRPr kumimoji="1" lang="ja-JP" altLang="en-US" sz="1200" dirty="0"/>
+          </a:p>
+        </p:txBody>
+      </p:sp>
+      <p:sp>
+        <p:nvSpPr>
+          <p:cNvPr id="10" name="正方形/長方形 9"/>
+          <p:cNvSpPr/>
+          <p:nvPr/>
+        </p:nvSpPr>
+        <p:spPr>
+          <a:xfrm>
+            <a:off x="761645" y="3393040"/>
+            <a:ext cx="1512168" cy="396000"/>
+          </a:xfrm>
+          <a:prstGeom prst="rect">
+            <a:avLst/>
+          </a:prstGeom>
+        </p:spPr>
+        <p:style>
+          <a:lnRef idx="2">
+            <a:schemeClr val="accent1">
+              <a:shade val="50000"/>
+            </a:schemeClr>
+          </a:lnRef>
+          <a:fillRef idx="1">
+            <a:schemeClr val="accent1"/>
+          </a:fillRef>
+          <a:effectRef idx="0">
+            <a:schemeClr val="accent1"/>
+          </a:effectRef>
+          <a:fontRef idx="minor">
+            <a:schemeClr val="lt1"/>
+          </a:fontRef>
+        </p:style>
+        <p:txBody>
+          <a:bodyPr rtlCol="0" anchor="ctr"/>
+          <a:lstStyle/>
+          <a:p>
+            <a:pPr algn="ctr"/>
+            <a:r>
+              <a:rPr kumimoji="1" lang="ja-JP" altLang="en-US" sz="1200" dirty="0" smtClean="0"/>
+              <a:t>法線ウエイトを</a:t>
+            </a:r>
+            <a:r>
+              <a:rPr kumimoji="1" lang="ja-JP" altLang="en-US" sz="1200" dirty="0" smtClean="0"/>
+              <a:t>計算</a:t>
+            </a:r>
+            <a:endParaRPr kumimoji="1" lang="ja-JP" altLang="en-US" sz="1200" dirty="0"/>
+          </a:p>
+        </p:txBody>
+      </p:sp>
+      <p:sp>
+        <p:nvSpPr>
+          <p:cNvPr id="11" name="正方形/長方形 10"/>
+          <p:cNvSpPr/>
+          <p:nvPr/>
+        </p:nvSpPr>
+        <p:spPr>
+          <a:xfrm>
+            <a:off x="761645" y="3969104"/>
+            <a:ext cx="1512168" cy="396000"/>
+          </a:xfrm>
+          <a:prstGeom prst="rect">
+            <a:avLst/>
+          </a:prstGeom>
+        </p:spPr>
+        <p:style>
+          <a:lnRef idx="2">
+            <a:schemeClr val="accent1">
+              <a:shade val="50000"/>
+            </a:schemeClr>
+          </a:lnRef>
+          <a:fillRef idx="1">
+            <a:schemeClr val="accent1"/>
+          </a:fillRef>
+          <a:effectRef idx="0">
+            <a:schemeClr val="accent1"/>
+          </a:effectRef>
+          <a:fontRef idx="minor">
+            <a:schemeClr val="lt1"/>
+          </a:fontRef>
+        </p:style>
+        <p:txBody>
+          <a:bodyPr rtlCol="0" anchor="ctr"/>
+          <a:lstStyle/>
+          <a:p>
+            <a:pPr algn="ctr"/>
+            <a:r>
+              <a:rPr lang="ja-JP" altLang="en-US" sz="1200" dirty="0"/>
+              <a:t>輝度</a:t>
+            </a:r>
+            <a:r>
+              <a:rPr kumimoji="1" lang="ja-JP" altLang="en-US" sz="1200" dirty="0" smtClean="0"/>
+              <a:t>ウエイトを</a:t>
+            </a:r>
+            <a:r>
+              <a:rPr kumimoji="1" lang="ja-JP" altLang="en-US" sz="1200" dirty="0" smtClean="0"/>
+              <a:t>計算</a:t>
+            </a:r>
+            <a:endParaRPr kumimoji="1" lang="ja-JP" altLang="en-US" sz="1200" dirty="0"/>
+          </a:p>
+        </p:txBody>
+      </p:sp>
+      <p:sp>
+        <p:nvSpPr>
+          <p:cNvPr id="12" name="正方形/長方形 11"/>
+          <p:cNvSpPr/>
+          <p:nvPr/>
+        </p:nvSpPr>
+        <p:spPr>
+          <a:xfrm>
+            <a:off x="761645" y="4545168"/>
+            <a:ext cx="1512168" cy="396000"/>
+          </a:xfrm>
+          <a:prstGeom prst="rect">
+            <a:avLst/>
+          </a:prstGeom>
+        </p:spPr>
+        <p:style>
+          <a:lnRef idx="2">
+            <a:schemeClr val="accent1">
+              <a:shade val="50000"/>
+            </a:schemeClr>
+          </a:lnRef>
+          <a:fillRef idx="1">
+            <a:schemeClr val="accent1"/>
+          </a:fillRef>
+          <a:effectRef idx="0">
+            <a:schemeClr val="accent1"/>
+          </a:effectRef>
+          <a:fontRef idx="minor">
+            <a:schemeClr val="lt1"/>
+          </a:fontRef>
+        </p:style>
+        <p:txBody>
+          <a:bodyPr rtlCol="0" anchor="ctr"/>
+          <a:lstStyle/>
+          <a:p>
+            <a:pPr algn="ctr"/>
+            <a:r>
+              <a:rPr kumimoji="1" lang="ja-JP" altLang="en-US" sz="1200" dirty="0" smtClean="0"/>
+              <a:t>フィルタ</a:t>
+            </a:r>
+            <a:endParaRPr kumimoji="1" lang="ja-JP" altLang="en-US" sz="1200" dirty="0"/>
+          </a:p>
+        </p:txBody>
+      </p:sp>
+      <p:sp>
+        <p:nvSpPr>
+          <p:cNvPr id="13" name="正方形/長方形 12"/>
+          <p:cNvSpPr/>
+          <p:nvPr/>
+        </p:nvSpPr>
+        <p:spPr>
+          <a:xfrm>
+            <a:off x="761645" y="5672959"/>
+            <a:ext cx="1512168" cy="251984"/>
+          </a:xfrm>
+          <a:prstGeom prst="rect">
+            <a:avLst/>
+          </a:prstGeom>
+        </p:spPr>
+        <p:style>
+          <a:lnRef idx="2">
+            <a:schemeClr val="accent1">
+              <a:shade val="50000"/>
+            </a:schemeClr>
+          </a:lnRef>
+          <a:fillRef idx="1">
+            <a:schemeClr val="accent1"/>
+          </a:fillRef>
+          <a:effectRef idx="0">
+            <a:schemeClr val="accent1"/>
+          </a:effectRef>
+          <a:fontRef idx="minor">
+            <a:schemeClr val="lt1"/>
+          </a:fontRef>
+        </p:style>
+        <p:txBody>
+          <a:bodyPr rtlCol="0" anchor="ctr"/>
+          <a:lstStyle/>
+          <a:p>
+            <a:pPr algn="ctr"/>
+            <a:r>
+              <a:rPr kumimoji="1" lang="en-US" altLang="ja-JP" sz="1200" dirty="0" err="1" smtClean="0"/>
+              <a:t>denom</a:t>
+            </a:r>
+            <a:endParaRPr kumimoji="1" lang="ja-JP" altLang="en-US" sz="1200" dirty="0"/>
+          </a:p>
+        </p:txBody>
+      </p:sp>
+      <p:sp>
+        <p:nvSpPr>
+          <p:cNvPr id="14" name="正方形/長方形 13"/>
+          <p:cNvSpPr/>
+          <p:nvPr/>
+        </p:nvSpPr>
+        <p:spPr>
+          <a:xfrm>
+            <a:off x="761645" y="6129344"/>
+            <a:ext cx="1512168" cy="251984"/>
+          </a:xfrm>
+          <a:prstGeom prst="rect">
+            <a:avLst/>
+          </a:prstGeom>
+        </p:spPr>
+        <p:style>
+          <a:lnRef idx="2">
+            <a:schemeClr val="accent1">
+              <a:shade val="50000"/>
+            </a:schemeClr>
+          </a:lnRef>
+          <a:fillRef idx="1">
+            <a:schemeClr val="accent1"/>
+          </a:fillRef>
+          <a:effectRef idx="0">
+            <a:schemeClr val="accent1"/>
+          </a:effectRef>
+          <a:fontRef idx="minor">
+            <a:schemeClr val="lt1"/>
+          </a:fontRef>
+        </p:style>
+        <p:txBody>
+          <a:bodyPr rtlCol="0" anchor="ctr"/>
+          <a:lstStyle/>
+          <a:p>
+            <a:pPr algn="ctr"/>
+            <a:r>
+              <a:rPr kumimoji="1" lang="ja-JP" altLang="en-US" sz="1200" dirty="0" smtClean="0"/>
+              <a:t>出力</a:t>
+            </a:r>
+            <a:endParaRPr kumimoji="1" lang="ja-JP" altLang="en-US" sz="1200" dirty="0"/>
+          </a:p>
+        </p:txBody>
+      </p:sp>
+      <p:sp>
+        <p:nvSpPr>
+          <p:cNvPr id="15" name="フローチャート : 端子 14"/>
+          <p:cNvSpPr/>
+          <p:nvPr/>
+        </p:nvSpPr>
+        <p:spPr>
+          <a:xfrm>
+            <a:off x="977669" y="6525344"/>
+            <a:ext cx="1080120" cy="288032"/>
+          </a:xfrm>
+          <a:prstGeom prst="flowChartTerminator">
+            <a:avLst/>
+          </a:prstGeom>
+        </p:spPr>
+        <p:style>
+          <a:lnRef idx="2">
+            <a:schemeClr val="accent1">
+              <a:shade val="50000"/>
+            </a:schemeClr>
+          </a:lnRef>
+          <a:fillRef idx="1">
+            <a:schemeClr val="accent1"/>
+          </a:fillRef>
+          <a:effectRef idx="0">
+            <a:schemeClr val="accent1"/>
+          </a:effectRef>
+          <a:fontRef idx="minor">
+            <a:schemeClr val="lt1"/>
+          </a:fontRef>
+        </p:style>
+        <p:txBody>
+          <a:bodyPr rtlCol="0" anchor="ctr"/>
+          <a:lstStyle/>
+          <a:p>
+            <a:pPr algn="ctr"/>
+            <a:endParaRPr kumimoji="1" lang="ja-JP" altLang="en-US"/>
+          </a:p>
+        </p:txBody>
+      </p:sp>
+      <p:cxnSp>
+        <p:nvCxnSpPr>
+          <p:cNvPr id="17" name="直線矢印コネクタ 16"/>
+          <p:cNvCxnSpPr>
+            <a:stCxn id="4" idx="2"/>
+            <a:endCxn id="5" idx="0"/>
+          </p:cNvCxnSpPr>
+          <p:nvPr/>
+        </p:nvCxnSpPr>
+        <p:spPr>
+          <a:xfrm>
+            <a:off x="1511660" y="476672"/>
+            <a:ext cx="0" cy="144016"/>
+          </a:xfrm>
+          <a:prstGeom prst="straightConnector1">
+            <a:avLst/>
+          </a:prstGeom>
+          <a:ln>
+            <a:tailEnd type="arrow"/>
+          </a:ln>
+        </p:spPr>
+        <p:style>
+          <a:lnRef idx="1">
+            <a:schemeClr val="accent1"/>
+          </a:lnRef>
+          <a:fillRef idx="0">
+            <a:schemeClr val="accent1"/>
+          </a:fillRef>
+          <a:effectRef idx="0">
+            <a:schemeClr val="accent1"/>
+          </a:effectRef>
+          <a:fontRef idx="minor">
+            <a:schemeClr val="tx1"/>
+          </a:fontRef>
+        </p:style>
+      </p:cxnSp>
+      <p:cxnSp>
+        <p:nvCxnSpPr>
+          <p:cNvPr id="19" name="直線矢印コネクタ 18"/>
+          <p:cNvCxnSpPr>
+            <a:stCxn id="5" idx="2"/>
+            <a:endCxn id="6" idx="3"/>
+          </p:cNvCxnSpPr>
+          <p:nvPr/>
+        </p:nvCxnSpPr>
+        <p:spPr>
+          <a:xfrm>
+            <a:off x="1511660" y="1052736"/>
+            <a:ext cx="0" cy="193818"/>
+          </a:xfrm>
+          <a:prstGeom prst="straightConnector1">
+            <a:avLst/>
+          </a:prstGeom>
+          <a:ln>
+            <a:tailEnd type="arrow"/>
+          </a:ln>
+        </p:spPr>
+        <p:style>
+          <a:lnRef idx="1">
+            <a:schemeClr val="accent1"/>
+          </a:lnRef>
+          <a:fillRef idx="0">
+            <a:schemeClr val="accent1"/>
+          </a:fillRef>
+          <a:effectRef idx="0">
+            <a:schemeClr val="accent1"/>
+          </a:effectRef>
+          <a:fontRef idx="minor">
+            <a:schemeClr val="tx1"/>
+          </a:fontRef>
+        </p:style>
+      </p:cxnSp>
+      <p:cxnSp>
+        <p:nvCxnSpPr>
+          <p:cNvPr id="23" name="直線矢印コネクタ 22"/>
+          <p:cNvCxnSpPr>
+            <a:stCxn id="6" idx="1"/>
+            <a:endCxn id="8" idx="0"/>
+          </p:cNvCxnSpPr>
+          <p:nvPr/>
+        </p:nvCxnSpPr>
+        <p:spPr>
+          <a:xfrm>
+            <a:off x="1511660" y="1570590"/>
+            <a:ext cx="6069" cy="130218"/>
+          </a:xfrm>
+          <a:prstGeom prst="straightConnector1">
+            <a:avLst/>
+          </a:prstGeom>
+          <a:ln>
+            <a:tailEnd type="arrow"/>
+          </a:ln>
+        </p:spPr>
+        <p:style>
+          <a:lnRef idx="1">
+            <a:schemeClr val="accent1"/>
+          </a:lnRef>
+          <a:fillRef idx="0">
+            <a:schemeClr val="accent1"/>
+          </a:fillRef>
+          <a:effectRef idx="0">
+            <a:schemeClr val="accent1"/>
+          </a:effectRef>
+          <a:fontRef idx="minor">
+            <a:schemeClr val="tx1"/>
+          </a:fontRef>
+        </p:style>
+      </p:cxnSp>
+      <p:cxnSp>
+        <p:nvCxnSpPr>
+          <p:cNvPr id="27" name="直線矢印コネクタ 26"/>
+          <p:cNvCxnSpPr>
+            <a:stCxn id="9" idx="2"/>
+            <a:endCxn id="10" idx="0"/>
+          </p:cNvCxnSpPr>
+          <p:nvPr/>
+        </p:nvCxnSpPr>
+        <p:spPr>
+          <a:xfrm>
+            <a:off x="1517729" y="3248936"/>
+            <a:ext cx="0" cy="144104"/>
+          </a:xfrm>
+          <a:prstGeom prst="straightConnector1">
+            <a:avLst/>
+          </a:prstGeom>
+          <a:ln>
+            <a:tailEnd type="arrow"/>
+          </a:ln>
+        </p:spPr>
+        <p:style>
+          <a:lnRef idx="1">
+            <a:schemeClr val="accent1"/>
+          </a:lnRef>
+          <a:fillRef idx="0">
+            <a:schemeClr val="accent1"/>
+          </a:fillRef>
+          <a:effectRef idx="0">
+            <a:schemeClr val="accent1"/>
+          </a:effectRef>
+          <a:fontRef idx="minor">
+            <a:schemeClr val="tx1"/>
+          </a:fontRef>
+        </p:style>
+      </p:cxnSp>
+      <p:cxnSp>
+        <p:nvCxnSpPr>
+          <p:cNvPr id="29" name="直線矢印コネクタ 28"/>
+          <p:cNvCxnSpPr>
+            <a:stCxn id="10" idx="2"/>
+            <a:endCxn id="11" idx="0"/>
+          </p:cNvCxnSpPr>
+          <p:nvPr/>
+        </p:nvCxnSpPr>
+        <p:spPr>
+          <a:xfrm>
+            <a:off x="1517729" y="3789040"/>
+            <a:ext cx="0" cy="180064"/>
+          </a:xfrm>
+          <a:prstGeom prst="straightConnector1">
+            <a:avLst/>
+          </a:prstGeom>
+          <a:ln>
+            <a:tailEnd type="arrow"/>
+          </a:ln>
+        </p:spPr>
+        <p:style>
+          <a:lnRef idx="1">
+            <a:schemeClr val="accent1"/>
+          </a:lnRef>
+          <a:fillRef idx="0">
+            <a:schemeClr val="accent1"/>
+          </a:fillRef>
+          <a:effectRef idx="0">
+            <a:schemeClr val="accent1"/>
+          </a:effectRef>
+          <a:fontRef idx="minor">
+            <a:schemeClr val="tx1"/>
+          </a:fontRef>
+        </p:style>
+      </p:cxnSp>
+      <p:cxnSp>
+        <p:nvCxnSpPr>
+          <p:cNvPr id="31" name="直線矢印コネクタ 30"/>
+          <p:cNvCxnSpPr>
+            <a:stCxn id="11" idx="2"/>
+            <a:endCxn id="12" idx="0"/>
+          </p:cNvCxnSpPr>
+          <p:nvPr/>
+        </p:nvCxnSpPr>
+        <p:spPr>
+          <a:xfrm>
+            <a:off x="1517729" y="4365104"/>
+            <a:ext cx="0" cy="180064"/>
+          </a:xfrm>
+          <a:prstGeom prst="straightConnector1">
+            <a:avLst/>
+          </a:prstGeom>
+          <a:ln>
+            <a:tailEnd type="arrow"/>
+          </a:ln>
+        </p:spPr>
+        <p:style>
+          <a:lnRef idx="1">
+            <a:schemeClr val="accent1"/>
+          </a:lnRef>
+          <a:fillRef idx="0">
+            <a:schemeClr val="accent1"/>
+          </a:fillRef>
+          <a:effectRef idx="0">
+            <a:schemeClr val="accent1"/>
+          </a:effectRef>
+          <a:fontRef idx="minor">
+            <a:schemeClr val="tx1"/>
+          </a:fontRef>
+        </p:style>
+      </p:cxnSp>
+      <p:cxnSp>
+        <p:nvCxnSpPr>
+          <p:cNvPr id="33" name="直線矢印コネクタ 32"/>
+          <p:cNvCxnSpPr>
+            <a:stCxn id="12" idx="2"/>
+            <a:endCxn id="7" idx="1"/>
+          </p:cNvCxnSpPr>
+          <p:nvPr/>
+        </p:nvCxnSpPr>
+        <p:spPr>
+          <a:xfrm>
+            <a:off x="1517729" y="4941168"/>
+            <a:ext cx="0" cy="206416"/>
+          </a:xfrm>
+          <a:prstGeom prst="straightConnector1">
+            <a:avLst/>
+          </a:prstGeom>
+          <a:ln>
+            <a:tailEnd type="arrow"/>
+          </a:ln>
+        </p:spPr>
+        <p:style>
+          <a:lnRef idx="1">
+            <a:schemeClr val="accent1"/>
+          </a:lnRef>
+          <a:fillRef idx="0">
+            <a:schemeClr val="accent1"/>
+          </a:fillRef>
+          <a:effectRef idx="0">
+            <a:schemeClr val="accent1"/>
+          </a:effectRef>
+          <a:fontRef idx="minor">
+            <a:schemeClr val="tx1"/>
+          </a:fontRef>
+        </p:style>
+      </p:cxnSp>
+      <p:cxnSp>
+        <p:nvCxnSpPr>
+          <p:cNvPr id="35" name="直線矢印コネクタ 34"/>
+          <p:cNvCxnSpPr>
+            <a:stCxn id="7" idx="3"/>
+            <a:endCxn id="13" idx="0"/>
+          </p:cNvCxnSpPr>
+          <p:nvPr/>
+        </p:nvCxnSpPr>
+        <p:spPr>
+          <a:xfrm>
+            <a:off x="1517729" y="5471620"/>
+            <a:ext cx="0" cy="201339"/>
+          </a:xfrm>
+          <a:prstGeom prst="straightConnector1">
+            <a:avLst/>
+          </a:prstGeom>
+          <a:ln>
+            <a:tailEnd type="arrow"/>
+          </a:ln>
+        </p:spPr>
+        <p:style>
+          <a:lnRef idx="1">
+            <a:schemeClr val="accent1"/>
+          </a:lnRef>
+          <a:fillRef idx="0">
+            <a:schemeClr val="accent1"/>
+          </a:fillRef>
+          <a:effectRef idx="0">
+            <a:schemeClr val="accent1"/>
+          </a:effectRef>
+          <a:fontRef idx="minor">
+            <a:schemeClr val="tx1"/>
+          </a:fontRef>
+        </p:style>
+      </p:cxnSp>
+      <p:cxnSp>
+        <p:nvCxnSpPr>
+          <p:cNvPr id="37" name="直線矢印コネクタ 36"/>
+          <p:cNvCxnSpPr>
+            <a:stCxn id="13" idx="2"/>
+            <a:endCxn id="14" idx="0"/>
+          </p:cNvCxnSpPr>
+          <p:nvPr/>
+        </p:nvCxnSpPr>
+        <p:spPr>
+          <a:xfrm>
+            <a:off x="1517729" y="5924943"/>
+            <a:ext cx="0" cy="204401"/>
+          </a:xfrm>
+          <a:prstGeom prst="straightConnector1">
+            <a:avLst/>
+          </a:prstGeom>
+          <a:ln>
+            <a:tailEnd type="arrow"/>
+          </a:ln>
+        </p:spPr>
+        <p:style>
+          <a:lnRef idx="1">
+            <a:schemeClr val="accent1"/>
+          </a:lnRef>
+          <a:fillRef idx="0">
+            <a:schemeClr val="accent1"/>
+          </a:fillRef>
+          <a:effectRef idx="0">
+            <a:schemeClr val="accent1"/>
+          </a:effectRef>
+          <a:fontRef idx="minor">
+            <a:schemeClr val="tx1"/>
+          </a:fontRef>
+        </p:style>
+      </p:cxnSp>
+      <p:cxnSp>
+        <p:nvCxnSpPr>
+          <p:cNvPr id="39" name="直線矢印コネクタ 38"/>
+          <p:cNvCxnSpPr>
+            <a:stCxn id="14" idx="2"/>
+            <a:endCxn id="15" idx="0"/>
+          </p:cNvCxnSpPr>
+          <p:nvPr/>
+        </p:nvCxnSpPr>
+        <p:spPr>
+          <a:xfrm>
+            <a:off x="1517729" y="6381328"/>
+            <a:ext cx="0" cy="144016"/>
+          </a:xfrm>
+          <a:prstGeom prst="straightConnector1">
+            <a:avLst/>
+          </a:prstGeom>
+          <a:ln>
+            <a:tailEnd type="arrow"/>
+          </a:ln>
+        </p:spPr>
+        <p:style>
+          <a:lnRef idx="1">
+            <a:schemeClr val="accent1"/>
+          </a:lnRef>
+          <a:fillRef idx="0">
+            <a:schemeClr val="accent1"/>
+          </a:fillRef>
+          <a:effectRef idx="0">
+            <a:schemeClr val="accent1"/>
+          </a:effectRef>
+          <a:fontRef idx="minor">
+            <a:schemeClr val="tx1"/>
+          </a:fontRef>
+        </p:style>
+      </p:cxnSp>
+      <p:cxnSp>
+        <p:nvCxnSpPr>
+          <p:cNvPr id="41" name="カギ線コネクタ 40"/>
+          <p:cNvCxnSpPr>
+            <a:stCxn id="5" idx="3"/>
+            <a:endCxn id="14" idx="3"/>
+          </p:cNvCxnSpPr>
+          <p:nvPr/>
+        </p:nvCxnSpPr>
+        <p:spPr>
+          <a:xfrm>
+            <a:off x="2231740" y="836712"/>
+            <a:ext cx="42073" cy="5418624"/>
+          </a:xfrm>
+          <a:prstGeom prst="bentConnector3">
+            <a:avLst>
+              <a:gd name="adj1" fmla="val 2509156"/>
+            </a:avLst>
+          </a:prstGeom>
+          <a:ln>
+            <a:tailEnd type="arrow"/>
+          </a:ln>
+        </p:spPr>
+        <p:style>
+          <a:lnRef idx="1">
+            <a:schemeClr val="accent1"/>
+          </a:lnRef>
+          <a:fillRef idx="0">
+            <a:schemeClr val="accent1"/>
+          </a:fillRef>
+          <a:effectRef idx="0">
+            <a:schemeClr val="accent1"/>
+          </a:effectRef>
+          <a:fontRef idx="minor">
+            <a:schemeClr val="tx1"/>
+          </a:fontRef>
+        </p:style>
+      </p:cxnSp>
+      <p:cxnSp>
+        <p:nvCxnSpPr>
+          <p:cNvPr id="44" name="カギ線コネクタ 43"/>
+          <p:cNvCxnSpPr>
+            <a:stCxn id="8" idx="3"/>
+            <a:endCxn id="6" idx="0"/>
+          </p:cNvCxnSpPr>
+          <p:nvPr/>
+        </p:nvCxnSpPr>
+        <p:spPr>
+          <a:xfrm flipV="1">
+            <a:off x="2237809" y="1408572"/>
+            <a:ext cx="47937" cy="508260"/>
+          </a:xfrm>
+          <a:prstGeom prst="bentConnector3">
+            <a:avLst>
+              <a:gd name="adj1" fmla="val 1872539"/>
+            </a:avLst>
+          </a:prstGeom>
+          <a:ln>
+            <a:tailEnd type="arrow"/>
+          </a:ln>
+        </p:spPr>
+        <p:style>
+          <a:lnRef idx="1">
+            <a:schemeClr val="accent1"/>
+          </a:lnRef>
+          <a:fillRef idx="0">
+            <a:schemeClr val="accent1"/>
+          </a:fillRef>
+          <a:effectRef idx="0">
+            <a:schemeClr val="accent1"/>
+          </a:effectRef>
+          <a:fontRef idx="minor">
+            <a:schemeClr val="tx1"/>
+          </a:fontRef>
+        </p:style>
+      </p:cxnSp>
+      <p:sp>
+        <p:nvSpPr>
+          <p:cNvPr id="46" name="テキスト ボックス 45"/>
+          <p:cNvSpPr txBox="1"/>
+          <p:nvPr/>
+        </p:nvSpPr>
+        <p:spPr>
+          <a:xfrm>
+            <a:off x="2223289" y="482687"/>
+            <a:ext cx="324036" cy="369332"/>
+          </a:xfrm>
+          <a:prstGeom prst="rect">
+            <a:avLst/>
+          </a:prstGeom>
+          <a:noFill/>
+        </p:spPr>
+        <p:txBody>
+          <a:bodyPr wrap="square" rtlCol="0">
+            <a:spAutoFit/>
+          </a:bodyPr>
+          <a:lstStyle/>
+          <a:p>
+            <a:r>
+              <a:rPr kumimoji="1" lang="en-US" altLang="ja-JP" dirty="0" smtClean="0"/>
+              <a:t>Y</a:t>
+            </a:r>
+            <a:endParaRPr kumimoji="1" lang="ja-JP" altLang="en-US" dirty="0"/>
+          </a:p>
+        </p:txBody>
+      </p:sp>
+      <p:sp>
+        <p:nvSpPr>
+          <p:cNvPr id="47" name="テキスト ボックス 46"/>
+          <p:cNvSpPr txBox="1"/>
+          <p:nvPr/>
+        </p:nvSpPr>
+        <p:spPr>
+          <a:xfrm>
+            <a:off x="2273813" y="1551392"/>
+            <a:ext cx="324036" cy="369332"/>
+          </a:xfrm>
+          <a:prstGeom prst="rect">
+            <a:avLst/>
+          </a:prstGeom>
+          <a:noFill/>
+        </p:spPr>
+        <p:txBody>
+          <a:bodyPr wrap="square" rtlCol="0">
+            <a:spAutoFit/>
+          </a:bodyPr>
+          <a:lstStyle/>
+          <a:p>
+            <a:r>
+              <a:rPr kumimoji="1" lang="en-US" altLang="ja-JP" dirty="0" smtClean="0"/>
+              <a:t>Y</a:t>
+            </a:r>
+            <a:endParaRPr kumimoji="1" lang="ja-JP" altLang="en-US" dirty="0"/>
+          </a:p>
+        </p:txBody>
+      </p:sp>
+      <p:sp>
+        <p:nvSpPr>
+          <p:cNvPr id="48" name="テキスト ボックス 47"/>
+          <p:cNvSpPr txBox="1"/>
+          <p:nvPr/>
+        </p:nvSpPr>
+        <p:spPr>
+          <a:xfrm>
+            <a:off x="1187624" y="964979"/>
+            <a:ext cx="324036" cy="369332"/>
+          </a:xfrm>
+          <a:prstGeom prst="rect">
+            <a:avLst/>
+          </a:prstGeom>
+          <a:noFill/>
+        </p:spPr>
+        <p:txBody>
+          <a:bodyPr wrap="square" rtlCol="0">
+            <a:spAutoFit/>
+          </a:bodyPr>
+          <a:lstStyle/>
+          <a:p>
+            <a:r>
+              <a:rPr lang="en-US" altLang="ja-JP" dirty="0"/>
+              <a:t>N</a:t>
+            </a:r>
+            <a:endParaRPr kumimoji="1" lang="ja-JP" altLang="en-US" dirty="0"/>
+          </a:p>
+        </p:txBody>
+      </p:sp>
+      <p:sp>
+        <p:nvSpPr>
+          <p:cNvPr id="49" name="テキスト ボックス 48"/>
+          <p:cNvSpPr txBox="1"/>
+          <p:nvPr/>
+        </p:nvSpPr>
+        <p:spPr>
+          <a:xfrm>
+            <a:off x="1115616" y="2011260"/>
+            <a:ext cx="324036" cy="369332"/>
+          </a:xfrm>
+          <a:prstGeom prst="rect">
+            <a:avLst/>
+          </a:prstGeom>
+          <a:noFill/>
+        </p:spPr>
+        <p:txBody>
+          <a:bodyPr wrap="square" rtlCol="0">
+            <a:spAutoFit/>
+          </a:bodyPr>
+          <a:lstStyle/>
+          <a:p>
+            <a:r>
+              <a:rPr lang="en-US" altLang="ja-JP" dirty="0"/>
+              <a:t>N</a:t>
+            </a:r>
+            <a:endParaRPr kumimoji="1" lang="ja-JP" altLang="en-US" dirty="0"/>
+          </a:p>
+        </p:txBody>
+      </p:sp>
+      <p:sp>
+        <p:nvSpPr>
+          <p:cNvPr id="50" name="正方形/長方形 49"/>
+          <p:cNvSpPr/>
+          <p:nvPr/>
+        </p:nvSpPr>
+        <p:spPr>
+          <a:xfrm>
+            <a:off x="4788024" y="980728"/>
+            <a:ext cx="3816424" cy="2664296"/>
+          </a:xfrm>
+          <a:prstGeom prst="rect">
+            <a:avLst/>
+          </a:prstGeom>
+        </p:spPr>
+        <p:style>
+          <a:lnRef idx="2">
+            <a:schemeClr val="accent1">
+              <a:shade val="50000"/>
+            </a:schemeClr>
+          </a:lnRef>
+          <a:fillRef idx="1">
+            <a:schemeClr val="accent1"/>
+          </a:fillRef>
+          <a:effectRef idx="0">
+            <a:schemeClr val="accent1"/>
+          </a:effectRef>
+          <a:fontRef idx="minor">
+            <a:schemeClr val="lt1"/>
+          </a:fontRef>
+        </p:style>
+        <p:txBody>
+          <a:bodyPr rtlCol="0" anchor="ctr"/>
+          <a:lstStyle/>
+          <a:p>
+            <a:pPr algn="ctr"/>
+            <a:r>
+              <a:rPr kumimoji="1" lang="ja-JP" altLang="en-US" dirty="0" smtClean="0"/>
+              <a:t>入力パラメータ</a:t>
+            </a:r>
+            <a:endParaRPr kumimoji="1" lang="en-US" altLang="ja-JP" dirty="0" smtClean="0"/>
+          </a:p>
+          <a:p>
+            <a:pPr algn="ctr"/>
+            <a:r>
+              <a:rPr lang="en-US" altLang="ja-JP" dirty="0" smtClean="0"/>
+              <a:t>Depth buffer</a:t>
+            </a:r>
+          </a:p>
+          <a:p>
+            <a:pPr algn="ctr"/>
+            <a:r>
+              <a:rPr kumimoji="1" lang="en-US" altLang="ja-JP" dirty="0" smtClean="0"/>
+              <a:t>Normal buffer</a:t>
+            </a:r>
+          </a:p>
+          <a:p>
+            <a:pPr algn="ctr"/>
+            <a:r>
+              <a:rPr lang="en-US" altLang="ja-JP" dirty="0" err="1" smtClean="0"/>
+              <a:t>MeshID</a:t>
+            </a:r>
+            <a:r>
+              <a:rPr lang="en-US" altLang="ja-JP" dirty="0" smtClean="0"/>
+              <a:t> buffer</a:t>
+            </a:r>
+          </a:p>
+          <a:p>
+            <a:pPr algn="ctr"/>
+            <a:r>
+              <a:rPr kumimoji="1" lang="en-US" altLang="ja-JP" dirty="0" smtClean="0"/>
+              <a:t>Luminance buffer</a:t>
+            </a:r>
+            <a:endParaRPr lang="en-US" altLang="ja-JP" dirty="0"/>
+          </a:p>
+          <a:p>
+            <a:pPr algn="ctr"/>
+            <a:r>
+              <a:rPr kumimoji="1" lang="en-US" altLang="ja-JP" dirty="0" smtClean="0"/>
+              <a:t>Tap size</a:t>
+            </a:r>
+          </a:p>
+          <a:p>
+            <a:pPr algn="ctr"/>
+            <a:r>
+              <a:rPr lang="en-US" altLang="ja-JP" dirty="0" smtClean="0"/>
+              <a:t>Sigma</a:t>
+            </a:r>
+            <a:r>
+              <a:rPr lang="ja-JP" altLang="en-US" dirty="0" smtClean="0"/>
+              <a:t>（</a:t>
+            </a:r>
+            <a:r>
+              <a:rPr lang="en-US" altLang="ja-JP" dirty="0" smtClean="0"/>
+              <a:t>z, n, l</a:t>
+            </a:r>
+            <a:r>
+              <a:rPr lang="ja-JP" altLang="en-US" dirty="0" smtClean="0"/>
+              <a:t>）（論文内では決め打ち）</a:t>
+            </a:r>
+            <a:endParaRPr lang="en-US" altLang="ja-JP" dirty="0" smtClean="0"/>
+          </a:p>
+        </p:txBody>
+      </p:sp>
+      <p:sp>
+        <p:nvSpPr>
+          <p:cNvPr id="51" name="フローチャート : 判断 50"/>
+          <p:cNvSpPr/>
+          <p:nvPr/>
+        </p:nvSpPr>
+        <p:spPr>
+          <a:xfrm>
+            <a:off x="789904" y="2258996"/>
+            <a:ext cx="1440160" cy="432048"/>
+          </a:xfrm>
+          <a:prstGeom prst="flowChartDecision">
+            <a:avLst/>
+          </a:prstGeom>
+        </p:spPr>
+        <p:style>
+          <a:lnRef idx="2">
+            <a:schemeClr val="accent1">
+              <a:shade val="50000"/>
+            </a:schemeClr>
+          </a:lnRef>
+          <a:fillRef idx="1">
+            <a:schemeClr val="accent1"/>
+          </a:fillRef>
+          <a:effectRef idx="0">
+            <a:schemeClr val="accent1"/>
+          </a:effectRef>
+          <a:fontRef idx="minor">
+            <a:schemeClr val="lt1"/>
+          </a:fontRef>
+        </p:style>
+        <p:txBody>
+          <a:bodyPr wrap="none" rtlCol="0" anchor="ctr"/>
+          <a:lstStyle/>
+          <a:p>
+            <a:pPr algn="ctr"/>
+            <a:r>
+              <a:rPr kumimoji="1" lang="en-US" altLang="ja-JP" sz="1200" dirty="0" err="1" smtClean="0"/>
+              <a:t>meshID</a:t>
+            </a:r>
+            <a:r>
+              <a:rPr kumimoji="1" lang="ja-JP" altLang="en-US" sz="1200" dirty="0" smtClean="0"/>
+              <a:t>が同じ？</a:t>
+            </a:r>
+            <a:endParaRPr kumimoji="1" lang="en-US" altLang="ja-JP" sz="1200" dirty="0" smtClean="0"/>
+          </a:p>
+        </p:txBody>
+      </p:sp>
+      <p:cxnSp>
+        <p:nvCxnSpPr>
+          <p:cNvPr id="55" name="直線矢印コネクタ 54"/>
+          <p:cNvCxnSpPr>
+            <a:stCxn id="8" idx="2"/>
+            <a:endCxn id="51" idx="0"/>
+          </p:cNvCxnSpPr>
+          <p:nvPr/>
+        </p:nvCxnSpPr>
+        <p:spPr>
+          <a:xfrm flipH="1">
+            <a:off x="1509984" y="2132856"/>
+            <a:ext cx="7745" cy="126140"/>
+          </a:xfrm>
+          <a:prstGeom prst="straightConnector1">
+            <a:avLst/>
+          </a:prstGeom>
+          <a:ln>
+            <a:tailEnd type="arrow"/>
+          </a:ln>
+        </p:spPr>
+        <p:style>
+          <a:lnRef idx="1">
+            <a:schemeClr val="accent1"/>
+          </a:lnRef>
+          <a:fillRef idx="0">
+            <a:schemeClr val="accent1"/>
+          </a:fillRef>
+          <a:effectRef idx="0">
+            <a:schemeClr val="accent1"/>
+          </a:effectRef>
+          <a:fontRef idx="minor">
+            <a:schemeClr val="tx1"/>
+          </a:fontRef>
+        </p:style>
+      </p:cxnSp>
+      <p:cxnSp>
+        <p:nvCxnSpPr>
+          <p:cNvPr id="58" name="直線矢印コネクタ 57"/>
+          <p:cNvCxnSpPr>
+            <a:stCxn id="51" idx="2"/>
+            <a:endCxn id="9" idx="0"/>
+          </p:cNvCxnSpPr>
+          <p:nvPr/>
+        </p:nvCxnSpPr>
+        <p:spPr>
+          <a:xfrm>
+            <a:off x="1509984" y="2691044"/>
+            <a:ext cx="7745" cy="161892"/>
+          </a:xfrm>
+          <a:prstGeom prst="straightConnector1">
+            <a:avLst/>
+          </a:prstGeom>
+          <a:ln>
+            <a:tailEnd type="arrow"/>
+          </a:ln>
+        </p:spPr>
+        <p:style>
+          <a:lnRef idx="1">
+            <a:schemeClr val="accent1"/>
+          </a:lnRef>
+          <a:fillRef idx="0">
+            <a:schemeClr val="accent1"/>
+          </a:fillRef>
+          <a:effectRef idx="0">
+            <a:schemeClr val="accent1"/>
+          </a:effectRef>
+          <a:fontRef idx="minor">
+            <a:schemeClr val="tx1"/>
+          </a:fontRef>
+        </p:style>
+      </p:cxnSp>
+      <p:cxnSp>
+        <p:nvCxnSpPr>
+          <p:cNvPr id="60" name="カギ線コネクタ 59"/>
+          <p:cNvCxnSpPr>
+            <a:stCxn id="51" idx="3"/>
+            <a:endCxn id="6" idx="0"/>
+          </p:cNvCxnSpPr>
+          <p:nvPr/>
+        </p:nvCxnSpPr>
+        <p:spPr>
+          <a:xfrm flipV="1">
+            <a:off x="2230064" y="1408572"/>
+            <a:ext cx="55682" cy="1066448"/>
+          </a:xfrm>
+          <a:prstGeom prst="bentConnector3">
+            <a:avLst>
+              <a:gd name="adj1" fmla="val 1625989"/>
+            </a:avLst>
+          </a:prstGeom>
+          <a:ln>
+            <a:tailEnd type="arrow"/>
+          </a:ln>
+        </p:spPr>
+        <p:style>
+          <a:lnRef idx="1">
+            <a:schemeClr val="accent1"/>
+          </a:lnRef>
+          <a:fillRef idx="0">
+            <a:schemeClr val="accent1"/>
+          </a:fillRef>
+          <a:effectRef idx="0">
+            <a:schemeClr val="accent1"/>
+          </a:effectRef>
+          <a:fontRef idx="minor">
+            <a:schemeClr val="tx1"/>
+          </a:fontRef>
+        </p:style>
+      </p:cxnSp>
+      <p:sp>
+        <p:nvSpPr>
+          <p:cNvPr id="62" name="テキスト ボックス 61"/>
+          <p:cNvSpPr txBox="1"/>
+          <p:nvPr/>
+        </p:nvSpPr>
+        <p:spPr>
+          <a:xfrm>
+            <a:off x="2207230" y="2132856"/>
+            <a:ext cx="324036" cy="369332"/>
+          </a:xfrm>
+          <a:prstGeom prst="rect">
+            <a:avLst/>
+          </a:prstGeom>
+          <a:noFill/>
+        </p:spPr>
+        <p:txBody>
+          <a:bodyPr wrap="square" rtlCol="0">
+            <a:spAutoFit/>
+          </a:bodyPr>
+          <a:lstStyle/>
+          <a:p>
+            <a:r>
+              <a:rPr lang="en-US" altLang="ja-JP" dirty="0"/>
+              <a:t>N</a:t>
+            </a:r>
+            <a:endParaRPr kumimoji="1" lang="ja-JP" altLang="en-US" dirty="0"/>
+          </a:p>
+        </p:txBody>
+      </p:sp>
+      <p:sp>
+        <p:nvSpPr>
+          <p:cNvPr id="63" name="テキスト ボックス 62"/>
+          <p:cNvSpPr txBox="1"/>
+          <p:nvPr/>
+        </p:nvSpPr>
+        <p:spPr>
+          <a:xfrm>
+            <a:off x="1134606" y="2587324"/>
+            <a:ext cx="324036" cy="369332"/>
+          </a:xfrm>
+          <a:prstGeom prst="rect">
+            <a:avLst/>
+          </a:prstGeom>
+          <a:noFill/>
+        </p:spPr>
+        <p:txBody>
+          <a:bodyPr wrap="square" rtlCol="0">
+            <a:spAutoFit/>
+          </a:bodyPr>
+          <a:lstStyle/>
+          <a:p>
+            <a:r>
+              <a:rPr kumimoji="1" lang="en-US" altLang="ja-JP" dirty="0" smtClean="0"/>
+              <a:t>Y</a:t>
+            </a:r>
+            <a:endParaRPr kumimoji="1" lang="ja-JP" altLang="en-US" dirty="0"/>
+          </a:p>
+        </p:txBody>
+      </p:sp>
+    </p:spTree>
+    <p:extLst>
+      <p:ext uri="{BB962C8B-B14F-4D97-AF65-F5344CB8AC3E}">
+        <p14:creationId xmlns:p14="http://schemas.microsoft.com/office/powerpoint/2010/main" val="2460263489"/>
+      </p:ext>
+    </p:extLst>
+  </p:cSld>
+  <p:clrMapOvr>
+    <a:masterClrMapping/>
+  </p:clrMapOvr>
+</p:sld>
+</file>
+
+<file path=ppt/slides/slide7.xml><?xml version="1.0" encoding="utf-8"?>
+<p:sld xmlns:a="http://schemas.openxmlformats.org/drawingml/2006/main" xmlns:r="http://schemas.openxmlformats.org/officeDocument/2006/relationships" xmlns:p="http://schemas.openxmlformats.org/presentationml/2006/main">
+  <p:cSld>
+    <p:spTree>
+      <p:nvGrpSpPr>
+        <p:cNvPr id="1" name=""/>
+        <p:cNvGrpSpPr/>
+        <p:nvPr/>
+      </p:nvGrpSpPr>
+      <p:grpSpPr>
+        <a:xfrm>
+          <a:off x="0" y="0"/>
+          <a:ext cx="0" cy="0"/>
+          <a:chOff x="0" y="0"/>
+          <a:chExt cx="0" cy="0"/>
+        </a:xfrm>
+      </p:grpSpPr>
+      <p:sp>
+        <p:nvSpPr>
+          <p:cNvPr id="3" name="正方形/長方形 2"/>
+          <p:cNvSpPr/>
+          <p:nvPr/>
+        </p:nvSpPr>
+        <p:spPr>
+          <a:xfrm>
+            <a:off x="5909966" y="4926361"/>
+            <a:ext cx="2478458" cy="1094927"/>
+          </a:xfrm>
+          <a:prstGeom prst="rect">
+            <a:avLst/>
+          </a:prstGeom>
+        </p:spPr>
+        <p:style>
+          <a:lnRef idx="2">
+            <a:schemeClr val="accent2">
+              <a:shade val="50000"/>
+            </a:schemeClr>
+          </a:lnRef>
+          <a:fillRef idx="1">
+            <a:schemeClr val="accent2"/>
+          </a:fillRef>
+          <a:effectRef idx="0">
+            <a:schemeClr val="accent2"/>
+          </a:effectRef>
+          <a:fontRef idx="minor">
+            <a:schemeClr val="lt1"/>
+          </a:fontRef>
+        </p:style>
+        <p:txBody>
+          <a:bodyPr rtlCol="0" anchor="ctr"/>
+          <a:lstStyle/>
+          <a:p>
+            <a:pPr algn="ctr"/>
+            <a:r>
+              <a:rPr kumimoji="1" lang="en-US" altLang="ja-JP" dirty="0" smtClean="0"/>
+              <a:t>Variance</a:t>
+            </a:r>
+          </a:p>
+          <a:p>
+            <a:pPr algn="ctr"/>
+            <a:r>
+              <a:rPr lang="en-US" altLang="ja-JP" dirty="0" smtClean="0"/>
+              <a:t>Estimation</a:t>
+            </a:r>
+            <a:endParaRPr kumimoji="1" lang="ja-JP" altLang="en-US" dirty="0"/>
+          </a:p>
+        </p:txBody>
+      </p:sp>
+      <p:sp>
+        <p:nvSpPr>
+          <p:cNvPr id="4" name="フローチャート : 端子 3"/>
+          <p:cNvSpPr/>
+          <p:nvPr/>
+        </p:nvSpPr>
+        <p:spPr>
+          <a:xfrm>
+            <a:off x="971600" y="193492"/>
+            <a:ext cx="1080120" cy="288032"/>
+          </a:xfrm>
+          <a:prstGeom prst="flowChartTerminator">
+            <a:avLst/>
+          </a:prstGeom>
+        </p:spPr>
+        <p:style>
+          <a:lnRef idx="2">
+            <a:schemeClr val="accent1">
+              <a:shade val="50000"/>
+            </a:schemeClr>
+          </a:lnRef>
+          <a:fillRef idx="1">
+            <a:schemeClr val="accent1"/>
+          </a:fillRef>
+          <a:effectRef idx="0">
+            <a:schemeClr val="accent1"/>
+          </a:effectRef>
+          <a:fontRef idx="minor">
+            <a:schemeClr val="lt1"/>
+          </a:fontRef>
+        </p:style>
+        <p:txBody>
+          <a:bodyPr rtlCol="0" anchor="ctr"/>
+          <a:lstStyle/>
+          <a:p>
+            <a:pPr algn="ctr"/>
+            <a:endParaRPr kumimoji="1" lang="ja-JP" altLang="en-US"/>
+          </a:p>
+        </p:txBody>
+      </p:sp>
+      <p:sp>
+        <p:nvSpPr>
+          <p:cNvPr id="5" name="正方形/長方形 4"/>
+          <p:cNvSpPr/>
+          <p:nvPr/>
+        </p:nvSpPr>
+        <p:spPr>
+          <a:xfrm>
+            <a:off x="431540" y="731238"/>
+            <a:ext cx="2160240" cy="969570"/>
+          </a:xfrm>
+          <a:prstGeom prst="rect">
+            <a:avLst/>
+          </a:prstGeom>
+        </p:spPr>
+        <p:style>
+          <a:lnRef idx="2">
+            <a:schemeClr val="accent1">
+              <a:shade val="50000"/>
+            </a:schemeClr>
+          </a:lnRef>
+          <a:fillRef idx="1">
+            <a:schemeClr val="accent1"/>
+          </a:fillRef>
+          <a:effectRef idx="0">
+            <a:schemeClr val="accent1"/>
+          </a:effectRef>
+          <a:fontRef idx="minor">
+            <a:schemeClr val="lt1"/>
+          </a:fontRef>
+        </p:style>
+        <p:txBody>
+          <a:bodyPr rtlCol="0" anchor="ctr"/>
+          <a:lstStyle/>
+          <a:p>
+            <a:pPr algn="ctr"/>
+            <a:r>
+              <a:rPr kumimoji="1" lang="ja-JP" altLang="en-US" sz="1400" dirty="0" smtClean="0"/>
+              <a:t>輝度</a:t>
+            </a:r>
+            <a:r>
+              <a:rPr kumimoji="1" lang="en-US" altLang="ja-JP" sz="1400" dirty="0" smtClean="0"/>
+              <a:t>moment buffer</a:t>
+            </a:r>
+            <a:r>
+              <a:rPr kumimoji="1" lang="ja-JP" altLang="en-US" sz="1400" dirty="0" smtClean="0"/>
+              <a:t>を</a:t>
+            </a:r>
+            <a:r>
+              <a:rPr kumimoji="1" lang="en-US" altLang="ja-JP" sz="1400" dirty="0" smtClean="0"/>
+              <a:t>temporal </a:t>
+            </a:r>
+            <a:r>
+              <a:rPr kumimoji="1" lang="en-US" altLang="ja-JP" sz="1400" dirty="0" err="1" smtClean="0"/>
+              <a:t>reprojection</a:t>
+            </a:r>
+            <a:r>
+              <a:rPr kumimoji="1" lang="ja-JP" altLang="en-US" sz="1400" dirty="0" smtClean="0"/>
+              <a:t>により積分する</a:t>
+            </a:r>
+            <a:endParaRPr kumimoji="1" lang="en-US" altLang="ja-JP" sz="1400" dirty="0" smtClean="0"/>
+          </a:p>
+          <a:p>
+            <a:pPr algn="ctr"/>
+            <a:r>
+              <a:rPr lang="ja-JP" altLang="en-US" sz="1400" dirty="0" smtClean="0"/>
+              <a:t>（フィルタリングはしない）</a:t>
+            </a:r>
+            <a:endParaRPr lang="en-US" altLang="ja-JP" sz="1400" dirty="0" smtClean="0"/>
+          </a:p>
+        </p:txBody>
+      </p:sp>
+      <p:sp>
+        <p:nvSpPr>
+          <p:cNvPr id="6" name="フローチャート : 判断 5"/>
+          <p:cNvSpPr/>
+          <p:nvPr/>
+        </p:nvSpPr>
+        <p:spPr>
+          <a:xfrm>
+            <a:off x="773036" y="1916832"/>
+            <a:ext cx="1440160" cy="576064"/>
+          </a:xfrm>
+          <a:prstGeom prst="flowChartDecision">
+            <a:avLst/>
+          </a:prstGeom>
+        </p:spPr>
+        <p:style>
+          <a:lnRef idx="2">
+            <a:schemeClr val="accent1">
+              <a:shade val="50000"/>
+            </a:schemeClr>
+          </a:lnRef>
+          <a:fillRef idx="1">
+            <a:schemeClr val="accent1"/>
+          </a:fillRef>
+          <a:effectRef idx="0">
+            <a:schemeClr val="accent1"/>
+          </a:effectRef>
+          <a:fontRef idx="minor">
+            <a:schemeClr val="lt1"/>
+          </a:fontRef>
+        </p:style>
+        <p:txBody>
+          <a:bodyPr wrap="none" rtlCol="0" anchor="ctr"/>
+          <a:lstStyle/>
+          <a:p>
+            <a:pPr algn="ctr"/>
+            <a:r>
+              <a:rPr kumimoji="1" lang="en-US" altLang="ja-JP" sz="1600" dirty="0" err="1" smtClean="0"/>
+              <a:t>Disocclusion</a:t>
+            </a:r>
+            <a:r>
+              <a:rPr kumimoji="1" lang="en-US" altLang="ja-JP" sz="1600" dirty="0" smtClean="0"/>
+              <a:t>?</a:t>
+            </a:r>
+            <a:endParaRPr kumimoji="1" lang="en-US" altLang="ja-JP" sz="1600" dirty="0" smtClean="0"/>
+          </a:p>
+        </p:txBody>
+      </p:sp>
+      <p:sp>
+        <p:nvSpPr>
+          <p:cNvPr id="7" name="フローチャート : 判断 6"/>
+          <p:cNvSpPr/>
+          <p:nvPr/>
+        </p:nvSpPr>
+        <p:spPr>
+          <a:xfrm>
+            <a:off x="791580" y="2708920"/>
+            <a:ext cx="1440160" cy="720080"/>
+          </a:xfrm>
+          <a:prstGeom prst="flowChartDecision">
+            <a:avLst/>
+          </a:prstGeom>
+        </p:spPr>
+        <p:style>
+          <a:lnRef idx="2">
+            <a:schemeClr val="accent1">
+              <a:shade val="50000"/>
+            </a:schemeClr>
+          </a:lnRef>
+          <a:fillRef idx="1">
+            <a:schemeClr val="accent1"/>
+          </a:fillRef>
+          <a:effectRef idx="0">
+            <a:schemeClr val="accent1"/>
+          </a:effectRef>
+          <a:fontRef idx="minor">
+            <a:schemeClr val="lt1"/>
+          </a:fontRef>
+        </p:style>
+        <p:txBody>
+          <a:bodyPr wrap="none" rtlCol="0" anchor="ctr"/>
+          <a:lstStyle/>
+          <a:p>
+            <a:pPr algn="ctr"/>
+            <a:r>
+              <a:rPr kumimoji="1" lang="en-US" altLang="ja-JP" sz="1200" dirty="0" smtClean="0"/>
+              <a:t>4</a:t>
+            </a:r>
+            <a:r>
+              <a:rPr kumimoji="1" lang="ja-JP" altLang="en-US" sz="1200" dirty="0" smtClean="0"/>
+              <a:t>フレーム以上</a:t>
+            </a:r>
+            <a:endParaRPr kumimoji="1" lang="en-US" altLang="ja-JP" sz="1200" dirty="0" smtClean="0"/>
+          </a:p>
+          <a:p>
+            <a:pPr algn="ctr"/>
+            <a:r>
+              <a:rPr lang="ja-JP" altLang="en-US" sz="1200" dirty="0" smtClean="0"/>
+              <a:t>積算</a:t>
+            </a:r>
+            <a:r>
+              <a:rPr lang="en-US" altLang="ja-JP" sz="1200" dirty="0" smtClean="0"/>
+              <a:t>?</a:t>
+            </a:r>
+            <a:endParaRPr kumimoji="1" lang="en-US" altLang="ja-JP" sz="1200" dirty="0" smtClean="0"/>
+          </a:p>
+        </p:txBody>
+      </p:sp>
+      <p:sp>
+        <p:nvSpPr>
+          <p:cNvPr id="8" name="正方形/長方形 7"/>
+          <p:cNvSpPr/>
+          <p:nvPr/>
+        </p:nvSpPr>
+        <p:spPr>
+          <a:xfrm>
+            <a:off x="2843808" y="2788331"/>
+            <a:ext cx="2160240" cy="561257"/>
+          </a:xfrm>
+          <a:prstGeom prst="rect">
+            <a:avLst/>
+          </a:prstGeom>
+        </p:spPr>
+        <p:style>
+          <a:lnRef idx="2">
+            <a:schemeClr val="accent1">
+              <a:shade val="50000"/>
+            </a:schemeClr>
+          </a:lnRef>
+          <a:fillRef idx="1">
+            <a:schemeClr val="accent1"/>
+          </a:fillRef>
+          <a:effectRef idx="0">
+            <a:schemeClr val="accent1"/>
+          </a:effectRef>
+          <a:fontRef idx="minor">
+            <a:schemeClr val="lt1"/>
+          </a:fontRef>
+        </p:style>
+        <p:txBody>
+          <a:bodyPr rtlCol="0" anchor="ctr"/>
+          <a:lstStyle/>
+          <a:p>
+            <a:pPr algn="ctr"/>
+            <a:r>
+              <a:rPr kumimoji="1" lang="en-US" altLang="ja-JP" sz="1400" dirty="0" smtClean="0"/>
+              <a:t>7x7 </a:t>
+            </a:r>
+            <a:r>
+              <a:rPr kumimoji="1" lang="en-US" altLang="ja-JP" sz="1400" dirty="0" err="1" smtClean="0"/>
+              <a:t>birateral</a:t>
+            </a:r>
+            <a:r>
+              <a:rPr kumimoji="1" lang="en-US" altLang="ja-JP" sz="1400" dirty="0" smtClean="0"/>
+              <a:t> filter</a:t>
+            </a:r>
+          </a:p>
+          <a:p>
+            <a:pPr algn="ctr"/>
+            <a:r>
+              <a:rPr lang="en-US" altLang="ja-JP" sz="1400" dirty="0" smtClean="0"/>
+              <a:t>(use depth, normal)</a:t>
+            </a:r>
+          </a:p>
+        </p:txBody>
+      </p:sp>
+      <p:sp>
+        <p:nvSpPr>
+          <p:cNvPr id="9" name="正方形/長方形 8"/>
+          <p:cNvSpPr/>
+          <p:nvPr/>
+        </p:nvSpPr>
+        <p:spPr>
+          <a:xfrm>
+            <a:off x="430248" y="3861048"/>
+            <a:ext cx="2160240" cy="561257"/>
+          </a:xfrm>
+          <a:prstGeom prst="rect">
+            <a:avLst/>
+          </a:prstGeom>
+        </p:spPr>
+        <p:style>
+          <a:lnRef idx="2">
+            <a:schemeClr val="accent1">
+              <a:shade val="50000"/>
+            </a:schemeClr>
+          </a:lnRef>
+          <a:fillRef idx="1">
+            <a:schemeClr val="accent1"/>
+          </a:fillRef>
+          <a:effectRef idx="0">
+            <a:schemeClr val="accent1"/>
+          </a:effectRef>
+          <a:fontRef idx="minor">
+            <a:schemeClr val="lt1"/>
+          </a:fontRef>
+        </p:style>
+        <p:txBody>
+          <a:bodyPr rtlCol="0" anchor="ctr"/>
+          <a:lstStyle/>
+          <a:p>
+            <a:pPr algn="ctr"/>
+            <a:r>
+              <a:rPr lang="ja-JP" altLang="en-US" sz="1400" dirty="0" smtClean="0"/>
+              <a:t>分散計算</a:t>
+            </a:r>
+            <a:endParaRPr lang="en-US" altLang="ja-JP" sz="1400" dirty="0" smtClean="0"/>
+          </a:p>
+        </p:txBody>
+      </p:sp>
+      <p:cxnSp>
+        <p:nvCxnSpPr>
+          <p:cNvPr id="11" name="直線矢印コネクタ 10"/>
+          <p:cNvCxnSpPr>
+            <a:stCxn id="4" idx="2"/>
+            <a:endCxn id="5" idx="0"/>
+          </p:cNvCxnSpPr>
+          <p:nvPr/>
+        </p:nvCxnSpPr>
+        <p:spPr>
+          <a:xfrm>
+            <a:off x="1511660" y="481524"/>
+            <a:ext cx="0" cy="249714"/>
+          </a:xfrm>
+          <a:prstGeom prst="straightConnector1">
+            <a:avLst/>
+          </a:prstGeom>
+          <a:ln>
+            <a:tailEnd type="arrow"/>
+          </a:ln>
+        </p:spPr>
+        <p:style>
+          <a:lnRef idx="1">
+            <a:schemeClr val="accent1"/>
+          </a:lnRef>
+          <a:fillRef idx="0">
+            <a:schemeClr val="accent1"/>
+          </a:fillRef>
+          <a:effectRef idx="0">
+            <a:schemeClr val="accent1"/>
+          </a:effectRef>
+          <a:fontRef idx="minor">
+            <a:schemeClr val="tx1"/>
+          </a:fontRef>
+        </p:style>
+      </p:cxnSp>
+      <p:cxnSp>
+        <p:nvCxnSpPr>
+          <p:cNvPr id="13" name="直線矢印コネクタ 12"/>
+          <p:cNvCxnSpPr>
+            <a:stCxn id="5" idx="2"/>
+            <a:endCxn id="6" idx="0"/>
+          </p:cNvCxnSpPr>
+          <p:nvPr/>
+        </p:nvCxnSpPr>
+        <p:spPr>
+          <a:xfrm flipH="1">
+            <a:off x="1493116" y="1700808"/>
+            <a:ext cx="18544" cy="216024"/>
+          </a:xfrm>
+          <a:prstGeom prst="straightConnector1">
+            <a:avLst/>
+          </a:prstGeom>
+          <a:ln>
+            <a:tailEnd type="arrow"/>
+          </a:ln>
+        </p:spPr>
+        <p:style>
+          <a:lnRef idx="1">
+            <a:schemeClr val="accent1"/>
+          </a:lnRef>
+          <a:fillRef idx="0">
+            <a:schemeClr val="accent1"/>
+          </a:fillRef>
+          <a:effectRef idx="0">
+            <a:schemeClr val="accent1"/>
+          </a:effectRef>
+          <a:fontRef idx="minor">
+            <a:schemeClr val="tx1"/>
+          </a:fontRef>
+        </p:style>
+      </p:cxnSp>
+      <p:cxnSp>
+        <p:nvCxnSpPr>
+          <p:cNvPr id="17" name="直線矢印コネクタ 16"/>
+          <p:cNvCxnSpPr>
+            <a:stCxn id="6" idx="2"/>
+            <a:endCxn id="7" idx="0"/>
+          </p:cNvCxnSpPr>
+          <p:nvPr/>
+        </p:nvCxnSpPr>
+        <p:spPr>
+          <a:xfrm>
+            <a:off x="1493116" y="2492896"/>
+            <a:ext cx="18544" cy="216024"/>
+          </a:xfrm>
+          <a:prstGeom prst="straightConnector1">
+            <a:avLst/>
+          </a:prstGeom>
+          <a:ln>
+            <a:tailEnd type="arrow"/>
+          </a:ln>
+        </p:spPr>
+        <p:style>
+          <a:lnRef idx="1">
+            <a:schemeClr val="accent1"/>
+          </a:lnRef>
+          <a:fillRef idx="0">
+            <a:schemeClr val="accent1"/>
+          </a:fillRef>
+          <a:effectRef idx="0">
+            <a:schemeClr val="accent1"/>
+          </a:effectRef>
+          <a:fontRef idx="minor">
+            <a:schemeClr val="tx1"/>
+          </a:fontRef>
+        </p:style>
+      </p:cxnSp>
+      <p:cxnSp>
+        <p:nvCxnSpPr>
+          <p:cNvPr id="19" name="直線矢印コネクタ 18"/>
+          <p:cNvCxnSpPr>
+            <a:stCxn id="7" idx="2"/>
+            <a:endCxn id="9" idx="0"/>
+          </p:cNvCxnSpPr>
+          <p:nvPr/>
+        </p:nvCxnSpPr>
+        <p:spPr>
+          <a:xfrm flipH="1">
+            <a:off x="1510368" y="3429000"/>
+            <a:ext cx="1292" cy="432048"/>
+          </a:xfrm>
+          <a:prstGeom prst="straightConnector1">
+            <a:avLst/>
+          </a:prstGeom>
+          <a:ln>
+            <a:tailEnd type="arrow"/>
+          </a:ln>
+        </p:spPr>
+        <p:style>
+          <a:lnRef idx="1">
+            <a:schemeClr val="accent1"/>
+          </a:lnRef>
+          <a:fillRef idx="0">
+            <a:schemeClr val="accent1"/>
+          </a:fillRef>
+          <a:effectRef idx="0">
+            <a:schemeClr val="accent1"/>
+          </a:effectRef>
+          <a:fontRef idx="minor">
+            <a:schemeClr val="tx1"/>
+          </a:fontRef>
+        </p:style>
+      </p:cxnSp>
+      <p:sp>
+        <p:nvSpPr>
+          <p:cNvPr id="20" name="正方形/長方形 19"/>
+          <p:cNvSpPr/>
+          <p:nvPr/>
+        </p:nvSpPr>
+        <p:spPr>
+          <a:xfrm>
+            <a:off x="430248" y="4725144"/>
+            <a:ext cx="2160240" cy="561257"/>
+          </a:xfrm>
+          <a:prstGeom prst="rect">
+            <a:avLst/>
+          </a:prstGeom>
+        </p:spPr>
+        <p:style>
+          <a:lnRef idx="2">
+            <a:schemeClr val="accent1">
+              <a:shade val="50000"/>
+            </a:schemeClr>
+          </a:lnRef>
+          <a:fillRef idx="1">
+            <a:schemeClr val="accent1"/>
+          </a:fillRef>
+          <a:effectRef idx="0">
+            <a:schemeClr val="accent1"/>
+          </a:effectRef>
+          <a:fontRef idx="minor">
+            <a:schemeClr val="lt1"/>
+          </a:fontRef>
+        </p:style>
+        <p:txBody>
+          <a:bodyPr rtlCol="0" anchor="ctr"/>
+          <a:lstStyle/>
+          <a:p>
+            <a:pPr algn="ctr"/>
+            <a:r>
+              <a:rPr lang="ja-JP" altLang="en-US" sz="1400" dirty="0" smtClean="0"/>
+              <a:t>出力</a:t>
+            </a:r>
+            <a:endParaRPr lang="en-US" altLang="ja-JP" sz="1400" dirty="0" smtClean="0"/>
+          </a:p>
+        </p:txBody>
+      </p:sp>
+      <p:cxnSp>
+        <p:nvCxnSpPr>
+          <p:cNvPr id="22" name="カギ線コネクタ 21"/>
+          <p:cNvCxnSpPr>
+            <a:stCxn id="6" idx="3"/>
+            <a:endCxn id="8" idx="0"/>
+          </p:cNvCxnSpPr>
+          <p:nvPr/>
+        </p:nvCxnSpPr>
+        <p:spPr>
+          <a:xfrm>
+            <a:off x="2213196" y="2204864"/>
+            <a:ext cx="1710732" cy="583467"/>
+          </a:xfrm>
+          <a:prstGeom prst="bentConnector2">
+            <a:avLst/>
+          </a:prstGeom>
+          <a:ln>
+            <a:tailEnd type="arrow"/>
+          </a:ln>
+        </p:spPr>
+        <p:style>
+          <a:lnRef idx="1">
+            <a:schemeClr val="accent1"/>
+          </a:lnRef>
+          <a:fillRef idx="0">
+            <a:schemeClr val="accent1"/>
+          </a:fillRef>
+          <a:effectRef idx="0">
+            <a:schemeClr val="accent1"/>
+          </a:effectRef>
+          <a:fontRef idx="minor">
+            <a:schemeClr val="tx1"/>
+          </a:fontRef>
+        </p:style>
+      </p:cxnSp>
+      <p:cxnSp>
+        <p:nvCxnSpPr>
+          <p:cNvPr id="24" name="直線矢印コネクタ 23"/>
+          <p:cNvCxnSpPr>
+            <a:stCxn id="7" idx="3"/>
+            <a:endCxn id="8" idx="1"/>
+          </p:cNvCxnSpPr>
+          <p:nvPr/>
+        </p:nvCxnSpPr>
+        <p:spPr>
+          <a:xfrm>
+            <a:off x="2231740" y="3068960"/>
+            <a:ext cx="612068" cy="0"/>
+          </a:xfrm>
+          <a:prstGeom prst="straightConnector1">
+            <a:avLst/>
+          </a:prstGeom>
+          <a:ln>
+            <a:tailEnd type="arrow"/>
+          </a:ln>
+        </p:spPr>
+        <p:style>
+          <a:lnRef idx="1">
+            <a:schemeClr val="accent1"/>
+          </a:lnRef>
+          <a:fillRef idx="0">
+            <a:schemeClr val="accent1"/>
+          </a:fillRef>
+          <a:effectRef idx="0">
+            <a:schemeClr val="accent1"/>
+          </a:effectRef>
+          <a:fontRef idx="minor">
+            <a:schemeClr val="tx1"/>
+          </a:fontRef>
+        </p:style>
+      </p:cxnSp>
+      <p:cxnSp>
+        <p:nvCxnSpPr>
+          <p:cNvPr id="26" name="カギ線コネクタ 25"/>
+          <p:cNvCxnSpPr>
+            <a:stCxn id="8" idx="2"/>
+            <a:endCxn id="20" idx="3"/>
+          </p:cNvCxnSpPr>
+          <p:nvPr/>
+        </p:nvCxnSpPr>
+        <p:spPr>
+          <a:xfrm rot="5400000">
+            <a:off x="2429116" y="3510960"/>
+            <a:ext cx="1656185" cy="1333440"/>
+          </a:xfrm>
+          <a:prstGeom prst="bentConnector2">
+            <a:avLst/>
+          </a:prstGeom>
+          <a:ln>
+            <a:tailEnd type="arrow"/>
+          </a:ln>
+        </p:spPr>
+        <p:style>
+          <a:lnRef idx="1">
+            <a:schemeClr val="accent1"/>
+          </a:lnRef>
+          <a:fillRef idx="0">
+            <a:schemeClr val="accent1"/>
+          </a:fillRef>
+          <a:effectRef idx="0">
+            <a:schemeClr val="accent1"/>
+          </a:effectRef>
+          <a:fontRef idx="minor">
+            <a:schemeClr val="tx1"/>
+          </a:fontRef>
+        </p:style>
+      </p:cxnSp>
+      <p:cxnSp>
+        <p:nvCxnSpPr>
+          <p:cNvPr id="28" name="直線矢印コネクタ 27"/>
+          <p:cNvCxnSpPr>
+            <a:stCxn id="9" idx="2"/>
+            <a:endCxn id="20" idx="0"/>
+          </p:cNvCxnSpPr>
+          <p:nvPr/>
+        </p:nvCxnSpPr>
+        <p:spPr>
+          <a:xfrm>
+            <a:off x="1510368" y="4422305"/>
+            <a:ext cx="0" cy="302839"/>
+          </a:xfrm>
+          <a:prstGeom prst="straightConnector1">
+            <a:avLst/>
+          </a:prstGeom>
+          <a:ln>
+            <a:tailEnd type="arrow"/>
+          </a:ln>
+        </p:spPr>
+        <p:style>
+          <a:lnRef idx="1">
+            <a:schemeClr val="accent1"/>
+          </a:lnRef>
+          <a:fillRef idx="0">
+            <a:schemeClr val="accent1"/>
+          </a:fillRef>
+          <a:effectRef idx="0">
+            <a:schemeClr val="accent1"/>
+          </a:effectRef>
+          <a:fontRef idx="minor">
+            <a:schemeClr val="tx1"/>
+          </a:fontRef>
+        </p:style>
+      </p:cxnSp>
+      <p:sp>
+        <p:nvSpPr>
+          <p:cNvPr id="30" name="フローチャート : 端子 29"/>
+          <p:cNvSpPr/>
+          <p:nvPr/>
+        </p:nvSpPr>
+        <p:spPr>
+          <a:xfrm>
+            <a:off x="970308" y="5733256"/>
+            <a:ext cx="1080120" cy="288032"/>
+          </a:xfrm>
+          <a:prstGeom prst="flowChartTerminator">
+            <a:avLst/>
+          </a:prstGeom>
+        </p:spPr>
+        <p:style>
+          <a:lnRef idx="2">
+            <a:schemeClr val="accent1">
+              <a:shade val="50000"/>
+            </a:schemeClr>
+          </a:lnRef>
+          <a:fillRef idx="1">
+            <a:schemeClr val="accent1"/>
+          </a:fillRef>
+          <a:effectRef idx="0">
+            <a:schemeClr val="accent1"/>
+          </a:effectRef>
+          <a:fontRef idx="minor">
+            <a:schemeClr val="lt1"/>
+          </a:fontRef>
+        </p:style>
+        <p:txBody>
+          <a:bodyPr rtlCol="0" anchor="ctr"/>
+          <a:lstStyle/>
+          <a:p>
+            <a:pPr algn="ctr"/>
+            <a:endParaRPr kumimoji="1" lang="ja-JP" altLang="en-US"/>
+          </a:p>
+        </p:txBody>
+      </p:sp>
+      <p:cxnSp>
+        <p:nvCxnSpPr>
+          <p:cNvPr id="32" name="直線矢印コネクタ 31"/>
+          <p:cNvCxnSpPr>
+            <a:stCxn id="20" idx="2"/>
+            <a:endCxn id="30" idx="0"/>
+          </p:cNvCxnSpPr>
+          <p:nvPr/>
+        </p:nvCxnSpPr>
+        <p:spPr>
+          <a:xfrm>
+            <a:off x="1510368" y="5286401"/>
+            <a:ext cx="0" cy="446855"/>
+          </a:xfrm>
+          <a:prstGeom prst="straightConnector1">
+            <a:avLst/>
+          </a:prstGeom>
+          <a:ln>
+            <a:tailEnd type="arrow"/>
+          </a:ln>
+        </p:spPr>
+        <p:style>
+          <a:lnRef idx="1">
+            <a:schemeClr val="accent1"/>
+          </a:lnRef>
+          <a:fillRef idx="0">
+            <a:schemeClr val="accent1"/>
+          </a:fillRef>
+          <a:effectRef idx="0">
+            <a:schemeClr val="accent1"/>
+          </a:effectRef>
+          <a:fontRef idx="minor">
+            <a:schemeClr val="tx1"/>
+          </a:fontRef>
+        </p:style>
+      </p:cxnSp>
+      <p:sp>
+        <p:nvSpPr>
+          <p:cNvPr id="33" name="テキスト ボックス 32"/>
+          <p:cNvSpPr txBox="1"/>
+          <p:nvPr/>
+        </p:nvSpPr>
+        <p:spPr>
+          <a:xfrm>
+            <a:off x="2213196" y="1851230"/>
+            <a:ext cx="324036" cy="369332"/>
+          </a:xfrm>
+          <a:prstGeom prst="rect">
+            <a:avLst/>
+          </a:prstGeom>
+          <a:noFill/>
+        </p:spPr>
+        <p:txBody>
+          <a:bodyPr wrap="square" rtlCol="0">
+            <a:spAutoFit/>
+          </a:bodyPr>
+          <a:lstStyle/>
+          <a:p>
+            <a:r>
+              <a:rPr kumimoji="1" lang="en-US" altLang="ja-JP" dirty="0" smtClean="0"/>
+              <a:t>Y</a:t>
+            </a:r>
+            <a:endParaRPr kumimoji="1" lang="ja-JP" altLang="en-US" dirty="0"/>
+          </a:p>
+        </p:txBody>
+      </p:sp>
+      <p:sp>
+        <p:nvSpPr>
+          <p:cNvPr id="34" name="テキスト ボックス 33"/>
+          <p:cNvSpPr txBox="1"/>
+          <p:nvPr/>
+        </p:nvSpPr>
+        <p:spPr>
+          <a:xfrm>
+            <a:off x="1493116" y="3429000"/>
+            <a:ext cx="324036" cy="369332"/>
+          </a:xfrm>
+          <a:prstGeom prst="rect">
+            <a:avLst/>
+          </a:prstGeom>
+          <a:noFill/>
+        </p:spPr>
+        <p:txBody>
+          <a:bodyPr wrap="square" rtlCol="0">
+            <a:spAutoFit/>
+          </a:bodyPr>
+          <a:lstStyle/>
+          <a:p>
+            <a:r>
+              <a:rPr kumimoji="1" lang="en-US" altLang="ja-JP" dirty="0" smtClean="0"/>
+              <a:t>Y</a:t>
+            </a:r>
+            <a:endParaRPr kumimoji="1" lang="ja-JP" altLang="en-US" dirty="0"/>
+          </a:p>
+        </p:txBody>
+      </p:sp>
+      <p:sp>
+        <p:nvSpPr>
+          <p:cNvPr id="35" name="テキスト ボックス 34"/>
+          <p:cNvSpPr txBox="1"/>
+          <p:nvPr/>
+        </p:nvSpPr>
+        <p:spPr>
+          <a:xfrm>
+            <a:off x="1178076" y="2418999"/>
+            <a:ext cx="324036" cy="369332"/>
+          </a:xfrm>
+          <a:prstGeom prst="rect">
+            <a:avLst/>
+          </a:prstGeom>
+          <a:noFill/>
+        </p:spPr>
+        <p:txBody>
+          <a:bodyPr wrap="square" rtlCol="0">
+            <a:spAutoFit/>
+          </a:bodyPr>
+          <a:lstStyle/>
+          <a:p>
+            <a:r>
+              <a:rPr kumimoji="1" lang="en-US" altLang="ja-JP" dirty="0" smtClean="0"/>
+              <a:t>N</a:t>
+            </a:r>
+            <a:endParaRPr kumimoji="1" lang="ja-JP" altLang="en-US" dirty="0"/>
+          </a:p>
+        </p:txBody>
+      </p:sp>
+      <p:sp>
+        <p:nvSpPr>
+          <p:cNvPr id="36" name="テキスト ボックス 35"/>
+          <p:cNvSpPr txBox="1"/>
+          <p:nvPr/>
+        </p:nvSpPr>
+        <p:spPr>
+          <a:xfrm>
+            <a:off x="2180663" y="2708920"/>
+            <a:ext cx="324036" cy="369332"/>
+          </a:xfrm>
+          <a:prstGeom prst="rect">
+            <a:avLst/>
+          </a:prstGeom>
+          <a:noFill/>
+        </p:spPr>
+        <p:txBody>
+          <a:bodyPr wrap="square" rtlCol="0">
+            <a:spAutoFit/>
+          </a:bodyPr>
+          <a:lstStyle/>
+          <a:p>
+            <a:r>
+              <a:rPr kumimoji="1" lang="en-US" altLang="ja-JP" dirty="0" smtClean="0"/>
+              <a:t>N</a:t>
+            </a:r>
+            <a:endParaRPr kumimoji="1" lang="ja-JP" altLang="en-US" dirty="0"/>
+          </a:p>
+        </p:txBody>
+      </p:sp>
+      <p:sp>
+        <p:nvSpPr>
+          <p:cNvPr id="37" name="正方形/長方形 36"/>
+          <p:cNvSpPr/>
+          <p:nvPr/>
+        </p:nvSpPr>
+        <p:spPr>
+          <a:xfrm>
+            <a:off x="5508104" y="368660"/>
+            <a:ext cx="3312368" cy="2664296"/>
+          </a:xfrm>
+          <a:prstGeom prst="rect">
+            <a:avLst/>
+          </a:prstGeom>
+        </p:spPr>
+        <p:style>
+          <a:lnRef idx="2">
+            <a:schemeClr val="accent1">
+              <a:shade val="50000"/>
+            </a:schemeClr>
+          </a:lnRef>
+          <a:fillRef idx="1">
+            <a:schemeClr val="accent1"/>
+          </a:fillRef>
+          <a:effectRef idx="0">
+            <a:schemeClr val="accent1"/>
+          </a:effectRef>
+          <a:fontRef idx="minor">
+            <a:schemeClr val="lt1"/>
+          </a:fontRef>
+        </p:style>
+        <p:txBody>
+          <a:bodyPr rtlCol="0" anchor="ctr"/>
+          <a:lstStyle/>
+          <a:p>
+            <a:pPr algn="ctr"/>
+            <a:r>
+              <a:rPr kumimoji="1" lang="ja-JP" altLang="en-US" dirty="0" smtClean="0"/>
+              <a:t>入力パラメータ</a:t>
+            </a:r>
+            <a:endParaRPr kumimoji="1" lang="en-US" altLang="ja-JP" dirty="0" smtClean="0"/>
+          </a:p>
+          <a:p>
+            <a:pPr algn="ctr"/>
+            <a:r>
+              <a:rPr lang="en-US" altLang="ja-JP" dirty="0" smtClean="0"/>
+              <a:t>moment buffer</a:t>
+            </a:r>
+            <a:r>
+              <a:rPr lang="ja-JP" altLang="en-US" dirty="0" smtClean="0"/>
+              <a:t>（</a:t>
+            </a:r>
+            <a:r>
+              <a:rPr lang="en-US" altLang="ja-JP" dirty="0" err="1" smtClean="0"/>
+              <a:t>Prev</a:t>
+            </a:r>
+            <a:r>
+              <a:rPr lang="en-US" altLang="ja-JP" dirty="0" smtClean="0"/>
+              <a:t>/Cur</a:t>
+            </a:r>
+            <a:r>
+              <a:rPr lang="ja-JP" altLang="en-US" dirty="0" smtClean="0"/>
+              <a:t>）</a:t>
+            </a:r>
+            <a:endParaRPr lang="en-US" altLang="ja-JP" dirty="0" smtClean="0"/>
+          </a:p>
+        </p:txBody>
+      </p:sp>
+    </p:spTree>
+    <p:extLst>
+      <p:ext uri="{BB962C8B-B14F-4D97-AF65-F5344CB8AC3E}">
+        <p14:creationId xmlns:p14="http://schemas.microsoft.com/office/powerpoint/2010/main" val="1124294377"/>
       </p:ext>
     </p:extLst>
   </p:cSld>

--- a/docs/FlowChartForSVGF.pptx
+++ b/docs/FlowChartForSVGF.pptx
@@ -6733,7 +6733,7 @@
         </p:nvSpPr>
         <p:spPr>
           <a:xfrm>
-            <a:off x="5530756" y="3366515"/>
+            <a:off x="5540816" y="5125368"/>
             <a:ext cx="1080120" cy="288032"/>
           </a:xfrm>
           <a:prstGeom prst="flowChartTerminator">
@@ -6770,14 +6770,14 @@
           <p:cNvPr id="102" name="直線矢印コネクタ 101"/>
           <p:cNvCxnSpPr>
             <a:stCxn id="97" idx="3"/>
-            <a:endCxn id="100" idx="0"/>
+            <a:endCxn id="42" idx="0"/>
           </p:cNvCxnSpPr>
           <p:nvPr/>
         </p:nvCxnSpPr>
         <p:spPr>
-          <a:xfrm flipH="1">
-            <a:off x="6070816" y="3086962"/>
-            <a:ext cx="1059" cy="279553"/>
+          <a:xfrm>
+            <a:off x="6071875" y="3086962"/>
+            <a:ext cx="9001" cy="298257"/>
           </a:xfrm>
           <a:prstGeom prst="straightConnector1">
             <a:avLst/>
@@ -7191,7 +7191,7 @@
         </p:nvSpPr>
         <p:spPr>
           <a:xfrm>
-            <a:off x="5909966" y="4926361"/>
+            <a:off x="2243992" y="5628337"/>
             <a:ext cx="2478458" cy="1094927"/>
           </a:xfrm>
           <a:prstGeom prst="rect">
@@ -7227,6 +7227,218 @@
           </a:p>
         </p:txBody>
       </p:sp>
+      <p:sp>
+        <p:nvSpPr>
+          <p:cNvPr id="41" name="正方形/長方形 40"/>
+          <p:cNvSpPr/>
+          <p:nvPr/>
+        </p:nvSpPr>
+        <p:spPr>
+          <a:xfrm>
+            <a:off x="5324792" y="4237873"/>
+            <a:ext cx="1512168" cy="585945"/>
+          </a:xfrm>
+          <a:prstGeom prst="rect">
+            <a:avLst/>
+          </a:prstGeom>
+        </p:spPr>
+        <p:style>
+          <a:lnRef idx="2">
+            <a:schemeClr val="accent1">
+              <a:shade val="50000"/>
+            </a:schemeClr>
+          </a:lnRef>
+          <a:fillRef idx="1">
+            <a:schemeClr val="accent1"/>
+          </a:fillRef>
+          <a:effectRef idx="0">
+            <a:schemeClr val="accent1"/>
+          </a:effectRef>
+          <a:fontRef idx="minor">
+            <a:schemeClr val="lt1"/>
+          </a:fontRef>
+        </p:style>
+        <p:txBody>
+          <a:bodyPr rtlCol="0" anchor="ctr"/>
+          <a:lstStyle/>
+          <a:p>
+            <a:pPr algn="ctr"/>
+            <a:r>
+              <a:rPr lang="ja-JP" altLang="en-US" sz="1400" dirty="0"/>
+              <a:t>輝度</a:t>
+            </a:r>
+            <a:r>
+              <a:rPr kumimoji="1" lang="ja-JP" altLang="en-US" sz="1400" dirty="0" smtClean="0"/>
+              <a:t>出力</a:t>
+            </a:r>
+            <a:endParaRPr kumimoji="1" lang="en-US" altLang="ja-JP" sz="1400" dirty="0" smtClean="0"/>
+          </a:p>
+          <a:p>
+            <a:pPr algn="ctr"/>
+            <a:r>
+              <a:rPr lang="ja-JP" altLang="en-US" sz="1400" dirty="0" smtClean="0"/>
+              <a:t>（</a:t>
+            </a:r>
+            <a:r>
+              <a:rPr lang="en-US" altLang="ja-JP" sz="1400" dirty="0" err="1" smtClean="0"/>
+              <a:t>TemporalFilter</a:t>
+            </a:r>
+            <a:r>
+              <a:rPr lang="ja-JP" altLang="en-US" sz="1400" dirty="0" smtClean="0"/>
+              <a:t>用</a:t>
+            </a:r>
+            <a:r>
+              <a:rPr lang="ja-JP" altLang="en-US" sz="1400" dirty="0" smtClean="0"/>
+              <a:t>）</a:t>
+            </a:r>
+            <a:endParaRPr kumimoji="1" lang="ja-JP" altLang="en-US" sz="1400" dirty="0"/>
+          </a:p>
+        </p:txBody>
+      </p:sp>
+      <p:sp>
+        <p:nvSpPr>
+          <p:cNvPr id="42" name="正方形/長方形 41"/>
+          <p:cNvSpPr/>
+          <p:nvPr/>
+        </p:nvSpPr>
+        <p:spPr>
+          <a:xfrm>
+            <a:off x="5324792" y="3385219"/>
+            <a:ext cx="1512168" cy="592293"/>
+          </a:xfrm>
+          <a:prstGeom prst="rect">
+            <a:avLst/>
+          </a:prstGeom>
+        </p:spPr>
+        <p:style>
+          <a:lnRef idx="2">
+            <a:schemeClr val="accent1">
+              <a:shade val="50000"/>
+            </a:schemeClr>
+          </a:lnRef>
+          <a:fillRef idx="1">
+            <a:schemeClr val="accent1"/>
+          </a:fillRef>
+          <a:effectRef idx="0">
+            <a:schemeClr val="accent1"/>
+          </a:effectRef>
+          <a:fontRef idx="minor">
+            <a:schemeClr val="lt1"/>
+          </a:fontRef>
+        </p:style>
+        <p:txBody>
+          <a:bodyPr rtlCol="0" anchor="ctr"/>
+          <a:lstStyle/>
+          <a:p>
+            <a:pPr algn="ctr"/>
+            <a:r>
+              <a:rPr kumimoji="1" lang="ja-JP" altLang="en-US" sz="1400" dirty="0" smtClean="0"/>
+              <a:t>輝度</a:t>
+            </a:r>
+            <a:r>
+              <a:rPr kumimoji="1" lang="en-US" altLang="ja-JP" sz="1400" dirty="0" smtClean="0"/>
+              <a:t>moment</a:t>
+            </a:r>
+            <a:r>
+              <a:rPr kumimoji="1" lang="ja-JP" altLang="en-US" sz="1400" dirty="0" smtClean="0"/>
+              <a:t>出力</a:t>
+            </a:r>
+            <a:endParaRPr kumimoji="1" lang="en-US" altLang="ja-JP" sz="1400" dirty="0" smtClean="0"/>
+          </a:p>
+          <a:p>
+            <a:pPr algn="ctr"/>
+            <a:r>
+              <a:rPr lang="ja-JP" altLang="en-US" sz="1400" dirty="0" smtClean="0"/>
+              <a:t>（</a:t>
+            </a:r>
+            <a:r>
+              <a:rPr lang="en-US" altLang="ja-JP" sz="1400" dirty="0" smtClean="0"/>
+              <a:t>A-</a:t>
+            </a:r>
+            <a:r>
+              <a:rPr lang="en-US" altLang="ja-JP" sz="1400" dirty="0" err="1" smtClean="0"/>
+              <a:t>Trous</a:t>
+            </a:r>
+            <a:r>
+              <a:rPr lang="ja-JP" altLang="en-US" sz="1400" dirty="0" smtClean="0"/>
+              <a:t>用）</a:t>
+            </a:r>
+            <a:endParaRPr kumimoji="1" lang="en-US" altLang="ja-JP" sz="1400" dirty="0" smtClean="0"/>
+          </a:p>
+        </p:txBody>
+      </p:sp>
+      <p:cxnSp>
+        <p:nvCxnSpPr>
+          <p:cNvPr id="46" name="直線矢印コネクタ 45"/>
+          <p:cNvCxnSpPr>
+            <a:stCxn id="42" idx="2"/>
+            <a:endCxn id="41" idx="0"/>
+          </p:cNvCxnSpPr>
+          <p:nvPr/>
+        </p:nvCxnSpPr>
+        <p:spPr>
+          <a:xfrm>
+            <a:off x="6080876" y="3977512"/>
+            <a:ext cx="0" cy="260361"/>
+          </a:xfrm>
+          <a:prstGeom prst="straightConnector1">
+            <a:avLst/>
+          </a:prstGeom>
+          <a:ln>
+            <a:tailEnd type="arrow"/>
+          </a:ln>
+        </p:spPr>
+        <p:style>
+          <a:lnRef idx="1">
+            <a:schemeClr val="accent1"/>
+          </a:lnRef>
+          <a:fillRef idx="0">
+            <a:schemeClr val="accent1"/>
+          </a:fillRef>
+          <a:effectRef idx="0">
+            <a:schemeClr val="accent1"/>
+          </a:effectRef>
+          <a:fontRef idx="minor">
+            <a:schemeClr val="tx1"/>
+          </a:fontRef>
+        </p:style>
+      </p:cxnSp>
+      <p:cxnSp>
+        <p:nvCxnSpPr>
+          <p:cNvPr id="52" name="直線矢印コネクタ 51"/>
+          <p:cNvCxnSpPr>
+            <a:stCxn id="41" idx="2"/>
+            <a:endCxn id="100" idx="0"/>
+          </p:cNvCxnSpPr>
+          <p:nvPr/>
+        </p:nvCxnSpPr>
+        <p:spPr>
+          <a:xfrm>
+            <a:off x="6080876" y="4823818"/>
+            <a:ext cx="0" cy="301550"/>
+          </a:xfrm>
+          <a:prstGeom prst="straightConnector1">
+            <a:avLst/>
+          </a:prstGeom>
+          <a:ln>
+            <a:tailEnd type="arrow"/>
+          </a:ln>
+        </p:spPr>
+        <p:style>
+          <a:lnRef idx="1">
+            <a:schemeClr val="accent1"/>
+          </a:lnRef>
+          <a:fillRef idx="0">
+            <a:schemeClr val="accent1"/>
+          </a:fillRef>
+          <a:effectRef idx="0">
+            <a:schemeClr val="accent1"/>
+          </a:effectRef>
+          <a:fontRef idx="minor">
+            <a:schemeClr val="tx1"/>
+          </a:fontRef>
+        </p:style>
+      </p:cxnSp>
     </p:spTree>
     <p:extLst>
       <p:ext uri="{BB962C8B-B14F-4D97-AF65-F5344CB8AC3E}">
@@ -7549,7 +7761,7 @@
         </p:nvSpPr>
         <p:spPr>
           <a:xfrm>
-            <a:off x="791580" y="4005064"/>
+            <a:off x="791580" y="3429000"/>
             <a:ext cx="1512168" cy="585945"/>
           </a:xfrm>
           <a:prstGeom prst="rect">
@@ -7606,13 +7818,13 @@
       </p:sp>
       <p:sp>
         <p:nvSpPr>
-          <p:cNvPr id="11" name="正方形/長方形 10"/>
+          <p:cNvPr id="12" name="正方形/長方形 11"/>
           <p:cNvSpPr/>
           <p:nvPr/>
         </p:nvSpPr>
         <p:spPr>
           <a:xfrm>
-            <a:off x="791580" y="5723375"/>
+            <a:off x="791580" y="4306874"/>
             <a:ext cx="1512168" cy="585945"/>
           </a:xfrm>
           <a:prstGeom prst="rect">
@@ -7641,12 +7853,8 @@
           <a:p>
             <a:pPr algn="ctr"/>
             <a:r>
-              <a:rPr lang="ja-JP" altLang="en-US" sz="1400" dirty="0"/>
-              <a:t>輝度</a:t>
-            </a:r>
-            <a:r>
               <a:rPr kumimoji="1" lang="ja-JP" altLang="en-US" sz="1400" dirty="0" smtClean="0"/>
-              <a:t>出力</a:t>
+              <a:t>テクスチャカラー出力</a:t>
             </a:r>
             <a:endParaRPr kumimoji="1" lang="en-US" altLang="ja-JP" sz="1400" dirty="0" smtClean="0"/>
           </a:p>
@@ -7657,77 +7865,13 @@
               <a:t>（</a:t>
             </a:r>
             <a:r>
-              <a:rPr lang="en-US" altLang="ja-JP" sz="1400" dirty="0" err="1" smtClean="0"/>
-              <a:t>TemporalFilter</a:t>
-            </a:r>
-            <a:r>
-              <a:rPr lang="ja-JP" altLang="en-US" sz="1400" dirty="0" smtClean="0"/>
-              <a:t>用</a:t>
+              <a:rPr lang="en-US" altLang="ja-JP" sz="1400" dirty="0" smtClean="0"/>
+              <a:t>Albedo</a:t>
             </a:r>
             <a:r>
               <a:rPr lang="ja-JP" altLang="en-US" sz="1400" dirty="0" smtClean="0"/>
               <a:t>）</a:t>
             </a:r>
-            <a:endParaRPr kumimoji="1" lang="ja-JP" altLang="en-US" sz="1400" dirty="0"/>
-          </a:p>
-        </p:txBody>
-      </p:sp>
-      <p:sp>
-        <p:nvSpPr>
-          <p:cNvPr id="12" name="正方形/長方形 11"/>
-          <p:cNvSpPr/>
-          <p:nvPr/>
-        </p:nvSpPr>
-        <p:spPr>
-          <a:xfrm>
-            <a:off x="791580" y="4882938"/>
-            <a:ext cx="1512168" cy="585945"/>
-          </a:xfrm>
-          <a:prstGeom prst="rect">
-            <a:avLst/>
-          </a:prstGeom>
-        </p:spPr>
-        <p:style>
-          <a:lnRef idx="2">
-            <a:schemeClr val="accent1">
-              <a:shade val="50000"/>
-            </a:schemeClr>
-          </a:lnRef>
-          <a:fillRef idx="1">
-            <a:schemeClr val="accent1"/>
-          </a:fillRef>
-          <a:effectRef idx="0">
-            <a:schemeClr val="accent1"/>
-          </a:effectRef>
-          <a:fontRef idx="minor">
-            <a:schemeClr val="lt1"/>
-          </a:fontRef>
-        </p:style>
-        <p:txBody>
-          <a:bodyPr rtlCol="0" anchor="ctr"/>
-          <a:lstStyle/>
-          <a:p>
-            <a:pPr algn="ctr"/>
-            <a:r>
-              <a:rPr kumimoji="1" lang="ja-JP" altLang="en-US" sz="1400" dirty="0" smtClean="0"/>
-              <a:t>テクスチャカラー出力</a:t>
-            </a:r>
-            <a:endParaRPr kumimoji="1" lang="en-US" altLang="ja-JP" sz="1400" dirty="0" smtClean="0"/>
-          </a:p>
-          <a:p>
-            <a:pPr algn="ctr"/>
-            <a:r>
-              <a:rPr lang="ja-JP" altLang="en-US" sz="1400" dirty="0" smtClean="0"/>
-              <a:t>（</a:t>
-            </a:r>
-            <a:r>
-              <a:rPr lang="en-US" altLang="ja-JP" sz="1400" dirty="0" smtClean="0"/>
-              <a:t>Albedo</a:t>
-            </a:r>
-            <a:r>
-              <a:rPr lang="ja-JP" altLang="en-US" sz="1400" dirty="0" smtClean="0"/>
-              <a:t>）</a:t>
-            </a:r>
             <a:endParaRPr kumimoji="1" lang="en-US" altLang="ja-JP" sz="1400" dirty="0" smtClean="0"/>
           </a:p>
         </p:txBody>
@@ -7740,7 +7884,7 @@
         </p:nvSpPr>
         <p:spPr>
           <a:xfrm>
-            <a:off x="1007604" y="6453336"/>
+            <a:off x="1007604" y="5147311"/>
             <a:ext cx="1080120" cy="288032"/>
           </a:xfrm>
           <a:prstGeom prst="flowChartTerminator">
@@ -7918,42 +8062,6 @@
       </p:cxnSp>
       <p:cxnSp>
         <p:nvCxnSpPr>
-          <p:cNvPr id="23" name="直線矢印コネクタ 22"/>
-          <p:cNvCxnSpPr>
-            <a:stCxn id="22" idx="2"/>
-            <a:endCxn id="10" idx="0"/>
-          </p:cNvCxnSpPr>
-          <p:nvPr/>
-        </p:nvCxnSpPr>
-        <p:spPr>
-          <a:xfrm>
-            <a:off x="1547664" y="3740197"/>
-            <a:ext cx="0" cy="264867"/>
-          </a:xfrm>
-          <a:prstGeom prst="straightConnector1">
-            <a:avLst/>
-          </a:prstGeom>
-          <a:ln>
-            <a:tailEnd type="arrow"/>
-          </a:ln>
-        </p:spPr>
-        <p:style>
-          <a:lnRef idx="1">
-            <a:schemeClr val="accent1"/>
-          </a:lnRef>
-          <a:fillRef idx="0">
-            <a:schemeClr val="accent1"/>
-          </a:fillRef>
-          <a:effectRef idx="0">
-            <a:schemeClr val="accent1"/>
-          </a:effectRef>
-          <a:fontRef idx="minor">
-            <a:schemeClr val="tx1"/>
-          </a:fontRef>
-        </p:style>
-      </p:cxnSp>
-      <p:cxnSp>
-        <p:nvCxnSpPr>
           <p:cNvPr id="25" name="直線矢印コネクタ 24"/>
           <p:cNvCxnSpPr>
             <a:stCxn id="10" idx="2"/>
@@ -7963,7 +8071,7 @@
         </p:nvCxnSpPr>
         <p:spPr>
           <a:xfrm>
-            <a:off x="1547664" y="4591009"/>
+            <a:off x="1547664" y="4014945"/>
             <a:ext cx="0" cy="291929"/>
           </a:xfrm>
           <a:prstGeom prst="straightConnector1">
@@ -7993,50 +8101,14 @@
           <p:cNvPr id="28" name="直線矢印コネクタ 27"/>
           <p:cNvCxnSpPr>
             <a:stCxn id="12" idx="2"/>
-            <a:endCxn id="11" idx="0"/>
-          </p:cNvCxnSpPr>
-          <p:nvPr/>
-        </p:nvCxnSpPr>
-        <p:spPr>
-          <a:xfrm>
-            <a:off x="1547664" y="5468883"/>
-            <a:ext cx="0" cy="254492"/>
-          </a:xfrm>
-          <a:prstGeom prst="straightConnector1">
-            <a:avLst/>
-          </a:prstGeom>
-          <a:ln>
-            <a:tailEnd type="arrow"/>
-          </a:ln>
-        </p:spPr>
-        <p:style>
-          <a:lnRef idx="1">
-            <a:schemeClr val="accent1"/>
-          </a:lnRef>
-          <a:fillRef idx="0">
-            <a:schemeClr val="accent1"/>
-          </a:fillRef>
-          <a:effectRef idx="0">
-            <a:schemeClr val="accent1"/>
-          </a:effectRef>
-          <a:fontRef idx="minor">
-            <a:schemeClr val="tx1"/>
-          </a:fontRef>
-        </p:style>
-      </p:cxnSp>
-      <p:cxnSp>
-        <p:nvCxnSpPr>
-          <p:cNvPr id="30" name="直線矢印コネクタ 29"/>
-          <p:cNvCxnSpPr>
-            <a:stCxn id="11" idx="2"/>
             <a:endCxn id="13" idx="0"/>
           </p:cNvCxnSpPr>
           <p:nvPr/>
         </p:nvCxnSpPr>
         <p:spPr>
           <a:xfrm>
-            <a:off x="1547664" y="6309320"/>
-            <a:ext cx="0" cy="144016"/>
+            <a:off x="1547664" y="4892819"/>
+            <a:ext cx="0" cy="254492"/>
           </a:xfrm>
           <a:prstGeom prst="straightConnector1">
             <a:avLst/>
@@ -8108,58 +8180,6 @@
               <a:rPr lang="en-US" altLang="ja-JP" dirty="0" smtClean="0"/>
               <a:t>mtxW2C</a:t>
             </a:r>
-          </a:p>
-        </p:txBody>
-      </p:sp>
-      <p:sp>
-        <p:nvSpPr>
-          <p:cNvPr id="22" name="正方形/長方形 21"/>
-          <p:cNvSpPr/>
-          <p:nvPr/>
-        </p:nvSpPr>
-        <p:spPr>
-          <a:xfrm>
-            <a:off x="791580" y="3429000"/>
-            <a:ext cx="1512168" cy="311197"/>
-          </a:xfrm>
-          <a:prstGeom prst="rect">
-            <a:avLst/>
-          </a:prstGeom>
-        </p:spPr>
-        <p:style>
-          <a:lnRef idx="2">
-            <a:schemeClr val="accent1">
-              <a:shade val="50000"/>
-            </a:schemeClr>
-          </a:lnRef>
-          <a:fillRef idx="1">
-            <a:schemeClr val="accent1"/>
-          </a:fillRef>
-          <a:effectRef idx="0">
-            <a:schemeClr val="accent1"/>
-          </a:effectRef>
-          <a:fontRef idx="minor">
-            <a:schemeClr val="lt1"/>
-          </a:fontRef>
-        </p:style>
-        <p:txBody>
-          <a:bodyPr rtlCol="0" anchor="ctr"/>
-          <a:lstStyle/>
-          <a:p>
-            <a:pPr algn="ctr"/>
-            <a:r>
-              <a:rPr kumimoji="1" lang="ja-JP" altLang="en-US" sz="1400" dirty="0" smtClean="0"/>
-              <a:t>輝度</a:t>
-            </a:r>
-            <a:r>
-              <a:rPr kumimoji="1" lang="en-US" altLang="ja-JP" sz="1400" dirty="0" smtClean="0"/>
-              <a:t>moment</a:t>
-            </a:r>
-            <a:r>
-              <a:rPr kumimoji="1" lang="ja-JP" altLang="en-US" sz="1400" dirty="0" smtClean="0"/>
-              <a:t>出力</a:t>
-            </a:r>
-            <a:endParaRPr kumimoji="1" lang="en-US" altLang="ja-JP" sz="1400" dirty="0" smtClean="0"/>
           </a:p>
         </p:txBody>
       </p:sp>
@@ -8168,7 +8188,7 @@
           <p:cNvPr id="24" name="直線矢印コネクタ 23"/>
           <p:cNvCxnSpPr>
             <a:stCxn id="8" idx="2"/>
-            <a:endCxn id="22" idx="0"/>
+            <a:endCxn id="10" idx="0"/>
           </p:cNvCxnSpPr>
           <p:nvPr/>
         </p:nvCxnSpPr>
